--- a/Presentation/panama_papers.pptx
+++ b/Presentation/panama_papers.pptx
@@ -4,22 +4,24 @@
   <p:sldMasterIdLst>
     <p:sldMasterId id="2147483648" r:id="rId1"/>
   </p:sldMasterIdLst>
+  <p:notesMasterIdLst>
+    <p:notesMasterId r:id="rId16"/>
+  </p:notesMasterIdLst>
   <p:sldIdLst>
     <p:sldId id="256" r:id="rId2"/>
-    <p:sldId id="257" r:id="rId3"/>
-    <p:sldId id="258" r:id="rId4"/>
-    <p:sldId id="262" r:id="rId5"/>
-    <p:sldId id="259" r:id="rId6"/>
-    <p:sldId id="260" r:id="rId7"/>
-    <p:sldId id="271" r:id="rId8"/>
-    <p:sldId id="264" r:id="rId9"/>
-    <p:sldId id="261" r:id="rId10"/>
-    <p:sldId id="267" r:id="rId11"/>
-    <p:sldId id="265" r:id="rId12"/>
-    <p:sldId id="268" r:id="rId13"/>
-    <p:sldId id="269" r:id="rId14"/>
-    <p:sldId id="270" r:id="rId15"/>
-    <p:sldId id="266" r:id="rId16"/>
+    <p:sldId id="259" r:id="rId3"/>
+    <p:sldId id="272" r:id="rId4"/>
+    <p:sldId id="273" r:id="rId5"/>
+    <p:sldId id="274" r:id="rId6"/>
+    <p:sldId id="271" r:id="rId7"/>
+    <p:sldId id="276" r:id="rId8"/>
+    <p:sldId id="279" r:id="rId9"/>
+    <p:sldId id="277" r:id="rId10"/>
+    <p:sldId id="270" r:id="rId11"/>
+    <p:sldId id="280" r:id="rId12"/>
+    <p:sldId id="281" r:id="rId13"/>
+    <p:sldId id="282" r:id="rId14"/>
+    <p:sldId id="275" r:id="rId15"/>
   </p:sldIdLst>
   <p:sldSz cx="12192000" cy="6858000"/>
   <p:notesSz cx="6858000" cy="9144000"/>
@@ -124,40 +126,31 @@
         <p14:section name="Introduction" id="{42D8F925-09D4-446C-AE24-B40FEAB4DACB}">
           <p14:sldIdLst>
             <p14:sldId id="256"/>
-            <p14:sldId id="257"/>
-            <p14:sldId id="258"/>
-          </p14:sldIdLst>
-        </p14:section>
-        <p14:section name="Background" id="{DC7E644E-AE8C-4B8D-97DA-268BB577B0BC}">
-          <p14:sldIdLst>
-            <p14:sldId id="262"/>
             <p14:sldId id="259"/>
-          </p14:sldIdLst>
-        </p14:section>
-        <p14:section name="Preprocessing" id="{EF49A664-3A12-424E-A8ED-840041ED3BAE}">
-          <p14:sldIdLst>
-            <p14:sldId id="260"/>
+            <p14:sldId id="272"/>
+            <p14:sldId id="273"/>
+            <p14:sldId id="274"/>
             <p14:sldId id="271"/>
           </p14:sldIdLst>
         </p14:section>
         <p14:section name="Analytics" id="{6757637C-E67C-461C-A0B2-AE2D22F0D8EE}">
           <p14:sldIdLst>
-            <p14:sldId id="264"/>
-            <p14:sldId id="261"/>
-            <p14:sldId id="267"/>
+            <p14:sldId id="276"/>
+            <p14:sldId id="279"/>
+            <p14:sldId id="277"/>
           </p14:sldIdLst>
         </p14:section>
         <p14:section name="Embeddings" id="{80A9F29C-0978-49F5-B5F4-66432C712E66}">
           <p14:sldIdLst>
-            <p14:sldId id="265"/>
-            <p14:sldId id="268"/>
-            <p14:sldId id="269"/>
             <p14:sldId id="270"/>
+            <p14:sldId id="280"/>
+            <p14:sldId id="281"/>
+            <p14:sldId id="282"/>
           </p14:sldIdLst>
         </p14:section>
         <p14:section name="Conclusion" id="{F6BD186B-C377-4171-A141-DD682AD1DB4C}">
           <p14:sldIdLst>
-            <p14:sldId id="266"/>
+            <p14:sldId id="275"/>
           </p14:sldIdLst>
         </p14:section>
       </p14:sectionLst>
@@ -167,6 +160,440 @@
     </p:ext>
   </p:extLst>
 </p:presentation>
+</file>
+
+<file path=ppt/notesMasters/notesMaster1.xml><?xml version="1.0" encoding="utf-8"?>
+<p:notesMaster xmlns:a="http://schemas.openxmlformats.org/drawingml/2006/main" xmlns:r="http://schemas.openxmlformats.org/officeDocument/2006/relationships" xmlns:p="http://schemas.openxmlformats.org/presentationml/2006/main">
+  <p:cSld>
+    <p:bg>
+      <p:bgRef idx="1001">
+        <a:schemeClr val="bg1"/>
+      </p:bgRef>
+    </p:bg>
+    <p:spTree>
+      <p:nvGrpSpPr>
+        <p:cNvPr id="1" name=""/>
+        <p:cNvGrpSpPr/>
+        <p:nvPr/>
+      </p:nvGrpSpPr>
+      <p:grpSpPr>
+        <a:xfrm>
+          <a:off x="0" y="0"/>
+          <a:ext cx="0" cy="0"/>
+          <a:chOff x="0" y="0"/>
+          <a:chExt cx="0" cy="0"/>
+        </a:xfrm>
+      </p:grpSpPr>
+      <p:sp>
+        <p:nvSpPr>
+          <p:cNvPr id="2" name="Header Placeholder 1"/>
+          <p:cNvSpPr>
+            <a:spLocks noGrp="1"/>
+          </p:cNvSpPr>
+          <p:nvPr>
+            <p:ph type="hdr" sz="quarter"/>
+          </p:nvPr>
+        </p:nvSpPr>
+        <p:spPr>
+          <a:xfrm>
+            <a:off x="0" y="0"/>
+            <a:ext cx="2971800" cy="458788"/>
+          </a:xfrm>
+          <a:prstGeom prst="rect">
+            <a:avLst/>
+          </a:prstGeom>
+        </p:spPr>
+        <p:txBody>
+          <a:bodyPr vert="horz" lIns="91440" tIns="45720" rIns="91440" bIns="45720" rtlCol="0"/>
+          <a:lstStyle>
+            <a:lvl1pPr algn="l">
+              <a:defRPr sz="1200"/>
+            </a:lvl1pPr>
+          </a:lstStyle>
+          <a:p>
+            <a:endParaRPr lang="en-US"/>
+          </a:p>
+        </p:txBody>
+      </p:sp>
+      <p:sp>
+        <p:nvSpPr>
+          <p:cNvPr id="3" name="Date Placeholder 2"/>
+          <p:cNvSpPr>
+            <a:spLocks noGrp="1"/>
+          </p:cNvSpPr>
+          <p:nvPr>
+            <p:ph type="dt" idx="1"/>
+          </p:nvPr>
+        </p:nvSpPr>
+        <p:spPr>
+          <a:xfrm>
+            <a:off x="3884613" y="0"/>
+            <a:ext cx="2971800" cy="458788"/>
+          </a:xfrm>
+          <a:prstGeom prst="rect">
+            <a:avLst/>
+          </a:prstGeom>
+        </p:spPr>
+        <p:txBody>
+          <a:bodyPr vert="horz" lIns="91440" tIns="45720" rIns="91440" bIns="45720" rtlCol="0"/>
+          <a:lstStyle>
+            <a:lvl1pPr algn="r">
+              <a:defRPr sz="1200"/>
+            </a:lvl1pPr>
+          </a:lstStyle>
+          <a:p>
+            <a:fld id="{8778E76A-2E41-48C4-ADA8-540A51582939}" type="datetimeFigureOut">
+              <a:rPr lang="en-US" smtClean="0"/>
+              <a:t>1/5/2022</a:t>
+            </a:fld>
+            <a:endParaRPr lang="en-US"/>
+          </a:p>
+        </p:txBody>
+      </p:sp>
+      <p:sp>
+        <p:nvSpPr>
+          <p:cNvPr id="4" name="Slide Image Placeholder 3"/>
+          <p:cNvSpPr>
+            <a:spLocks noGrp="1" noRot="1" noChangeAspect="1"/>
+          </p:cNvSpPr>
+          <p:nvPr>
+            <p:ph type="sldImg" idx="2"/>
+          </p:nvPr>
+        </p:nvSpPr>
+        <p:spPr>
+          <a:xfrm>
+            <a:off x="685800" y="1143000"/>
+            <a:ext cx="5486400" cy="3086100"/>
+          </a:xfrm>
+          <a:prstGeom prst="rect">
+            <a:avLst/>
+          </a:prstGeom>
+          <a:noFill/>
+          <a:ln w="12700">
+            <a:solidFill>
+              <a:prstClr val="black"/>
+            </a:solidFill>
+          </a:ln>
+        </p:spPr>
+        <p:txBody>
+          <a:bodyPr vert="horz" lIns="91440" tIns="45720" rIns="91440" bIns="45720" rtlCol="0" anchor="ctr"/>
+          <a:lstStyle/>
+          <a:p>
+            <a:endParaRPr lang="en-US"/>
+          </a:p>
+        </p:txBody>
+      </p:sp>
+      <p:sp>
+        <p:nvSpPr>
+          <p:cNvPr id="5" name="Notes Placeholder 4"/>
+          <p:cNvSpPr>
+            <a:spLocks noGrp="1"/>
+          </p:cNvSpPr>
+          <p:nvPr>
+            <p:ph type="body" sz="quarter" idx="3"/>
+          </p:nvPr>
+        </p:nvSpPr>
+        <p:spPr>
+          <a:xfrm>
+            <a:off x="685800" y="4400550"/>
+            <a:ext cx="5486400" cy="3600450"/>
+          </a:xfrm>
+          <a:prstGeom prst="rect">
+            <a:avLst/>
+          </a:prstGeom>
+        </p:spPr>
+        <p:txBody>
+          <a:bodyPr vert="horz" lIns="91440" tIns="45720" rIns="91440" bIns="45720" rtlCol="0"/>
+          <a:lstStyle/>
+          <a:p>
+            <a:pPr lvl="0"/>
+            <a:r>
+              <a:rPr lang="en-US" smtClean="0"/>
+              <a:t>Edit Master text styles</a:t>
+            </a:r>
+          </a:p>
+          <a:p>
+            <a:pPr lvl="1"/>
+            <a:r>
+              <a:rPr lang="en-US" smtClean="0"/>
+              <a:t>Second level</a:t>
+            </a:r>
+          </a:p>
+          <a:p>
+            <a:pPr lvl="2"/>
+            <a:r>
+              <a:rPr lang="en-US" smtClean="0"/>
+              <a:t>Third level</a:t>
+            </a:r>
+          </a:p>
+          <a:p>
+            <a:pPr lvl="3"/>
+            <a:r>
+              <a:rPr lang="en-US" smtClean="0"/>
+              <a:t>Fourth level</a:t>
+            </a:r>
+          </a:p>
+          <a:p>
+            <a:pPr lvl="4"/>
+            <a:r>
+              <a:rPr lang="en-US" smtClean="0"/>
+              <a:t>Fifth level</a:t>
+            </a:r>
+            <a:endParaRPr lang="en-US"/>
+          </a:p>
+        </p:txBody>
+      </p:sp>
+      <p:sp>
+        <p:nvSpPr>
+          <p:cNvPr id="6" name="Footer Placeholder 5"/>
+          <p:cNvSpPr>
+            <a:spLocks noGrp="1"/>
+          </p:cNvSpPr>
+          <p:nvPr>
+            <p:ph type="ftr" sz="quarter" idx="4"/>
+          </p:nvPr>
+        </p:nvSpPr>
+        <p:spPr>
+          <a:xfrm>
+            <a:off x="0" y="8685213"/>
+            <a:ext cx="2971800" cy="458787"/>
+          </a:xfrm>
+          <a:prstGeom prst="rect">
+            <a:avLst/>
+          </a:prstGeom>
+        </p:spPr>
+        <p:txBody>
+          <a:bodyPr vert="horz" lIns="91440" tIns="45720" rIns="91440" bIns="45720" rtlCol="0" anchor="b"/>
+          <a:lstStyle>
+            <a:lvl1pPr algn="l">
+              <a:defRPr sz="1200"/>
+            </a:lvl1pPr>
+          </a:lstStyle>
+          <a:p>
+            <a:endParaRPr lang="en-US"/>
+          </a:p>
+        </p:txBody>
+      </p:sp>
+      <p:sp>
+        <p:nvSpPr>
+          <p:cNvPr id="7" name="Slide Number Placeholder 6"/>
+          <p:cNvSpPr>
+            <a:spLocks noGrp="1"/>
+          </p:cNvSpPr>
+          <p:nvPr>
+            <p:ph type="sldNum" sz="quarter" idx="5"/>
+          </p:nvPr>
+        </p:nvSpPr>
+        <p:spPr>
+          <a:xfrm>
+            <a:off x="3884613" y="8685213"/>
+            <a:ext cx="2971800" cy="458787"/>
+          </a:xfrm>
+          <a:prstGeom prst="rect">
+            <a:avLst/>
+          </a:prstGeom>
+        </p:spPr>
+        <p:txBody>
+          <a:bodyPr vert="horz" lIns="91440" tIns="45720" rIns="91440" bIns="45720" rtlCol="0" anchor="b"/>
+          <a:lstStyle>
+            <a:lvl1pPr algn="r">
+              <a:defRPr sz="1200"/>
+            </a:lvl1pPr>
+          </a:lstStyle>
+          <a:p>
+            <a:fld id="{A8FEDC7E-8DBE-4295-A413-BC285D66FFBD}" type="slidenum">
+              <a:rPr lang="en-US" smtClean="0"/>
+              <a:t>‹#›</a:t>
+            </a:fld>
+            <a:endParaRPr lang="en-US"/>
+          </a:p>
+        </p:txBody>
+      </p:sp>
+    </p:spTree>
+    <p:extLst>
+      <p:ext uri="{BB962C8B-B14F-4D97-AF65-F5344CB8AC3E}">
+        <p14:creationId xmlns:p14="http://schemas.microsoft.com/office/powerpoint/2010/main" val="22384967"/>
+      </p:ext>
+    </p:extLst>
+  </p:cSld>
+  <p:clrMap bg1="lt1" tx1="dk1" bg2="lt2" tx2="dk2" accent1="accent1" accent2="accent2" accent3="accent3" accent4="accent4" accent5="accent5" accent6="accent6" hlink="hlink" folHlink="folHlink"/>
+  <p:notesStyle>
+    <a:lvl1pPr marL="0" algn="l" defTabSz="914400" rtl="0" eaLnBrk="1" latinLnBrk="0" hangingPunct="1">
+      <a:defRPr sz="1200" kern="1200">
+        <a:solidFill>
+          <a:schemeClr val="tx1"/>
+        </a:solidFill>
+        <a:latin typeface="+mn-lt"/>
+        <a:ea typeface="+mn-ea"/>
+        <a:cs typeface="+mn-cs"/>
+      </a:defRPr>
+    </a:lvl1pPr>
+    <a:lvl2pPr marL="457200" algn="l" defTabSz="914400" rtl="0" eaLnBrk="1" latinLnBrk="0" hangingPunct="1">
+      <a:defRPr sz="1200" kern="1200">
+        <a:solidFill>
+          <a:schemeClr val="tx1"/>
+        </a:solidFill>
+        <a:latin typeface="+mn-lt"/>
+        <a:ea typeface="+mn-ea"/>
+        <a:cs typeface="+mn-cs"/>
+      </a:defRPr>
+    </a:lvl2pPr>
+    <a:lvl3pPr marL="914400" algn="l" defTabSz="914400" rtl="0" eaLnBrk="1" latinLnBrk="0" hangingPunct="1">
+      <a:defRPr sz="1200" kern="1200">
+        <a:solidFill>
+          <a:schemeClr val="tx1"/>
+        </a:solidFill>
+        <a:latin typeface="+mn-lt"/>
+        <a:ea typeface="+mn-ea"/>
+        <a:cs typeface="+mn-cs"/>
+      </a:defRPr>
+    </a:lvl3pPr>
+    <a:lvl4pPr marL="1371600" algn="l" defTabSz="914400" rtl="0" eaLnBrk="1" latinLnBrk="0" hangingPunct="1">
+      <a:defRPr sz="1200" kern="1200">
+        <a:solidFill>
+          <a:schemeClr val="tx1"/>
+        </a:solidFill>
+        <a:latin typeface="+mn-lt"/>
+        <a:ea typeface="+mn-ea"/>
+        <a:cs typeface="+mn-cs"/>
+      </a:defRPr>
+    </a:lvl4pPr>
+    <a:lvl5pPr marL="1828800" algn="l" defTabSz="914400" rtl="0" eaLnBrk="1" latinLnBrk="0" hangingPunct="1">
+      <a:defRPr sz="1200" kern="1200">
+        <a:solidFill>
+          <a:schemeClr val="tx1"/>
+        </a:solidFill>
+        <a:latin typeface="+mn-lt"/>
+        <a:ea typeface="+mn-ea"/>
+        <a:cs typeface="+mn-cs"/>
+      </a:defRPr>
+    </a:lvl5pPr>
+    <a:lvl6pPr marL="2286000" algn="l" defTabSz="914400" rtl="0" eaLnBrk="1" latinLnBrk="0" hangingPunct="1">
+      <a:defRPr sz="1200" kern="1200">
+        <a:solidFill>
+          <a:schemeClr val="tx1"/>
+        </a:solidFill>
+        <a:latin typeface="+mn-lt"/>
+        <a:ea typeface="+mn-ea"/>
+        <a:cs typeface="+mn-cs"/>
+      </a:defRPr>
+    </a:lvl6pPr>
+    <a:lvl7pPr marL="2743200" algn="l" defTabSz="914400" rtl="0" eaLnBrk="1" latinLnBrk="0" hangingPunct="1">
+      <a:defRPr sz="1200" kern="1200">
+        <a:solidFill>
+          <a:schemeClr val="tx1"/>
+        </a:solidFill>
+        <a:latin typeface="+mn-lt"/>
+        <a:ea typeface="+mn-ea"/>
+        <a:cs typeface="+mn-cs"/>
+      </a:defRPr>
+    </a:lvl7pPr>
+    <a:lvl8pPr marL="3200400" algn="l" defTabSz="914400" rtl="0" eaLnBrk="1" latinLnBrk="0" hangingPunct="1">
+      <a:defRPr sz="1200" kern="1200">
+        <a:solidFill>
+          <a:schemeClr val="tx1"/>
+        </a:solidFill>
+        <a:latin typeface="+mn-lt"/>
+        <a:ea typeface="+mn-ea"/>
+        <a:cs typeface="+mn-cs"/>
+      </a:defRPr>
+    </a:lvl8pPr>
+    <a:lvl9pPr marL="3657600" algn="l" defTabSz="914400" rtl="0" eaLnBrk="1" latinLnBrk="0" hangingPunct="1">
+      <a:defRPr sz="1200" kern="1200">
+        <a:solidFill>
+          <a:schemeClr val="tx1"/>
+        </a:solidFill>
+        <a:latin typeface="+mn-lt"/>
+        <a:ea typeface="+mn-ea"/>
+        <a:cs typeface="+mn-cs"/>
+      </a:defRPr>
+    </a:lvl9pPr>
+  </p:notesStyle>
+</p:notesMaster>
+</file>
+
+<file path=ppt/notesSlides/notesSlide1.xml><?xml version="1.0" encoding="utf-8"?>
+<p:notes xmlns:a="http://schemas.openxmlformats.org/drawingml/2006/main" xmlns:r="http://schemas.openxmlformats.org/officeDocument/2006/relationships" xmlns:p="http://schemas.openxmlformats.org/presentationml/2006/main">
+  <p:cSld>
+    <p:spTree>
+      <p:nvGrpSpPr>
+        <p:cNvPr id="1" name=""/>
+        <p:cNvGrpSpPr/>
+        <p:nvPr/>
+      </p:nvGrpSpPr>
+      <p:grpSpPr>
+        <a:xfrm>
+          <a:off x="0" y="0"/>
+          <a:ext cx="0" cy="0"/>
+          <a:chOff x="0" y="0"/>
+          <a:chExt cx="0" cy="0"/>
+        </a:xfrm>
+      </p:grpSpPr>
+      <p:sp>
+        <p:nvSpPr>
+          <p:cNvPr id="2" name="Slide Image Placeholder 1"/>
+          <p:cNvSpPr>
+            <a:spLocks noGrp="1" noRot="1" noChangeAspect="1"/>
+          </p:cNvSpPr>
+          <p:nvPr>
+            <p:ph type="sldImg"/>
+          </p:nvPr>
+        </p:nvSpPr>
+        <p:spPr/>
+      </p:sp>
+      <p:sp>
+        <p:nvSpPr>
+          <p:cNvPr id="3" name="Notes Placeholder 2"/>
+          <p:cNvSpPr>
+            <a:spLocks noGrp="1"/>
+          </p:cNvSpPr>
+          <p:nvPr>
+            <p:ph type="body" idx="1"/>
+          </p:nvPr>
+        </p:nvSpPr>
+        <p:spPr/>
+        <p:txBody>
+          <a:bodyPr/>
+          <a:lstStyle/>
+          <a:p>
+            <a:endParaRPr lang="en-US" dirty="0"/>
+          </a:p>
+        </p:txBody>
+      </p:sp>
+      <p:sp>
+        <p:nvSpPr>
+          <p:cNvPr id="4" name="Slide Number Placeholder 3"/>
+          <p:cNvSpPr>
+            <a:spLocks noGrp="1"/>
+          </p:cNvSpPr>
+          <p:nvPr>
+            <p:ph type="sldNum" sz="quarter" idx="10"/>
+          </p:nvPr>
+        </p:nvSpPr>
+        <p:spPr/>
+        <p:txBody>
+          <a:bodyPr/>
+          <a:lstStyle/>
+          <a:p>
+            <a:fld id="{A8FEDC7E-8DBE-4295-A413-BC285D66FFBD}" type="slidenum">
+              <a:rPr lang="en-US" smtClean="0"/>
+              <a:t>1</a:t>
+            </a:fld>
+            <a:endParaRPr lang="en-US"/>
+          </a:p>
+        </p:txBody>
+      </p:sp>
+    </p:spTree>
+    <p:extLst>
+      <p:ext uri="{BB962C8B-B14F-4D97-AF65-F5344CB8AC3E}">
+        <p14:creationId xmlns:p14="http://schemas.microsoft.com/office/powerpoint/2010/main" val="3189119456"/>
+      </p:ext>
+    </p:extLst>
+  </p:cSld>
+  <p:clrMapOvr>
+    <a:masterClrMapping/>
+  </p:clrMapOvr>
+</p:notes>
 </file>
 
 <file path=ppt/slideLayouts/slideLayout1.xml><?xml version="1.0" encoding="utf-8"?>
@@ -300,7 +727,7 @@
           <a:p>
             <a:fld id="{64CE723C-865C-4977-A0F6-062291E3B727}" type="datetimeFigureOut">
               <a:rPr lang="en-US" smtClean="0"/>
-              <a:t>1/4/2022</a:t>
+              <a:t>1/5/2022</a:t>
             </a:fld>
             <a:endParaRPr lang="en-US"/>
           </a:p>
@@ -470,7 +897,7 @@
           <a:p>
             <a:fld id="{64CE723C-865C-4977-A0F6-062291E3B727}" type="datetimeFigureOut">
               <a:rPr lang="en-US" smtClean="0"/>
-              <a:t>1/4/2022</a:t>
+              <a:t>1/5/2022</a:t>
             </a:fld>
             <a:endParaRPr lang="en-US"/>
           </a:p>
@@ -650,7 +1077,7 @@
           <a:p>
             <a:fld id="{64CE723C-865C-4977-A0F6-062291E3B727}" type="datetimeFigureOut">
               <a:rPr lang="en-US" smtClean="0"/>
-              <a:t>1/4/2022</a:t>
+              <a:t>1/5/2022</a:t>
             </a:fld>
             <a:endParaRPr lang="en-US"/>
           </a:p>
@@ -820,7 +1247,7 @@
           <a:p>
             <a:fld id="{64CE723C-865C-4977-A0F6-062291E3B727}" type="datetimeFigureOut">
               <a:rPr lang="en-US" smtClean="0"/>
-              <a:t>1/4/2022</a:t>
+              <a:t>1/5/2022</a:t>
             </a:fld>
             <a:endParaRPr lang="en-US"/>
           </a:p>
@@ -1066,7 +1493,7 @@
           <a:p>
             <a:fld id="{64CE723C-865C-4977-A0F6-062291E3B727}" type="datetimeFigureOut">
               <a:rPr lang="en-US" smtClean="0"/>
-              <a:t>1/4/2022</a:t>
+              <a:t>1/5/2022</a:t>
             </a:fld>
             <a:endParaRPr lang="en-US"/>
           </a:p>
@@ -1298,7 +1725,7 @@
           <a:p>
             <a:fld id="{64CE723C-865C-4977-A0F6-062291E3B727}" type="datetimeFigureOut">
               <a:rPr lang="en-US" smtClean="0"/>
-              <a:t>1/4/2022</a:t>
+              <a:t>1/5/2022</a:t>
             </a:fld>
             <a:endParaRPr lang="en-US"/>
           </a:p>
@@ -1665,7 +2092,7 @@
           <a:p>
             <a:fld id="{64CE723C-865C-4977-A0F6-062291E3B727}" type="datetimeFigureOut">
               <a:rPr lang="en-US" smtClean="0"/>
-              <a:t>1/4/2022</a:t>
+              <a:t>1/5/2022</a:t>
             </a:fld>
             <a:endParaRPr lang="en-US"/>
           </a:p>
@@ -1783,7 +2210,7 @@
           <a:p>
             <a:fld id="{64CE723C-865C-4977-A0F6-062291E3B727}" type="datetimeFigureOut">
               <a:rPr lang="en-US" smtClean="0"/>
-              <a:t>1/4/2022</a:t>
+              <a:t>1/5/2022</a:t>
             </a:fld>
             <a:endParaRPr lang="en-US"/>
           </a:p>
@@ -1878,7 +2305,7 @@
           <a:p>
             <a:fld id="{64CE723C-865C-4977-A0F6-062291E3B727}" type="datetimeFigureOut">
               <a:rPr lang="en-US" smtClean="0"/>
-              <a:t>1/4/2022</a:t>
+              <a:t>1/5/2022</a:t>
             </a:fld>
             <a:endParaRPr lang="en-US"/>
           </a:p>
@@ -2155,7 +2582,7 @@
           <a:p>
             <a:fld id="{64CE723C-865C-4977-A0F6-062291E3B727}" type="datetimeFigureOut">
               <a:rPr lang="en-US" smtClean="0"/>
-              <a:t>1/4/2022</a:t>
+              <a:t>1/5/2022</a:t>
             </a:fld>
             <a:endParaRPr lang="en-US"/>
           </a:p>
@@ -2408,7 +2835,7 @@
           <a:p>
             <a:fld id="{64CE723C-865C-4977-A0F6-062291E3B727}" type="datetimeFigureOut">
               <a:rPr lang="en-US" smtClean="0"/>
-              <a:t>1/4/2022</a:t>
+              <a:t>1/5/2022</a:t>
             </a:fld>
             <a:endParaRPr lang="en-US"/>
           </a:p>
@@ -2621,7 +3048,7 @@
           <a:p>
             <a:fld id="{64CE723C-865C-4977-A0F6-062291E3B727}" type="datetimeFigureOut">
               <a:rPr lang="en-US" smtClean="0"/>
-              <a:t>1/4/2022</a:t>
+              <a:t>1/5/2022</a:t>
             </a:fld>
             <a:endParaRPr lang="en-US"/>
           </a:p>
@@ -3026,94 +3453,16 @@
           <a:chExt cx="0" cy="0"/>
         </a:xfrm>
       </p:grpSpPr>
-      <p:sp>
-        <p:nvSpPr>
-          <p:cNvPr id="2" name="Title 1"/>
-          <p:cNvSpPr>
-            <a:spLocks noGrp="1"/>
-          </p:cNvSpPr>
-          <p:nvPr>
-            <p:ph type="ctrTitle"/>
-          </p:nvPr>
-        </p:nvSpPr>
-        <p:spPr>
-          <a:xfrm>
-            <a:off x="1524000" y="1486347"/>
-            <a:ext cx="9144000" cy="2387600"/>
-          </a:xfrm>
-        </p:spPr>
-        <p:txBody>
-          <a:bodyPr>
-            <a:normAutofit/>
-          </a:bodyPr>
-          <a:lstStyle/>
-          <a:p>
-            <a:r>
-              <a:rPr lang="en-US" dirty="0" smtClean="0"/>
-              <a:t>Panama Papers Analysis</a:t>
-            </a:r>
-            <a:br>
-              <a:rPr lang="en-US" dirty="0" smtClean="0"/>
-            </a:br>
-            <a:r>
-              <a:rPr lang="en-US" sz="2400" dirty="0" smtClean="0"/>
-              <a:t>through Graph Analytics and Embeddings</a:t>
-            </a:r>
-            <a:r>
-              <a:rPr lang="en-US" dirty="0" smtClean="0"/>
-              <a:t/>
-            </a:r>
-            <a:br>
-              <a:rPr lang="en-US" dirty="0" smtClean="0"/>
-            </a:br>
-            <a:endParaRPr lang="en-US" dirty="0"/>
-          </a:p>
-        </p:txBody>
-      </p:sp>
-      <p:sp>
-        <p:nvSpPr>
-          <p:cNvPr id="3" name="Subtitle 2"/>
-          <p:cNvSpPr>
-            <a:spLocks noGrp="1"/>
-          </p:cNvSpPr>
-          <p:nvPr>
-            <p:ph type="subTitle" idx="1"/>
-          </p:nvPr>
-        </p:nvSpPr>
-        <p:spPr>
-          <a:xfrm>
-            <a:off x="1524000" y="4436539"/>
-            <a:ext cx="9144000" cy="1254047"/>
-          </a:xfrm>
-        </p:spPr>
-        <p:txBody>
-          <a:bodyPr/>
-          <a:lstStyle/>
-          <a:p>
-            <a:r>
-              <a:rPr lang="en-US" dirty="0" smtClean="0"/>
-              <a:t>Manos Chatzakis, Eva Chamilaki</a:t>
-            </a:r>
-          </a:p>
-          <a:p>
-            <a:r>
-              <a:rPr lang="en-US" dirty="0" smtClean="0"/>
-              <a:t>Presentation for the course cs484 – Complex Networks Dynamics</a:t>
-            </a:r>
-            <a:endParaRPr lang="en-US" dirty="0"/>
-          </a:p>
-        </p:txBody>
-      </p:sp>
       <p:pic>
         <p:nvPicPr>
-          <p:cNvPr id="4" name="Picture 3"/>
+          <p:cNvPr id="16" name="Picture 15"/>
           <p:cNvPicPr>
             <a:picLocks noChangeAspect="1"/>
           </p:cNvPicPr>
           <p:nvPr/>
         </p:nvPicPr>
         <p:blipFill>
-          <a:blip r:embed="rId2" cstate="print">
+          <a:blip r:embed="rId3" cstate="print">
             <a:extLst>
               <a:ext uri="{28A0092B-C50C-407E-A947-70E740481C1C}">
                 <a14:useLocalDpi xmlns:a14="http://schemas.microsoft.com/office/drawing/2010/main" val="0"/>
@@ -3126,8 +3475,251 @@
         </p:blipFill>
         <p:spPr>
           <a:xfrm>
-            <a:off x="532073" y="547600"/>
-            <a:ext cx="1557726" cy="1556407"/>
+            <a:off x="4844527" y="2286554"/>
+            <a:ext cx="2211075" cy="2211075"/>
+          </a:xfrm>
+          <a:prstGeom prst="rect">
+            <a:avLst/>
+          </a:prstGeom>
+        </p:spPr>
+      </p:pic>
+      <p:sp>
+        <p:nvSpPr>
+          <p:cNvPr id="2" name="Title 1"/>
+          <p:cNvSpPr>
+            <a:spLocks noGrp="1"/>
+          </p:cNvSpPr>
+          <p:nvPr>
+            <p:ph type="ctrTitle"/>
+          </p:nvPr>
+        </p:nvSpPr>
+        <p:spPr>
+          <a:xfrm>
+            <a:off x="1378067" y="390033"/>
+            <a:ext cx="9144000" cy="2387600"/>
+          </a:xfrm>
+        </p:spPr>
+        <p:txBody>
+          <a:bodyPr>
+            <a:noAutofit/>
+          </a:bodyPr>
+          <a:lstStyle/>
+          <a:p>
+            <a:r>
+              <a:rPr lang="en-US" b="1" dirty="0"/>
+              <a:t>Panama Papers Analysis</a:t>
+            </a:r>
+            <a:r>
+              <a:rPr lang="en-US" dirty="0"/>
+              <a:t/>
+            </a:r>
+            <a:br>
+              <a:rPr lang="en-US" dirty="0"/>
+            </a:br>
+            <a:r>
+              <a:rPr lang="en-US" sz="2000" i="1" dirty="0"/>
+              <a:t>through </a:t>
+            </a:r>
+            <a:r>
+              <a:rPr lang="en-US" sz="2000" b="1" i="1" dirty="0"/>
+              <a:t>Graph Analytics </a:t>
+            </a:r>
+            <a:r>
+              <a:rPr lang="en-US" sz="2000" i="1" dirty="0"/>
+              <a:t>and </a:t>
+            </a:r>
+            <a:r>
+              <a:rPr lang="en-US" sz="2000" b="1" i="1" dirty="0"/>
+              <a:t>Embeddings</a:t>
+            </a:r>
+            <a:r>
+              <a:rPr lang="en-US" sz="2000" dirty="0"/>
+              <a:t/>
+            </a:r>
+            <a:br>
+              <a:rPr lang="en-US" sz="2000" dirty="0"/>
+            </a:br>
+            <a:endParaRPr lang="en-US" sz="4400" dirty="0"/>
+          </a:p>
+        </p:txBody>
+      </p:sp>
+      <p:sp>
+        <p:nvSpPr>
+          <p:cNvPr id="3" name="Subtitle 2"/>
+          <p:cNvSpPr>
+            <a:spLocks noGrp="1"/>
+          </p:cNvSpPr>
+          <p:nvPr>
+            <p:ph type="subTitle" idx="1"/>
+          </p:nvPr>
+        </p:nvSpPr>
+        <p:spPr>
+          <a:xfrm>
+            <a:off x="1519581" y="4557323"/>
+            <a:ext cx="8860971" cy="918982"/>
+          </a:xfrm>
+        </p:spPr>
+        <p:txBody>
+          <a:bodyPr>
+            <a:noAutofit/>
+          </a:bodyPr>
+          <a:lstStyle/>
+          <a:p>
+            <a:r>
+              <a:rPr lang="en-US" sz="1600" dirty="0">
+                <a:latin typeface="+mj-lt"/>
+                <a:ea typeface="+mj-ea"/>
+                <a:cs typeface="+mj-cs"/>
+              </a:rPr>
+              <a:t>Manos </a:t>
+            </a:r>
+            <a:r>
+              <a:rPr lang="en-US" sz="1600" dirty="0" smtClean="0">
+                <a:latin typeface="+mj-lt"/>
+                <a:ea typeface="+mj-ea"/>
+                <a:cs typeface="+mj-cs"/>
+              </a:rPr>
+              <a:t>Chatzakis and Eva </a:t>
+            </a:r>
+            <a:r>
+              <a:rPr lang="en-US" sz="1600" dirty="0" err="1">
+                <a:latin typeface="+mj-lt"/>
+                <a:ea typeface="+mj-ea"/>
+                <a:cs typeface="+mj-cs"/>
+              </a:rPr>
+              <a:t>Chamilaki</a:t>
+            </a:r>
+            <a:endParaRPr lang="en-US" sz="1600" dirty="0">
+              <a:latin typeface="+mj-lt"/>
+              <a:ea typeface="+mj-ea"/>
+              <a:cs typeface="+mj-cs"/>
+            </a:endParaRPr>
+          </a:p>
+          <a:p>
+            <a:r>
+              <a:rPr lang="en-US" sz="1600" b="1" dirty="0">
+                <a:latin typeface="+mj-lt"/>
+                <a:ea typeface="+mj-ea"/>
+                <a:cs typeface="+mj-cs"/>
+              </a:rPr>
+              <a:t>Complex Networks Dynamics</a:t>
+            </a:r>
+            <a:endParaRPr lang="en-US" sz="1600" b="1" dirty="0">
+              <a:latin typeface="+mj-lt"/>
+              <a:ea typeface="+mj-ea"/>
+              <a:cs typeface="+mj-cs"/>
+            </a:endParaRPr>
+          </a:p>
+        </p:txBody>
+      </p:sp>
+      <p:pic>
+        <p:nvPicPr>
+          <p:cNvPr id="4" name="Picture 3"/>
+          <p:cNvPicPr>
+            <a:picLocks noChangeAspect="1"/>
+          </p:cNvPicPr>
+          <p:nvPr/>
+        </p:nvPicPr>
+        <p:blipFill>
+          <a:blip r:embed="rId4" cstate="print">
+            <a:extLst>
+              <a:ext uri="{28A0092B-C50C-407E-A947-70E740481C1C}">
+                <a14:useLocalDpi xmlns:a14="http://schemas.microsoft.com/office/drawing/2010/main" val="0"/>
+              </a:ext>
+            </a:extLst>
+          </a:blip>
+          <a:stretch>
+            <a:fillRect/>
+          </a:stretch>
+        </p:blipFill>
+        <p:spPr>
+          <a:xfrm>
+            <a:off x="485420" y="342327"/>
+            <a:ext cx="1581118" cy="1579779"/>
+          </a:xfrm>
+          <a:prstGeom prst="rect">
+            <a:avLst/>
+          </a:prstGeom>
+        </p:spPr>
+      </p:pic>
+      <p:pic>
+        <p:nvPicPr>
+          <p:cNvPr id="12" name="Picture 11"/>
+          <p:cNvPicPr>
+            <a:picLocks noChangeAspect="1"/>
+          </p:cNvPicPr>
+          <p:nvPr/>
+        </p:nvPicPr>
+        <p:blipFill>
+          <a:blip r:embed="rId5">
+            <a:extLst>
+              <a:ext uri="{28A0092B-C50C-407E-A947-70E740481C1C}">
+                <a14:useLocalDpi xmlns:a14="http://schemas.microsoft.com/office/drawing/2010/main" val="0"/>
+              </a:ext>
+            </a:extLst>
+          </a:blip>
+          <a:stretch>
+            <a:fillRect/>
+          </a:stretch>
+        </p:blipFill>
+        <p:spPr>
+          <a:xfrm>
+            <a:off x="3464478" y="5398754"/>
+            <a:ext cx="1154663" cy="1154663"/>
+          </a:xfrm>
+          <a:prstGeom prst="rect">
+            <a:avLst/>
+          </a:prstGeom>
+        </p:spPr>
+      </p:pic>
+      <p:pic>
+        <p:nvPicPr>
+          <p:cNvPr id="14" name="Picture 13"/>
+          <p:cNvPicPr>
+            <a:picLocks noChangeAspect="1"/>
+          </p:cNvPicPr>
+          <p:nvPr/>
+        </p:nvPicPr>
+        <p:blipFill>
+          <a:blip r:embed="rId6"/>
+          <a:stretch>
+            <a:fillRect/>
+          </a:stretch>
+        </p:blipFill>
+        <p:spPr>
+          <a:xfrm>
+            <a:off x="4783209" y="5593555"/>
+            <a:ext cx="2333713" cy="765062"/>
+          </a:xfrm>
+          <a:prstGeom prst="rect">
+            <a:avLst/>
+          </a:prstGeom>
+        </p:spPr>
+      </p:pic>
+      <p:pic>
+        <p:nvPicPr>
+          <p:cNvPr id="15" name="Picture 14"/>
+          <p:cNvPicPr>
+            <a:picLocks noChangeAspect="1"/>
+          </p:cNvPicPr>
+          <p:nvPr/>
+        </p:nvPicPr>
+        <p:blipFill>
+          <a:blip r:embed="rId7" cstate="print">
+            <a:extLst>
+              <a:ext uri="{28A0092B-C50C-407E-A947-70E740481C1C}">
+                <a14:useLocalDpi xmlns:a14="http://schemas.microsoft.com/office/drawing/2010/main" val="0"/>
+              </a:ext>
+            </a:extLst>
+          </a:blip>
+          <a:stretch>
+            <a:fillRect/>
+          </a:stretch>
+        </p:blipFill>
+        <p:spPr>
+          <a:xfrm>
+            <a:off x="7280990" y="5476305"/>
+            <a:ext cx="2497494" cy="1126474"/>
           </a:xfrm>
           <a:prstGeom prst="rect">
             <a:avLst/>
@@ -3144,6 +3736,13 @@
   <p:clrMapOvr>
     <a:masterClrMapping/>
   </p:clrMapOvr>
+  <p:timing>
+    <p:tnLst>
+      <p:par>
+        <p:cTn id="1" dur="indefinite" restart="never" nodeType="tmRoot"/>
+      </p:par>
+    </p:tnLst>
+  </p:timing>
 </p:sld>
 </file>
 
@@ -3181,7 +3780,7 @@
           <a:p>
             <a:r>
               <a:rPr lang="en-US" dirty="0" smtClean="0"/>
-              <a:t>Algorithms and Visualizations</a:t>
+              <a:t>Graph Embeddings </a:t>
             </a:r>
             <a:endParaRPr lang="en-US" dirty="0"/>
           </a:p>
@@ -3199,23 +3798,69 @@
         </p:nvSpPr>
         <p:spPr/>
         <p:txBody>
-          <a:bodyPr/>
-          <a:lstStyle/>
-          <a:p>
-            <a:endParaRPr lang="en-US"/>
+          <a:bodyPr>
+            <a:normAutofit fontScale="92500" lnSpcReduction="20000"/>
+          </a:bodyPr>
+          <a:lstStyle/>
+          <a:p>
+            <a:pPr algn="just"/>
+            <a:r>
+              <a:rPr lang="en-US" dirty="0" smtClean="0"/>
+              <a:t>Embeddings are vecto</a:t>
+            </a:r>
+            <a:r>
+              <a:rPr lang="en-US" dirty="0" smtClean="0"/>
+              <a:t>r representations of words, belonging in multidimensional spaces.</a:t>
+            </a:r>
+          </a:p>
+          <a:p>
+            <a:pPr algn="just"/>
+            <a:r>
+              <a:rPr lang="en-US" dirty="0" smtClean="0"/>
+              <a:t>There are many NLP libraries for embedding creation, which exploit pre-trained neural networks. For our work we used word2vec.</a:t>
+            </a:r>
+            <a:r>
+              <a:rPr lang="en-US" dirty="0"/>
+              <a:t> </a:t>
+            </a:r>
+            <a:r>
+              <a:rPr lang="en-US" dirty="0" smtClean="0"/>
+              <a:t>These libraries try to group the words based on their semantic meaning. This means that based on the input, words that have similar meaning will also have closer vectors.</a:t>
+            </a:r>
+          </a:p>
+          <a:p>
+            <a:pPr algn="just"/>
+            <a:r>
+              <a:rPr lang="en-US" dirty="0" smtClean="0"/>
+              <a:t>The idea is to transform the graph into corpus, by representing it as triples of the form (“node” “link“ “node”). This will results in a vector for each node, and nodes that share many same information will have closer vectors too (but these two nodes are not necessarily directly connected).</a:t>
+            </a:r>
+          </a:p>
+          <a:p>
+            <a:pPr algn="just"/>
+            <a:r>
+              <a:rPr lang="en-US" dirty="0" smtClean="0"/>
+              <a:t>This way, we can make operations like similarity search i.e. “give me the first top-K” similar nodes of the node x.</a:t>
+            </a:r>
           </a:p>
         </p:txBody>
       </p:sp>
     </p:spTree>
     <p:extLst>
       <p:ext uri="{BB962C8B-B14F-4D97-AF65-F5344CB8AC3E}">
-        <p14:creationId xmlns:p14="http://schemas.microsoft.com/office/powerpoint/2010/main" val="2127249555"/>
+        <p14:creationId xmlns:p14="http://schemas.microsoft.com/office/powerpoint/2010/main" val="3107078044"/>
       </p:ext>
     </p:extLst>
   </p:cSld>
   <p:clrMapOvr>
     <a:masterClrMapping/>
   </p:clrMapOvr>
+  <p:timing>
+    <p:tnLst>
+      <p:par>
+        <p:cTn id="1" dur="indefinite" restart="never" nodeType="tmRoot"/>
+      </p:par>
+    </p:tnLst>
+  </p:timing>
 </p:sld>
 </file>
 
@@ -3246,20 +3891,59 @@
             <p:ph type="title"/>
           </p:nvPr>
         </p:nvSpPr>
-        <p:spPr>
-          <a:xfrm>
-            <a:off x="0" y="2040016"/>
-            <a:ext cx="12191999" cy="1291659"/>
-          </a:xfrm>
-        </p:spPr>
-        <p:txBody>
-          <a:bodyPr/>
-          <a:lstStyle/>
-          <a:p>
-            <a:pPr algn="ctr"/>
+        <p:spPr/>
+        <p:txBody>
+          <a:bodyPr/>
+          <a:lstStyle/>
+          <a:p>
+            <a:r>
+              <a:rPr lang="en-US" dirty="0"/>
+              <a:t>Graph Embeddings </a:t>
+            </a:r>
+          </a:p>
+        </p:txBody>
+      </p:sp>
+      <p:sp>
+        <p:nvSpPr>
+          <p:cNvPr id="3" name="Content Placeholder 2"/>
+          <p:cNvSpPr>
+            <a:spLocks noGrp="1"/>
+          </p:cNvSpPr>
+          <p:nvPr>
+            <p:ph idx="1"/>
+          </p:nvPr>
+        </p:nvSpPr>
+        <p:spPr/>
+        <p:txBody>
+          <a:bodyPr/>
+          <a:lstStyle/>
+          <a:p>
+            <a:pPr algn="just"/>
             <a:r>
               <a:rPr lang="en-US" dirty="0" smtClean="0"/>
-              <a:t>Embeddings</a:t>
+              <a:t>By calculating all the similar nodes of every node, we can create a graph database of node embeddings, and create similarity networks of the nodes by exploiting some open source tools, like RDFsim.</a:t>
+            </a:r>
+          </a:p>
+          <a:p>
+            <a:pPr algn="just"/>
+            <a:r>
+              <a:rPr lang="en-US" dirty="0" smtClean="0"/>
+              <a:t>RDFsim is a search engine which is able to use embedding datasets (like the database we described) in order to create graph similarity networks. Although it is designed for knowledge graphs, we managed to port the Fraud Detection graph data easily. </a:t>
+            </a:r>
+          </a:p>
+          <a:p>
+            <a:pPr algn="just"/>
+            <a:r>
+              <a:rPr lang="en-US" dirty="0" smtClean="0"/>
+              <a:t>This way</a:t>
+            </a:r>
+            <a:r>
+              <a:rPr lang="el-GR" dirty="0" smtClean="0"/>
+              <a:t> </a:t>
+            </a:r>
+            <a:r>
+              <a:rPr lang="en-US" dirty="0" smtClean="0"/>
+              <a:t>we can use the search engine features of RDFsim (i.e. search for a specific node of the graph) and create similarity network for any node we want.</a:t>
             </a:r>
             <a:endParaRPr lang="en-US" dirty="0"/>
           </a:p>
@@ -3268,7 +3952,7 @@
     </p:spTree>
     <p:extLst>
       <p:ext uri="{BB962C8B-B14F-4D97-AF65-F5344CB8AC3E}">
-        <p14:creationId xmlns:p14="http://schemas.microsoft.com/office/powerpoint/2010/main" val="2806930730"/>
+        <p14:creationId xmlns:p14="http://schemas.microsoft.com/office/powerpoint/2010/main" val="3169982330"/>
       </p:ext>
     </p:extLst>
   </p:cSld>
@@ -3312,7 +3996,7 @@
           <a:p>
             <a:r>
               <a:rPr lang="en-US" dirty="0" smtClean="0"/>
-              <a:t>General</a:t>
+              <a:t>Graph Embeddings</a:t>
             </a:r>
             <a:endParaRPr lang="en-US" dirty="0"/>
           </a:p>
@@ -3333,14 +4017,48 @@
           <a:bodyPr/>
           <a:lstStyle/>
           <a:p>
-            <a:endParaRPr lang="en-US"/>
+            <a:pPr algn="just"/>
+            <a:r>
+              <a:rPr lang="en-US" dirty="0" smtClean="0"/>
+              <a:t>For our case, we loaded the data to RDFsim, so we could search for any node we want and see the similarity network</a:t>
+            </a:r>
+          </a:p>
+          <a:p>
+            <a:pPr algn="just"/>
+            <a:r>
+              <a:rPr lang="en-US" dirty="0" smtClean="0"/>
+              <a:t>For this presentation, we show the results about the “important” nodes, as shown by the graph analytics </a:t>
+            </a:r>
+            <a:r>
+              <a:rPr lang="en-US" dirty="0" err="1" smtClean="0"/>
+              <a:t>algorithsm</a:t>
+            </a:r>
+            <a:r>
+              <a:rPr lang="en-US" dirty="0" smtClean="0"/>
+              <a:t>.</a:t>
+            </a:r>
+          </a:p>
+          <a:p>
+            <a:pPr algn="just"/>
+            <a:r>
+              <a:rPr lang="en-US" dirty="0" smtClean="0"/>
+              <a:t>Considering the accuracy of the embeddings training, we could discover connections between nodes (for example offshores, people, intermediaries …) that were not easily shown previously.</a:t>
+            </a:r>
+          </a:p>
+          <a:p>
+            <a:pPr algn="just"/>
+            <a:r>
+              <a:rPr lang="en-US" dirty="0" smtClean="0"/>
+              <a:t>More about the vocabulary creation, embedding training and RDFsim can be found in the official paper of this work.</a:t>
+            </a:r>
+            <a:endParaRPr lang="en-US" dirty="0"/>
           </a:p>
         </p:txBody>
       </p:sp>
     </p:spTree>
     <p:extLst>
       <p:ext uri="{BB962C8B-B14F-4D97-AF65-F5344CB8AC3E}">
-        <p14:creationId xmlns:p14="http://schemas.microsoft.com/office/powerpoint/2010/main" val="3898976435"/>
+        <p14:creationId xmlns:p14="http://schemas.microsoft.com/office/powerpoint/2010/main" val="3014277848"/>
       </p:ext>
     </p:extLst>
   </p:cSld>
@@ -3384,35 +4102,16 @@
           <a:p>
             <a:r>
               <a:rPr lang="en-US" dirty="0" smtClean="0"/>
-              <a:t>Implementation</a:t>
+              <a:t>Examples (using RDFsim)</a:t>
             </a:r>
             <a:endParaRPr lang="en-US" dirty="0"/>
-          </a:p>
-        </p:txBody>
-      </p:sp>
-      <p:sp>
-        <p:nvSpPr>
-          <p:cNvPr id="3" name="Content Placeholder 2"/>
-          <p:cNvSpPr>
-            <a:spLocks noGrp="1"/>
-          </p:cNvSpPr>
-          <p:nvPr>
-            <p:ph idx="1"/>
-          </p:nvPr>
-        </p:nvSpPr>
-        <p:spPr/>
-        <p:txBody>
-          <a:bodyPr/>
-          <a:lstStyle/>
-          <a:p>
-            <a:endParaRPr lang="en-US"/>
           </a:p>
         </p:txBody>
       </p:sp>
     </p:spTree>
     <p:extLst>
       <p:ext uri="{BB962C8B-B14F-4D97-AF65-F5344CB8AC3E}">
-        <p14:creationId xmlns:p14="http://schemas.microsoft.com/office/powerpoint/2010/main" val="1537695558"/>
+        <p14:creationId xmlns:p14="http://schemas.microsoft.com/office/powerpoint/2010/main" val="1274400276"/>
       </p:ext>
     </p:extLst>
   </p:cSld>
@@ -3456,7 +4155,7 @@
           <a:p>
             <a:r>
               <a:rPr lang="en-US" dirty="0" smtClean="0"/>
-              <a:t>Use Cases and Examples</a:t>
+              <a:t>Conclusion</a:t>
             </a:r>
             <a:endParaRPr lang="en-US" dirty="0"/>
           </a:p>
@@ -3472,78 +4171,77 @@
             <p:ph idx="1"/>
           </p:nvPr>
         </p:nvSpPr>
-        <p:spPr/>
-        <p:txBody>
-          <a:bodyPr/>
-          <a:lstStyle/>
-          <a:p>
-            <a:endParaRPr lang="en-US"/>
+        <p:spPr>
+          <a:xfrm>
+            <a:off x="838200" y="1825625"/>
+            <a:ext cx="10515600" cy="2221274"/>
+          </a:xfrm>
+        </p:spPr>
+        <p:txBody>
+          <a:bodyPr/>
+          <a:lstStyle/>
+          <a:p>
+            <a:r>
+              <a:rPr lang="en-US" dirty="0" smtClean="0"/>
+              <a:t>We presented </a:t>
+            </a:r>
+            <a:endParaRPr lang="el-GR" dirty="0" smtClean="0"/>
+          </a:p>
+          <a:p>
+            <a:r>
+              <a:rPr lang="el-GR" dirty="0" smtClean="0"/>
+              <a:t>Ααα</a:t>
+            </a:r>
+          </a:p>
+          <a:p>
+            <a:endParaRPr lang="el-GR" dirty="0"/>
+          </a:p>
+          <a:p>
+            <a:endParaRPr lang="el-GR" dirty="0" smtClean="0"/>
+          </a:p>
+          <a:p>
+            <a:pPr marL="0" indent="0">
+              <a:buNone/>
+            </a:pPr>
+            <a:endParaRPr lang="en-US" dirty="0"/>
+          </a:p>
+        </p:txBody>
+      </p:sp>
+      <p:sp>
+        <p:nvSpPr>
+          <p:cNvPr id="4" name="TextBox 3"/>
+          <p:cNvSpPr txBox="1"/>
+          <p:nvPr/>
+        </p:nvSpPr>
+        <p:spPr>
+          <a:xfrm>
+            <a:off x="2818645" y="4834551"/>
+            <a:ext cx="6554709" cy="1323439"/>
+          </a:xfrm>
+          <a:prstGeom prst="rect">
+            <a:avLst/>
+          </a:prstGeom>
+          <a:noFill/>
+        </p:spPr>
+        <p:txBody>
+          <a:bodyPr wrap="square" rtlCol="0">
+            <a:spAutoFit/>
+          </a:bodyPr>
+          <a:lstStyle/>
+          <a:p>
+            <a:pPr algn="ctr"/>
+            <a:r>
+              <a:rPr lang="en-US" sz="8000" dirty="0" smtClean="0"/>
+              <a:t>Thank You!</a:t>
+            </a:r>
+            <a:endParaRPr lang="en-US" sz="8000" dirty="0"/>
           </a:p>
         </p:txBody>
       </p:sp>
     </p:spTree>
     <p:extLst>
       <p:ext uri="{BB962C8B-B14F-4D97-AF65-F5344CB8AC3E}">
-        <p14:creationId xmlns:p14="http://schemas.microsoft.com/office/powerpoint/2010/main" val="3107078044"/>
-      </p:ext>
-    </p:extLst>
-  </p:cSld>
-  <p:clrMapOvr>
-    <a:masterClrMapping/>
-  </p:clrMapOvr>
-</p:sld>
-</file>
-
-<file path=ppt/slides/slide15.xml><?xml version="1.0" encoding="utf-8"?>
-<p:sld xmlns:a="http://schemas.openxmlformats.org/drawingml/2006/main" xmlns:r="http://schemas.openxmlformats.org/officeDocument/2006/relationships" xmlns:p="http://schemas.openxmlformats.org/presentationml/2006/main">
-  <p:cSld>
-    <p:spTree>
-      <p:nvGrpSpPr>
-        <p:cNvPr id="1" name=""/>
-        <p:cNvGrpSpPr/>
-        <p:nvPr/>
-      </p:nvGrpSpPr>
-      <p:grpSpPr>
-        <a:xfrm>
-          <a:off x="0" y="0"/>
-          <a:ext cx="0" cy="0"/>
-          <a:chOff x="0" y="0"/>
-          <a:chExt cx="0" cy="0"/>
-        </a:xfrm>
-      </p:grpSpPr>
-      <p:sp>
-        <p:nvSpPr>
-          <p:cNvPr id="2" name="Title 1"/>
-          <p:cNvSpPr>
-            <a:spLocks noGrp="1"/>
-          </p:cNvSpPr>
-          <p:nvPr>
-            <p:ph type="title"/>
-          </p:nvPr>
-        </p:nvSpPr>
-        <p:spPr>
-          <a:xfrm>
-            <a:off x="0" y="2040016"/>
-            <a:ext cx="12191999" cy="1291659"/>
-          </a:xfrm>
-        </p:spPr>
-        <p:txBody>
-          <a:bodyPr/>
-          <a:lstStyle/>
-          <a:p>
-            <a:pPr algn="ctr"/>
-            <a:r>
-              <a:rPr lang="en-US" dirty="0" smtClean="0"/>
-              <a:t>Conclusion</a:t>
-            </a:r>
-            <a:endParaRPr lang="en-US" dirty="0"/>
-          </a:p>
-        </p:txBody>
-      </p:sp>
-    </p:spTree>
-    <p:extLst>
-      <p:ext uri="{BB962C8B-B14F-4D97-AF65-F5344CB8AC3E}">
-        <p14:creationId xmlns:p14="http://schemas.microsoft.com/office/powerpoint/2010/main" val="196312983"/>
+        <p14:creationId xmlns:p14="http://schemas.microsoft.com/office/powerpoint/2010/main" val="2413652613"/>
       </p:ext>
     </p:extLst>
   </p:cSld>
@@ -3587,313 +4285,6 @@
           <a:p>
             <a:r>
               <a:rPr lang="en-US" dirty="0" smtClean="0"/>
-              <a:t>General</a:t>
-            </a:r>
-            <a:endParaRPr lang="en-US" dirty="0"/>
-          </a:p>
-        </p:txBody>
-      </p:sp>
-      <p:sp>
-        <p:nvSpPr>
-          <p:cNvPr id="3" name="Content Placeholder 2"/>
-          <p:cNvSpPr>
-            <a:spLocks noGrp="1"/>
-          </p:cNvSpPr>
-          <p:nvPr>
-            <p:ph idx="1"/>
-          </p:nvPr>
-        </p:nvSpPr>
-        <p:spPr>
-          <a:xfrm>
-            <a:off x="838200" y="1825625"/>
-            <a:ext cx="10515600" cy="999056"/>
-          </a:xfrm>
-        </p:spPr>
-        <p:txBody>
-          <a:bodyPr/>
-          <a:lstStyle/>
-          <a:p>
-            <a:r>
-              <a:rPr lang="en-US" dirty="0" smtClean="0"/>
-              <a:t>This presentation is a briefing of the original report of the analysis, available at our GitHub repository</a:t>
-            </a:r>
-            <a:endParaRPr lang="en-US" dirty="0"/>
-          </a:p>
-        </p:txBody>
-      </p:sp>
-      <p:pic>
-        <p:nvPicPr>
-          <p:cNvPr id="5" name="Picture 4"/>
-          <p:cNvPicPr>
-            <a:picLocks noChangeAspect="1"/>
-          </p:cNvPicPr>
-          <p:nvPr/>
-        </p:nvPicPr>
-        <p:blipFill>
-          <a:blip r:embed="rId2"/>
-          <a:stretch>
-            <a:fillRect/>
-          </a:stretch>
-        </p:blipFill>
-        <p:spPr>
-          <a:xfrm>
-            <a:off x="2408222" y="2959618"/>
-            <a:ext cx="7357285" cy="3247508"/>
-          </a:xfrm>
-          <a:prstGeom prst="rect">
-            <a:avLst/>
-          </a:prstGeom>
-        </p:spPr>
-      </p:pic>
-    </p:spTree>
-    <p:extLst>
-      <p:ext uri="{BB962C8B-B14F-4D97-AF65-F5344CB8AC3E}">
-        <p14:creationId xmlns:p14="http://schemas.microsoft.com/office/powerpoint/2010/main" val="3258025671"/>
-      </p:ext>
-    </p:extLst>
-  </p:cSld>
-  <p:clrMapOvr>
-    <a:masterClrMapping/>
-  </p:clrMapOvr>
-</p:sld>
-</file>
-
-<file path=ppt/slides/slide3.xml><?xml version="1.0" encoding="utf-8"?>
-<p:sld xmlns:a="http://schemas.openxmlformats.org/drawingml/2006/main" xmlns:r="http://schemas.openxmlformats.org/officeDocument/2006/relationships" xmlns:p="http://schemas.openxmlformats.org/presentationml/2006/main">
-  <p:cSld>
-    <p:spTree>
-      <p:nvGrpSpPr>
-        <p:cNvPr id="1" name=""/>
-        <p:cNvGrpSpPr/>
-        <p:nvPr/>
-      </p:nvGrpSpPr>
-      <p:grpSpPr>
-        <a:xfrm>
-          <a:off x="0" y="0"/>
-          <a:ext cx="0" cy="0"/>
-          <a:chOff x="0" y="0"/>
-          <a:chExt cx="0" cy="0"/>
-        </a:xfrm>
-      </p:grpSpPr>
-      <p:sp>
-        <p:nvSpPr>
-          <p:cNvPr id="2" name="Title 1"/>
-          <p:cNvSpPr>
-            <a:spLocks noGrp="1"/>
-          </p:cNvSpPr>
-          <p:nvPr>
-            <p:ph type="title"/>
-          </p:nvPr>
-        </p:nvSpPr>
-        <p:spPr/>
-        <p:txBody>
-          <a:bodyPr/>
-          <a:lstStyle/>
-          <a:p>
-            <a:r>
-              <a:rPr lang="en-US" dirty="0" smtClean="0"/>
-              <a:t>Roadmap</a:t>
-            </a:r>
-            <a:endParaRPr lang="en-US" dirty="0"/>
-          </a:p>
-        </p:txBody>
-      </p:sp>
-      <p:sp>
-        <p:nvSpPr>
-          <p:cNvPr id="3" name="Content Placeholder 2"/>
-          <p:cNvSpPr>
-            <a:spLocks noGrp="1"/>
-          </p:cNvSpPr>
-          <p:nvPr>
-            <p:ph idx="1"/>
-          </p:nvPr>
-        </p:nvSpPr>
-        <p:spPr/>
-        <p:txBody>
-          <a:bodyPr>
-            <a:normAutofit fontScale="92500" lnSpcReduction="10000"/>
-          </a:bodyPr>
-          <a:lstStyle/>
-          <a:p>
-            <a:r>
-              <a:rPr lang="en-US" dirty="0" smtClean="0"/>
-              <a:t>Introduction</a:t>
-            </a:r>
-          </a:p>
-          <a:p>
-            <a:r>
-              <a:rPr lang="en-US" dirty="0" smtClean="0"/>
-              <a:t>Background (~1min)</a:t>
-            </a:r>
-          </a:p>
-          <a:p>
-            <a:r>
-              <a:rPr lang="en-US" dirty="0" smtClean="0"/>
-              <a:t>Dataset Preprocessing (~1min)</a:t>
-            </a:r>
-          </a:p>
-          <a:p>
-            <a:r>
-              <a:rPr lang="en-US" dirty="0" smtClean="0"/>
-              <a:t>Graph Analytics</a:t>
-            </a:r>
-          </a:p>
-          <a:p>
-            <a:pPr lvl="1"/>
-            <a:r>
-              <a:rPr lang="en-US" dirty="0" smtClean="0"/>
-              <a:t>Base Dataset Analysis</a:t>
-            </a:r>
-          </a:p>
-          <a:p>
-            <a:pPr lvl="1"/>
-            <a:r>
-              <a:rPr lang="en-US" dirty="0" smtClean="0"/>
-              <a:t>Algorithms </a:t>
-            </a:r>
-          </a:p>
-          <a:p>
-            <a:pPr lvl="1"/>
-            <a:r>
-              <a:rPr lang="en-US" dirty="0" smtClean="0"/>
-              <a:t>Visualizations</a:t>
-            </a:r>
-          </a:p>
-          <a:p>
-            <a:r>
-              <a:rPr lang="en-US" dirty="0" smtClean="0"/>
-              <a:t>Graph Embeddings</a:t>
-            </a:r>
-          </a:p>
-          <a:p>
-            <a:pPr lvl="1"/>
-            <a:r>
-              <a:rPr lang="en-US" dirty="0" smtClean="0"/>
-              <a:t>Embeddings production algorithms</a:t>
-            </a:r>
-          </a:p>
-          <a:p>
-            <a:pPr lvl="1"/>
-            <a:r>
-              <a:rPr lang="en-US" dirty="0" smtClean="0"/>
-              <a:t>RDFsim implementation</a:t>
-            </a:r>
-          </a:p>
-          <a:p>
-            <a:r>
-              <a:rPr lang="en-US" dirty="0" smtClean="0"/>
-              <a:t>Conclusion</a:t>
-            </a:r>
-            <a:endParaRPr lang="en-US" dirty="0"/>
-          </a:p>
-        </p:txBody>
-      </p:sp>
-    </p:spTree>
-    <p:extLst>
-      <p:ext uri="{BB962C8B-B14F-4D97-AF65-F5344CB8AC3E}">
-        <p14:creationId xmlns:p14="http://schemas.microsoft.com/office/powerpoint/2010/main" val="3041789616"/>
-      </p:ext>
-    </p:extLst>
-  </p:cSld>
-  <p:clrMapOvr>
-    <a:masterClrMapping/>
-  </p:clrMapOvr>
-</p:sld>
-</file>
-
-<file path=ppt/slides/slide4.xml><?xml version="1.0" encoding="utf-8"?>
-<p:sld xmlns:a="http://schemas.openxmlformats.org/drawingml/2006/main" xmlns:r="http://schemas.openxmlformats.org/officeDocument/2006/relationships" xmlns:p="http://schemas.openxmlformats.org/presentationml/2006/main">
-  <p:cSld>
-    <p:spTree>
-      <p:nvGrpSpPr>
-        <p:cNvPr id="1" name=""/>
-        <p:cNvGrpSpPr/>
-        <p:nvPr/>
-      </p:nvGrpSpPr>
-      <p:grpSpPr>
-        <a:xfrm>
-          <a:off x="0" y="0"/>
-          <a:ext cx="0" cy="0"/>
-          <a:chOff x="0" y="0"/>
-          <a:chExt cx="0" cy="0"/>
-        </a:xfrm>
-      </p:grpSpPr>
-      <p:sp>
-        <p:nvSpPr>
-          <p:cNvPr id="2" name="Title 1"/>
-          <p:cNvSpPr>
-            <a:spLocks noGrp="1"/>
-          </p:cNvSpPr>
-          <p:nvPr>
-            <p:ph type="title"/>
-          </p:nvPr>
-        </p:nvSpPr>
-        <p:spPr>
-          <a:xfrm>
-            <a:off x="0" y="2040016"/>
-            <a:ext cx="12191999" cy="1291659"/>
-          </a:xfrm>
-        </p:spPr>
-        <p:txBody>
-          <a:bodyPr/>
-          <a:lstStyle/>
-          <a:p>
-            <a:pPr algn="ctr"/>
-            <a:r>
-              <a:rPr lang="en-US" dirty="0" smtClean="0"/>
-              <a:t>Background</a:t>
-            </a:r>
-            <a:endParaRPr lang="en-US" dirty="0"/>
-          </a:p>
-        </p:txBody>
-      </p:sp>
-    </p:spTree>
-    <p:extLst>
-      <p:ext uri="{BB962C8B-B14F-4D97-AF65-F5344CB8AC3E}">
-        <p14:creationId xmlns:p14="http://schemas.microsoft.com/office/powerpoint/2010/main" val="869644557"/>
-      </p:ext>
-    </p:extLst>
-  </p:cSld>
-  <p:clrMapOvr>
-    <a:masterClrMapping/>
-  </p:clrMapOvr>
-</p:sld>
-</file>
-
-<file path=ppt/slides/slide5.xml><?xml version="1.0" encoding="utf-8"?>
-<p:sld xmlns:a="http://schemas.openxmlformats.org/drawingml/2006/main" xmlns:r="http://schemas.openxmlformats.org/officeDocument/2006/relationships" xmlns:p="http://schemas.openxmlformats.org/presentationml/2006/main">
-  <p:cSld>
-    <p:spTree>
-      <p:nvGrpSpPr>
-        <p:cNvPr id="1" name=""/>
-        <p:cNvGrpSpPr/>
-        <p:nvPr/>
-      </p:nvGrpSpPr>
-      <p:grpSpPr>
-        <a:xfrm>
-          <a:off x="0" y="0"/>
-          <a:ext cx="0" cy="0"/>
-          <a:chOff x="0" y="0"/>
-          <a:chExt cx="0" cy="0"/>
-        </a:xfrm>
-      </p:grpSpPr>
-      <p:sp>
-        <p:nvSpPr>
-          <p:cNvPr id="2" name="Title 1"/>
-          <p:cNvSpPr>
-            <a:spLocks noGrp="1"/>
-          </p:cNvSpPr>
-          <p:nvPr>
-            <p:ph type="title"/>
-          </p:nvPr>
-        </p:nvSpPr>
-        <p:spPr/>
-        <p:txBody>
-          <a:bodyPr/>
-          <a:lstStyle/>
-          <a:p>
-            <a:r>
-              <a:rPr lang="en-US" dirty="0" smtClean="0"/>
               <a:t>What are Panama Papers?</a:t>
             </a:r>
             <a:endParaRPr lang="en-US" dirty="0"/>
@@ -3924,8 +4315,8 @@
         </p:blipFill>
         <p:spPr>
           <a:xfrm>
-            <a:off x="7720773" y="152635"/>
-            <a:ext cx="3324288" cy="2075984"/>
+            <a:off x="7277428" y="533797"/>
+            <a:ext cx="3242791" cy="2025090"/>
           </a:xfrm>
         </p:spPr>
       </p:pic>
@@ -3951,33 +4342,61 @@
           </a:bodyPr>
           <a:lstStyle/>
           <a:p>
-            <a:pPr marL="285750" indent="-285750">
+            <a:pPr algn="just"/>
+            <a:r>
+              <a:rPr lang="en-US" dirty="0" smtClean="0"/>
+              <a:t>Documents </a:t>
+            </a:r>
+            <a:r>
+              <a:rPr lang="en-US" dirty="0" smtClean="0"/>
+              <a:t>Exposing:</a:t>
+            </a:r>
+          </a:p>
+          <a:p>
+            <a:pPr marL="285750" indent="-285750" algn="just">
               <a:buFont typeface="Arial" panose="020B0604020202020204" pitchFamily="34" charset="0"/>
               <a:buChar char="•"/>
             </a:pPr>
             <a:r>
+              <a:rPr lang="en-US" dirty="0"/>
+              <a:t>F</a:t>
+            </a:r>
+            <a:r>
               <a:rPr lang="en-US" dirty="0" smtClean="0"/>
-              <a:t>Documents Exposing the financial activity of over 200.00 offshore and other companies</a:t>
-            </a:r>
-          </a:p>
-          <a:p>
-            <a:pPr marL="285750" indent="-285750">
+              <a:t>inancial </a:t>
+            </a:r>
+            <a:r>
+              <a:rPr lang="en-US" dirty="0" smtClean="0"/>
+              <a:t>activity of over 200.00 </a:t>
+            </a:r>
+            <a:r>
+              <a:rPr lang="en-US" dirty="0" smtClean="0"/>
+              <a:t>offshores </a:t>
+            </a:r>
+            <a:r>
+              <a:rPr lang="en-US" dirty="0" smtClean="0"/>
+              <a:t>and other companies</a:t>
+            </a:r>
+          </a:p>
+          <a:p>
+            <a:pPr marL="285750" indent="-285750" algn="just">
               <a:buFont typeface="Arial" panose="020B0604020202020204" pitchFamily="34" charset="0"/>
               <a:buChar char="•"/>
             </a:pPr>
             <a:r>
               <a:rPr lang="en-US" dirty="0" smtClean="0"/>
-              <a:t>And the relations between clients and other entities</a:t>
-            </a:r>
-          </a:p>
-          <a:p>
-            <a:pPr marL="285750" indent="-285750">
-              <a:buFont typeface="Arial" panose="020B0604020202020204" pitchFamily="34" charset="0"/>
-              <a:buChar char="•"/>
-            </a:pPr>
+              <a:t>Relations </a:t>
+            </a:r>
             <a:r>
               <a:rPr lang="en-US" dirty="0" smtClean="0"/>
-              <a:t>Made public in 2016.</a:t>
+              <a:t>between clients and other entities</a:t>
+            </a:r>
+          </a:p>
+          <a:p>
+            <a:pPr algn="just"/>
+            <a:r>
+              <a:rPr lang="en-US" dirty="0" smtClean="0"/>
+              <a:t>Released to public in 2016!</a:t>
             </a:r>
             <a:endParaRPr lang="en-US" dirty="0"/>
           </a:p>
@@ -4005,8 +4424,8 @@
         </p:blipFill>
         <p:spPr>
           <a:xfrm>
-            <a:off x="3546435" y="4064940"/>
-            <a:ext cx="3749112" cy="2112104"/>
+            <a:off x="6838220" y="3054144"/>
+            <a:ext cx="5182427" cy="2919578"/>
           </a:xfrm>
           <a:prstGeom prst="rect">
             <a:avLst/>
@@ -4021,13 +4440,18 @@
         </p:nvSpPr>
         <p:spPr>
           <a:xfrm>
-            <a:off x="326427" y="3464775"/>
-            <a:ext cx="3186820" cy="1200329"/>
+            <a:off x="88089" y="3510430"/>
+            <a:ext cx="3048812" cy="2336299"/>
           </a:xfrm>
           <a:prstGeom prst="rect">
             <a:avLst/>
           </a:prstGeom>
           <a:noFill/>
+          <a:ln>
+            <a:solidFill>
+              <a:schemeClr val="tx1"/>
+            </a:solidFill>
+          </a:ln>
         </p:spPr>
         <p:txBody>
           <a:bodyPr wrap="square" rtlCol="0">
@@ -4035,9 +4459,14 @@
           </a:bodyPr>
           <a:lstStyle/>
           <a:p>
+            <a:pPr algn="just"/>
             <a:r>
               <a:rPr lang="en-US" dirty="0" smtClean="0"/>
-              <a:t>The public dataset of panama papers can be represented as a network of specific type of nodes and edges</a:t>
+              <a:t>The available panama papers datasets are widely used as data source for work related to graph analysis. </a:t>
+            </a:r>
+            <a:r>
+              <a:rPr lang="en-US" dirty="0" smtClean="0"/>
+              <a:t>Using these datasets, we can create a kind of Fraud Detection Graph, with specific types of nodes and links.</a:t>
             </a:r>
             <a:endParaRPr lang="en-US" dirty="0"/>
           </a:p>
@@ -4045,18 +4474,467 @@
       </p:sp>
       <p:sp>
         <p:nvSpPr>
-          <p:cNvPr id="9" name="Right Brace 8"/>
+          <p:cNvPr id="14" name="TextBox 13"/>
+          <p:cNvSpPr txBox="1"/>
+          <p:nvPr/>
+        </p:nvSpPr>
+        <p:spPr>
+          <a:xfrm>
+            <a:off x="3320735" y="3510430"/>
+            <a:ext cx="3394101" cy="2336299"/>
+          </a:xfrm>
+          <a:prstGeom prst="rect">
+            <a:avLst/>
+          </a:prstGeom>
+          <a:noFill/>
+          <a:ln>
+            <a:solidFill>
+              <a:schemeClr val="tx1"/>
+            </a:solidFill>
+          </a:ln>
+        </p:spPr>
+        <p:txBody>
+          <a:bodyPr wrap="square" rtlCol="0">
+            <a:spAutoFit/>
+          </a:bodyPr>
+          <a:lstStyle/>
+          <a:p>
+            <a:pPr algn="just"/>
+            <a:r>
+              <a:rPr lang="en-US" dirty="0" smtClean="0"/>
+              <a:t>Graph analytics methods are used over these graph to harvest information about nodes, in order to discover important nodes, expose connection between companies, predict fraudulent activities of other nodes and more!</a:t>
+            </a:r>
+            <a:endParaRPr lang="en-US" dirty="0"/>
+          </a:p>
+        </p:txBody>
+      </p:sp>
+    </p:spTree>
+    <p:extLst>
+      <p:ext uri="{BB962C8B-B14F-4D97-AF65-F5344CB8AC3E}">
+        <p14:creationId xmlns:p14="http://schemas.microsoft.com/office/powerpoint/2010/main" val="376705030"/>
+      </p:ext>
+    </p:extLst>
+  </p:cSld>
+  <p:clrMapOvr>
+    <a:masterClrMapping/>
+  </p:clrMapOvr>
+  <p:timing>
+    <p:tnLst>
+      <p:par>
+        <p:cTn id="1" dur="indefinite" restart="never" nodeType="tmRoot"/>
+      </p:par>
+    </p:tnLst>
+  </p:timing>
+</p:sld>
+</file>
+
+<file path=ppt/slides/slide3.xml><?xml version="1.0" encoding="utf-8"?>
+<p:sld xmlns:a="http://schemas.openxmlformats.org/drawingml/2006/main" xmlns:r="http://schemas.openxmlformats.org/officeDocument/2006/relationships" xmlns:p="http://schemas.openxmlformats.org/presentationml/2006/main">
+  <p:cSld>
+    <p:spTree>
+      <p:nvGrpSpPr>
+        <p:cNvPr id="1" name=""/>
+        <p:cNvGrpSpPr/>
+        <p:nvPr/>
+      </p:nvGrpSpPr>
+      <p:grpSpPr>
+        <a:xfrm>
+          <a:off x="0" y="0"/>
+          <a:ext cx="0" cy="0"/>
+          <a:chOff x="0" y="0"/>
+          <a:chExt cx="0" cy="0"/>
+        </a:xfrm>
+      </p:grpSpPr>
+      <p:sp>
+        <p:nvSpPr>
+          <p:cNvPr id="2" name="Title 1"/>
+          <p:cNvSpPr>
+            <a:spLocks noGrp="1"/>
+          </p:cNvSpPr>
+          <p:nvPr>
+            <p:ph type="title"/>
+          </p:nvPr>
+        </p:nvSpPr>
+        <p:spPr/>
+        <p:txBody>
+          <a:bodyPr/>
+          <a:lstStyle/>
+          <a:p>
+            <a:r>
+              <a:rPr lang="en-US" dirty="0" smtClean="0"/>
+              <a:t>Our Idea</a:t>
+            </a:r>
+            <a:endParaRPr lang="en-US" dirty="0"/>
+          </a:p>
+        </p:txBody>
+      </p:sp>
+      <p:sp>
+        <p:nvSpPr>
+          <p:cNvPr id="3" name="Content Placeholder 2"/>
+          <p:cNvSpPr>
+            <a:spLocks noGrp="1"/>
+          </p:cNvSpPr>
+          <p:nvPr>
+            <p:ph idx="1"/>
+          </p:nvPr>
+        </p:nvSpPr>
+        <p:spPr/>
+        <p:txBody>
+          <a:bodyPr>
+            <a:normAutofit lnSpcReduction="10000"/>
+          </a:bodyPr>
+          <a:lstStyle/>
+          <a:p>
+            <a:pPr algn="just"/>
+            <a:r>
+              <a:rPr lang="en-US" dirty="0" smtClean="0"/>
+              <a:t>It is interesting to run generic algorithms over a fraud detection graph in order to locate the most important nodes</a:t>
+            </a:r>
+          </a:p>
+          <a:p>
+            <a:pPr algn="just"/>
+            <a:r>
+              <a:rPr lang="en-US" dirty="0" smtClean="0"/>
+              <a:t>This way we can filter the data: Having information about which entities of the graph are most “popular” is important. It can lead us to conclusions about interactions of companies, nodes that are most likely to commit frauds in the future and more.</a:t>
+            </a:r>
+          </a:p>
+          <a:p>
+            <a:pPr algn="just"/>
+            <a:r>
+              <a:rPr lang="en-US" dirty="0" smtClean="0"/>
+              <a:t>But is just running a bunch of graph analytics algorithms in a network enough?</a:t>
+            </a:r>
+          </a:p>
+          <a:p>
+            <a:pPr algn="just"/>
+            <a:r>
+              <a:rPr lang="en-US" dirty="0" smtClean="0"/>
+              <a:t>How could we go one step further? More importantly, how can we</a:t>
+            </a:r>
+            <a:r>
+              <a:rPr lang="el-GR" dirty="0" smtClean="0"/>
+              <a:t> </a:t>
+            </a:r>
+            <a:r>
+              <a:rPr lang="en-US" dirty="0" smtClean="0"/>
+              <a:t>combine methods from other fields (i.e. graph embeddings)  with classic graph analytics methods?</a:t>
+            </a:r>
+            <a:endParaRPr lang="en-US" dirty="0"/>
+          </a:p>
+        </p:txBody>
+      </p:sp>
+    </p:spTree>
+    <p:extLst>
+      <p:ext uri="{BB962C8B-B14F-4D97-AF65-F5344CB8AC3E}">
+        <p14:creationId xmlns:p14="http://schemas.microsoft.com/office/powerpoint/2010/main" val="2878874809"/>
+      </p:ext>
+    </p:extLst>
+  </p:cSld>
+  <p:clrMapOvr>
+    <a:masterClrMapping/>
+  </p:clrMapOvr>
+  <p:timing>
+    <p:tnLst>
+      <p:par>
+        <p:cTn id="1" dur="indefinite" restart="never" nodeType="tmRoot"/>
+      </p:par>
+    </p:tnLst>
+  </p:timing>
+</p:sld>
+</file>
+
+<file path=ppt/slides/slide4.xml><?xml version="1.0" encoding="utf-8"?>
+<p:sld xmlns:a="http://schemas.openxmlformats.org/drawingml/2006/main" xmlns:r="http://schemas.openxmlformats.org/officeDocument/2006/relationships" xmlns:p="http://schemas.openxmlformats.org/presentationml/2006/main">
+  <p:cSld>
+    <p:spTree>
+      <p:nvGrpSpPr>
+        <p:cNvPr id="1" name=""/>
+        <p:cNvGrpSpPr/>
+        <p:nvPr/>
+      </p:nvGrpSpPr>
+      <p:grpSpPr>
+        <a:xfrm>
+          <a:off x="0" y="0"/>
+          <a:ext cx="0" cy="0"/>
+          <a:chOff x="0" y="0"/>
+          <a:chExt cx="0" cy="0"/>
+        </a:xfrm>
+      </p:grpSpPr>
+      <p:sp>
+        <p:nvSpPr>
+          <p:cNvPr id="2" name="Title 1"/>
+          <p:cNvSpPr>
+            <a:spLocks noGrp="1"/>
+          </p:cNvSpPr>
+          <p:nvPr>
+            <p:ph type="title"/>
+          </p:nvPr>
+        </p:nvSpPr>
+        <p:spPr/>
+        <p:txBody>
+          <a:bodyPr/>
+          <a:lstStyle/>
+          <a:p>
+            <a:r>
+              <a:rPr lang="en-US" dirty="0" smtClean="0"/>
+              <a:t>Our Idea</a:t>
+            </a:r>
+            <a:endParaRPr lang="en-US" dirty="0"/>
+          </a:p>
+        </p:txBody>
+      </p:sp>
+      <p:sp>
+        <p:nvSpPr>
+          <p:cNvPr id="3" name="Content Placeholder 2"/>
+          <p:cNvSpPr>
+            <a:spLocks noGrp="1"/>
+          </p:cNvSpPr>
+          <p:nvPr>
+            <p:ph idx="1"/>
+          </p:nvPr>
+        </p:nvSpPr>
+        <p:spPr/>
+        <p:txBody>
+          <a:bodyPr/>
+          <a:lstStyle/>
+          <a:p>
+            <a:pPr marL="0" indent="0" algn="just">
+              <a:buNone/>
+            </a:pPr>
+            <a:r>
+              <a:rPr lang="en-US" dirty="0" smtClean="0"/>
+              <a:t>We propose an approach that combines the results of graph analytics with a graph embeddings database, in order to create similarity networks of the most important nodes of our data!</a:t>
+            </a:r>
+          </a:p>
+          <a:p>
+            <a:pPr algn="just"/>
+            <a:r>
+              <a:rPr lang="en-US" dirty="0" smtClean="0"/>
+              <a:t>This way, we can go one step further: By finding similar nodes of the most important nodes, we can discover relationships between companies, nodes and other which could not be easily located before! </a:t>
+            </a:r>
+            <a:endParaRPr lang="en-US" dirty="0"/>
+          </a:p>
+        </p:txBody>
+      </p:sp>
+    </p:spTree>
+    <p:extLst>
+      <p:ext uri="{BB962C8B-B14F-4D97-AF65-F5344CB8AC3E}">
+        <p14:creationId xmlns:p14="http://schemas.microsoft.com/office/powerpoint/2010/main" val="719995875"/>
+      </p:ext>
+    </p:extLst>
+  </p:cSld>
+  <p:clrMapOvr>
+    <a:masterClrMapping/>
+  </p:clrMapOvr>
+  <p:timing>
+    <p:tnLst>
+      <p:par>
+        <p:cTn id="1" dur="indefinite" restart="never" nodeType="tmRoot"/>
+      </p:par>
+    </p:tnLst>
+  </p:timing>
+</p:sld>
+</file>
+
+<file path=ppt/slides/slide5.xml><?xml version="1.0" encoding="utf-8"?>
+<p:sld xmlns:a="http://schemas.openxmlformats.org/drawingml/2006/main" xmlns:r="http://schemas.openxmlformats.org/officeDocument/2006/relationships" xmlns:p="http://schemas.openxmlformats.org/presentationml/2006/main">
+  <p:cSld>
+    <p:spTree>
+      <p:nvGrpSpPr>
+        <p:cNvPr id="1" name=""/>
+        <p:cNvGrpSpPr/>
+        <p:nvPr/>
+      </p:nvGrpSpPr>
+      <p:grpSpPr>
+        <a:xfrm>
+          <a:off x="0" y="0"/>
+          <a:ext cx="0" cy="0"/>
+          <a:chOff x="0" y="0"/>
+          <a:chExt cx="0" cy="0"/>
+        </a:xfrm>
+      </p:grpSpPr>
+      <p:pic>
+        <p:nvPicPr>
+          <p:cNvPr id="6" name="Picture 5"/>
+          <p:cNvPicPr>
+            <a:picLocks noChangeAspect="1"/>
+          </p:cNvPicPr>
+          <p:nvPr/>
+        </p:nvPicPr>
+        <p:blipFill>
+          <a:blip r:embed="rId2">
+            <a:extLst>
+              <a:ext uri="{28A0092B-C50C-407E-A947-70E740481C1C}">
+                <a14:useLocalDpi xmlns:a14="http://schemas.microsoft.com/office/drawing/2010/main" val="0"/>
+              </a:ext>
+            </a:extLst>
+          </a:blip>
+          <a:stretch>
+            <a:fillRect/>
+          </a:stretch>
+        </p:blipFill>
+        <p:spPr>
+          <a:xfrm>
+            <a:off x="1147198" y="3323586"/>
+            <a:ext cx="4413094" cy="3459615"/>
+          </a:xfrm>
+          <a:prstGeom prst="rect">
+            <a:avLst/>
+          </a:prstGeom>
+        </p:spPr>
+      </p:pic>
+      <p:pic>
+        <p:nvPicPr>
+          <p:cNvPr id="5" name="Picture 4"/>
+          <p:cNvPicPr>
+            <a:picLocks noChangeAspect="1"/>
+          </p:cNvPicPr>
+          <p:nvPr/>
+        </p:nvPicPr>
+        <p:blipFill>
+          <a:blip r:embed="rId3">
+            <a:extLst>
+              <a:ext uri="{28A0092B-C50C-407E-A947-70E740481C1C}">
+                <a14:useLocalDpi xmlns:a14="http://schemas.microsoft.com/office/drawing/2010/main" val="0"/>
+              </a:ext>
+            </a:extLst>
+          </a:blip>
+          <a:stretch>
+            <a:fillRect/>
+          </a:stretch>
+        </p:blipFill>
+        <p:spPr>
+          <a:xfrm>
+            <a:off x="5869290" y="3096572"/>
+            <a:ext cx="4881837" cy="3686629"/>
+          </a:xfrm>
+          <a:prstGeom prst="rect">
+            <a:avLst/>
+          </a:prstGeom>
+        </p:spPr>
+      </p:pic>
+      <p:sp>
+        <p:nvSpPr>
+          <p:cNvPr id="2" name="Title 1"/>
+          <p:cNvSpPr>
+            <a:spLocks noGrp="1"/>
+          </p:cNvSpPr>
+          <p:nvPr>
+            <p:ph type="title"/>
+          </p:nvPr>
+        </p:nvSpPr>
+        <p:spPr/>
+        <p:txBody>
+          <a:bodyPr/>
+          <a:lstStyle/>
+          <a:p>
+            <a:r>
+              <a:rPr lang="en-US" dirty="0" smtClean="0"/>
+              <a:t>An early example</a:t>
+            </a:r>
+            <a:endParaRPr lang="en-US" dirty="0"/>
+          </a:p>
+        </p:txBody>
+      </p:sp>
+      <p:sp>
+        <p:nvSpPr>
+          <p:cNvPr id="3" name="Content Placeholder 2"/>
+          <p:cNvSpPr>
+            <a:spLocks noGrp="1"/>
+          </p:cNvSpPr>
+          <p:nvPr>
+            <p:ph idx="1"/>
+          </p:nvPr>
+        </p:nvSpPr>
+        <p:spPr/>
+        <p:txBody>
+          <a:bodyPr/>
+          <a:lstStyle/>
+          <a:p>
+            <a:pPr marL="0" indent="0" algn="just">
+              <a:buNone/>
+            </a:pPr>
+            <a:r>
+              <a:rPr lang="en-US" dirty="0" smtClean="0"/>
+              <a:t>By running PageRank and Eigenvector Centrality, we discovered that the node with the highest value is </a:t>
+            </a:r>
+            <a:r>
+              <a:rPr lang="en-US" dirty="0"/>
+              <a:t>ACCELONIC LTD. (</a:t>
+            </a:r>
+            <a:r>
+              <a:rPr lang="en-US" dirty="0" smtClean="0"/>
+              <a:t>entity)</a:t>
+            </a:r>
+          </a:p>
+          <a:p>
+            <a:pPr marL="0" indent="0" algn="just">
+              <a:buNone/>
+            </a:pPr>
+            <a:r>
+              <a:rPr lang="en-US" dirty="0" smtClean="0"/>
+              <a:t>Knowing this, we can search for similar nodes in the embeddings database, and get the following:</a:t>
+            </a:r>
+            <a:endParaRPr lang="en-US" dirty="0"/>
+          </a:p>
+        </p:txBody>
+      </p:sp>
+    </p:spTree>
+    <p:extLst>
+      <p:ext uri="{BB962C8B-B14F-4D97-AF65-F5344CB8AC3E}">
+        <p14:creationId xmlns:p14="http://schemas.microsoft.com/office/powerpoint/2010/main" val="3534217610"/>
+      </p:ext>
+    </p:extLst>
+  </p:cSld>
+  <p:clrMapOvr>
+    <a:masterClrMapping/>
+  </p:clrMapOvr>
+  <p:timing>
+    <p:tnLst>
+      <p:par>
+        <p:cTn id="1" dur="indefinite" restart="never" nodeType="tmRoot"/>
+      </p:par>
+    </p:tnLst>
+  </p:timing>
+</p:sld>
+</file>
+
+<file path=ppt/slides/slide6.xml><?xml version="1.0" encoding="utf-8"?>
+<p:sld xmlns:a="http://schemas.openxmlformats.org/drawingml/2006/main" xmlns:r="http://schemas.openxmlformats.org/officeDocument/2006/relationships" xmlns:p="http://schemas.openxmlformats.org/presentationml/2006/main">
+  <p:cSld>
+    <p:spTree>
+      <p:nvGrpSpPr>
+        <p:cNvPr id="1" name=""/>
+        <p:cNvGrpSpPr/>
+        <p:nvPr/>
+      </p:nvGrpSpPr>
+      <p:grpSpPr>
+        <a:xfrm>
+          <a:off x="0" y="0"/>
+          <a:ext cx="0" cy="0"/>
+          <a:chOff x="0" y="0"/>
+          <a:chExt cx="0" cy="0"/>
+        </a:xfrm>
+      </p:grpSpPr>
+      <p:sp>
+        <p:nvSpPr>
+          <p:cNvPr id="46" name="Rectangle 45"/>
           <p:cNvSpPr/>
           <p:nvPr/>
         </p:nvSpPr>
         <p:spPr>
           <a:xfrm>
-            <a:off x="6666879" y="3996699"/>
-            <a:ext cx="905345" cy="2412103"/>
+            <a:off x="1555679" y="1649614"/>
+            <a:ext cx="1715633" cy="639403"/>
           </a:xfrm>
-          <a:prstGeom prst="rightBrace">
+          <a:prstGeom prst="rect">
             <a:avLst/>
           </a:prstGeom>
+          <a:solidFill>
+            <a:schemeClr val="bg2">
+              <a:lumMod val="75000"/>
+            </a:schemeClr>
+          </a:solidFill>
           <a:ln>
             <a:solidFill>
               <a:schemeClr val="tx1"/>
@@ -4064,17 +4942,19 @@
           </a:ln>
         </p:spPr>
         <p:style>
-          <a:lnRef idx="1">
-            <a:schemeClr val="accent1"/>
+          <a:lnRef idx="2">
+            <a:schemeClr val="accent1">
+              <a:shade val="50000"/>
+            </a:schemeClr>
           </a:lnRef>
-          <a:fillRef idx="0">
+          <a:fillRef idx="1">
             <a:schemeClr val="accent1"/>
           </a:fillRef>
           <a:effectRef idx="0">
             <a:schemeClr val="accent1"/>
           </a:effectRef>
           <a:fontRef idx="minor">
-            <a:schemeClr val="tx1"/>
+            <a:schemeClr val="lt1"/>
           </a:fontRef>
         </p:style>
         <p:txBody>
@@ -4082,145 +4962,87 @@
           <a:lstStyle/>
           <a:p>
             <a:pPr algn="ctr"/>
-            <a:endParaRPr lang="en-US"/>
-          </a:p>
-        </p:txBody>
-      </p:sp>
-      <p:sp>
-        <p:nvSpPr>
-          <p:cNvPr id="10" name="TextBox 9"/>
-          <p:cNvSpPr txBox="1"/>
+            <a:r>
+              <a:rPr lang="en-US" dirty="0" smtClean="0">
+                <a:solidFill>
+                  <a:schemeClr val="tx1"/>
+                </a:solidFill>
+              </a:rPr>
+              <a:t>Graph Analytics</a:t>
+            </a:r>
+          </a:p>
+        </p:txBody>
+      </p:sp>
+      <p:sp>
+        <p:nvSpPr>
+          <p:cNvPr id="47" name="Rectangle 46"/>
+          <p:cNvSpPr/>
           <p:nvPr/>
         </p:nvSpPr>
         <p:spPr>
           <a:xfrm>
-            <a:off x="7572224" y="3910088"/>
-            <a:ext cx="1810693" cy="2585323"/>
+            <a:off x="1777494" y="3809610"/>
+            <a:ext cx="1715633" cy="639403"/>
           </a:xfrm>
           <a:prstGeom prst="rect">
             <a:avLst/>
           </a:prstGeom>
-          <a:noFill/>
+          <a:solidFill>
+            <a:schemeClr val="bg2">
+              <a:lumMod val="75000"/>
+            </a:schemeClr>
+          </a:solidFill>
+          <a:ln>
+            <a:solidFill>
+              <a:schemeClr val="tx1"/>
+            </a:solidFill>
+          </a:ln>
         </p:spPr>
-        <p:txBody>
-          <a:bodyPr wrap="square" rtlCol="0">
-            <a:spAutoFit/>
-          </a:bodyPr>
-          <a:lstStyle/>
-          <a:p>
-            <a:r>
-              <a:rPr lang="en-US" dirty="0" smtClean="0"/>
-              <a:t>This is a kind of fraud detection graph, in which we can do analysis and discover new information about the dataset!</a:t>
-            </a:r>
-            <a:endParaRPr lang="en-US" dirty="0"/>
-          </a:p>
-        </p:txBody>
-      </p:sp>
-      <p:pic>
-        <p:nvPicPr>
-          <p:cNvPr id="11" name="Picture 10"/>
-          <p:cNvPicPr>
-            <a:picLocks noChangeAspect="1"/>
-          </p:cNvPicPr>
-          <p:nvPr/>
-        </p:nvPicPr>
-        <p:blipFill>
-          <a:blip r:embed="rId4"/>
-          <a:stretch>
-            <a:fillRect/>
-          </a:stretch>
-        </p:blipFill>
-        <p:spPr>
-          <a:xfrm>
-            <a:off x="129024" y="4749843"/>
-            <a:ext cx="3895996" cy="1025925"/>
-          </a:xfrm>
-          <a:prstGeom prst="rect">
-            <a:avLst/>
-          </a:prstGeom>
-        </p:spPr>
-      </p:pic>
-      <p:sp>
-        <p:nvSpPr>
-          <p:cNvPr id="13" name="TextBox 12"/>
-          <p:cNvSpPr txBox="1"/>
-          <p:nvPr/>
-        </p:nvSpPr>
-        <p:spPr>
-          <a:xfrm>
-            <a:off x="9984446" y="2549922"/>
-            <a:ext cx="1760899" cy="1754326"/>
-          </a:xfrm>
-          <a:prstGeom prst="rect">
-            <a:avLst/>
-          </a:prstGeom>
-          <a:noFill/>
-        </p:spPr>
-        <p:txBody>
-          <a:bodyPr wrap="square" rtlCol="0">
-            <a:spAutoFit/>
-          </a:bodyPr>
-          <a:lstStyle/>
-          <a:p>
-            <a:r>
-              <a:rPr lang="en-US" dirty="0" smtClean="0"/>
-              <a:t>Embeddings: Vector representations of the data using </a:t>
-            </a:r>
-            <a:r>
-              <a:rPr lang="en-US" dirty="0" err="1" smtClean="0"/>
-              <a:t>pretrained</a:t>
-            </a:r>
-            <a:r>
-              <a:rPr lang="en-US" dirty="0" smtClean="0"/>
-              <a:t> neural networks</a:t>
-            </a:r>
-            <a:endParaRPr lang="en-US" dirty="0"/>
-          </a:p>
-        </p:txBody>
-      </p:sp>
-      <p:sp>
-        <p:nvSpPr>
-          <p:cNvPr id="14" name="TextBox 13"/>
-          <p:cNvSpPr txBox="1"/>
-          <p:nvPr/>
-        </p:nvSpPr>
-        <p:spPr>
-          <a:xfrm>
-            <a:off x="9854855" y="5163483"/>
-            <a:ext cx="2205116" cy="1477328"/>
-          </a:xfrm>
-          <a:prstGeom prst="rect">
-            <a:avLst/>
-          </a:prstGeom>
-          <a:noFill/>
-        </p:spPr>
-        <p:txBody>
-          <a:bodyPr wrap="square" rtlCol="0">
-            <a:spAutoFit/>
-          </a:bodyPr>
-          <a:lstStyle/>
-          <a:p>
-            <a:r>
-              <a:rPr lang="en-US" dirty="0" smtClean="0"/>
-              <a:t>Graph Analytics: Pre-implemented methods and algorithms to analyze the data </a:t>
-            </a:r>
-            <a:endParaRPr lang="en-US" dirty="0"/>
+        <p:style>
+          <a:lnRef idx="2">
+            <a:schemeClr val="accent1">
+              <a:shade val="50000"/>
+            </a:schemeClr>
+          </a:lnRef>
+          <a:fillRef idx="1">
+            <a:schemeClr val="accent1"/>
+          </a:fillRef>
+          <a:effectRef idx="0">
+            <a:schemeClr val="accent1"/>
+          </a:effectRef>
+          <a:fontRef idx="minor">
+            <a:schemeClr val="lt1"/>
+          </a:fontRef>
+        </p:style>
+        <p:txBody>
+          <a:bodyPr rtlCol="0" anchor="ctr"/>
+          <a:lstStyle/>
+          <a:p>
+            <a:pPr algn="ctr"/>
+            <a:r>
+              <a:rPr lang="en-US" dirty="0" smtClean="0">
+                <a:solidFill>
+                  <a:schemeClr val="tx1"/>
+                </a:solidFill>
+              </a:rPr>
+              <a:t>Embeddings</a:t>
+            </a:r>
           </a:p>
         </p:txBody>
       </p:sp>
       <p:cxnSp>
         <p:nvCxnSpPr>
-          <p:cNvPr id="16" name="Straight Arrow Connector 15"/>
+          <p:cNvPr id="52" name="Straight Arrow Connector 51"/>
           <p:cNvCxnSpPr>
-            <a:stCxn id="10" idx="3"/>
-            <a:endCxn id="13" idx="1"/>
+            <a:stCxn id="75" idx="4"/>
+            <a:endCxn id="46" idx="1"/>
           </p:cNvCxnSpPr>
           <p:nvPr/>
         </p:nvCxnSpPr>
         <p:spPr>
           <a:xfrm flipV="1">
-            <a:off x="9382917" y="3427085"/>
-            <a:ext cx="601529" cy="1775665"/>
+            <a:off x="1349335" y="1969316"/>
+            <a:ext cx="206344" cy="1213502"/>
           </a:xfrm>
           <a:prstGeom prst="straightConnector1">
             <a:avLst/>
@@ -4249,17 +5071,17 @@
       </p:cxnSp>
       <p:cxnSp>
         <p:nvCxnSpPr>
-          <p:cNvPr id="18" name="Straight Arrow Connector 17"/>
+          <p:cNvPr id="54" name="Straight Arrow Connector 53"/>
           <p:cNvCxnSpPr>
-            <a:stCxn id="10" idx="3"/>
-            <a:endCxn id="14" idx="1"/>
+            <a:stCxn id="75" idx="4"/>
+            <a:endCxn id="47" idx="1"/>
           </p:cNvCxnSpPr>
           <p:nvPr/>
         </p:nvCxnSpPr>
         <p:spPr>
           <a:xfrm>
-            <a:off x="9382917" y="5202750"/>
-            <a:ext cx="471938" cy="699397"/>
+            <a:off x="1349335" y="3182818"/>
+            <a:ext cx="428159" cy="946494"/>
           </a:xfrm>
           <a:prstGeom prst="straightConnector1">
             <a:avLst/>
@@ -4286,92 +5108,918 @@
           </a:fontRef>
         </p:style>
       </p:cxnSp>
+      <p:sp>
+        <p:nvSpPr>
+          <p:cNvPr id="58" name="Rectangle 57"/>
+          <p:cNvSpPr/>
+          <p:nvPr/>
+        </p:nvSpPr>
+        <p:spPr>
+          <a:xfrm>
+            <a:off x="3674194" y="1042223"/>
+            <a:ext cx="1715633" cy="639403"/>
+          </a:xfrm>
+          <a:prstGeom prst="rect">
+            <a:avLst/>
+          </a:prstGeom>
+          <a:solidFill>
+            <a:schemeClr val="bg2">
+              <a:lumMod val="75000"/>
+            </a:schemeClr>
+          </a:solidFill>
+          <a:ln>
+            <a:solidFill>
+              <a:schemeClr val="tx1"/>
+            </a:solidFill>
+          </a:ln>
+        </p:spPr>
+        <p:style>
+          <a:lnRef idx="2">
+            <a:schemeClr val="accent1">
+              <a:shade val="50000"/>
+            </a:schemeClr>
+          </a:lnRef>
+          <a:fillRef idx="1">
+            <a:schemeClr val="accent1"/>
+          </a:fillRef>
+          <a:effectRef idx="0">
+            <a:schemeClr val="accent1"/>
+          </a:effectRef>
+          <a:fontRef idx="minor">
+            <a:schemeClr val="lt1"/>
+          </a:fontRef>
+        </p:style>
+        <p:txBody>
+          <a:bodyPr rtlCol="0" anchor="ctr"/>
+          <a:lstStyle/>
+          <a:p>
+            <a:pPr algn="ctr"/>
+            <a:r>
+              <a:rPr lang="en-US" dirty="0" err="1" smtClean="0">
+                <a:solidFill>
+                  <a:schemeClr val="tx1"/>
+                </a:solidFill>
+              </a:rPr>
+              <a:t>NetworkX</a:t>
+            </a:r>
+            <a:endParaRPr lang="en-US" dirty="0" smtClean="0">
+              <a:solidFill>
+                <a:schemeClr val="tx1"/>
+              </a:solidFill>
+            </a:endParaRPr>
+          </a:p>
+        </p:txBody>
+      </p:sp>
+      <p:sp>
+        <p:nvSpPr>
+          <p:cNvPr id="59" name="Rectangle 58"/>
+          <p:cNvSpPr/>
+          <p:nvPr/>
+        </p:nvSpPr>
+        <p:spPr>
+          <a:xfrm>
+            <a:off x="3674194" y="2308833"/>
+            <a:ext cx="1715633" cy="639403"/>
+          </a:xfrm>
+          <a:prstGeom prst="rect">
+            <a:avLst/>
+          </a:prstGeom>
+          <a:solidFill>
+            <a:schemeClr val="bg2">
+              <a:lumMod val="75000"/>
+            </a:schemeClr>
+          </a:solidFill>
+          <a:ln>
+            <a:solidFill>
+              <a:schemeClr val="tx1"/>
+            </a:solidFill>
+          </a:ln>
+        </p:spPr>
+        <p:style>
+          <a:lnRef idx="2">
+            <a:schemeClr val="accent1">
+              <a:shade val="50000"/>
+            </a:schemeClr>
+          </a:lnRef>
+          <a:fillRef idx="1">
+            <a:schemeClr val="accent1"/>
+          </a:fillRef>
+          <a:effectRef idx="0">
+            <a:schemeClr val="accent1"/>
+          </a:effectRef>
+          <a:fontRef idx="minor">
+            <a:schemeClr val="lt1"/>
+          </a:fontRef>
+        </p:style>
+        <p:txBody>
+          <a:bodyPr rtlCol="0" anchor="ctr"/>
+          <a:lstStyle/>
+          <a:p>
+            <a:pPr algn="ctr"/>
+            <a:r>
+              <a:rPr lang="en-US" dirty="0" smtClean="0">
+                <a:solidFill>
+                  <a:schemeClr val="tx1"/>
+                </a:solidFill>
+              </a:rPr>
+              <a:t>TSP</a:t>
+            </a:r>
+          </a:p>
+        </p:txBody>
+      </p:sp>
+      <p:cxnSp>
+        <p:nvCxnSpPr>
+          <p:cNvPr id="61" name="Straight Arrow Connector 60"/>
+          <p:cNvCxnSpPr>
+            <a:stCxn id="46" idx="3"/>
+            <a:endCxn id="58" idx="1"/>
+          </p:cNvCxnSpPr>
+          <p:nvPr/>
+        </p:nvCxnSpPr>
+        <p:spPr>
+          <a:xfrm flipV="1">
+            <a:off x="3271312" y="1361925"/>
+            <a:ext cx="402882" cy="607391"/>
+          </a:xfrm>
+          <a:prstGeom prst="straightConnector1">
+            <a:avLst/>
+          </a:prstGeom>
+          <a:ln>
+            <a:solidFill>
+              <a:schemeClr val="tx1"/>
+            </a:solidFill>
+            <a:tailEnd type="triangle"/>
+          </a:ln>
+        </p:spPr>
+        <p:style>
+          <a:lnRef idx="1">
+            <a:schemeClr val="accent1"/>
+          </a:lnRef>
+          <a:fillRef idx="0">
+            <a:schemeClr val="accent1"/>
+          </a:fillRef>
+          <a:effectRef idx="0">
+            <a:schemeClr val="accent1"/>
+          </a:effectRef>
+          <a:fontRef idx="minor">
+            <a:schemeClr val="tx1"/>
+          </a:fontRef>
+        </p:style>
+      </p:cxnSp>
+      <p:cxnSp>
+        <p:nvCxnSpPr>
+          <p:cNvPr id="63" name="Straight Arrow Connector 62"/>
+          <p:cNvCxnSpPr>
+            <a:stCxn id="46" idx="3"/>
+            <a:endCxn id="59" idx="1"/>
+          </p:cNvCxnSpPr>
+          <p:nvPr/>
+        </p:nvCxnSpPr>
+        <p:spPr>
+          <a:xfrm>
+            <a:off x="3271312" y="1969316"/>
+            <a:ext cx="402882" cy="659219"/>
+          </a:xfrm>
+          <a:prstGeom prst="straightConnector1">
+            <a:avLst/>
+          </a:prstGeom>
+          <a:ln>
+            <a:solidFill>
+              <a:schemeClr val="tx1"/>
+            </a:solidFill>
+            <a:tailEnd type="triangle"/>
+          </a:ln>
+        </p:spPr>
+        <p:style>
+          <a:lnRef idx="1">
+            <a:schemeClr val="accent1"/>
+          </a:lnRef>
+          <a:fillRef idx="0">
+            <a:schemeClr val="accent1"/>
+          </a:fillRef>
+          <a:effectRef idx="0">
+            <a:schemeClr val="accent1"/>
+          </a:effectRef>
+          <a:fontRef idx="minor">
+            <a:schemeClr val="tx1"/>
+          </a:fontRef>
+        </p:style>
+      </p:cxnSp>
+      <p:sp>
+        <p:nvSpPr>
+          <p:cNvPr id="66" name="Rounded Rectangle 65"/>
+          <p:cNvSpPr/>
+          <p:nvPr/>
+        </p:nvSpPr>
+        <p:spPr>
+          <a:xfrm>
+            <a:off x="697486" y="4881577"/>
+            <a:ext cx="1499861" cy="1000181"/>
+          </a:xfrm>
+          <a:prstGeom prst="roundRect">
+            <a:avLst/>
+          </a:prstGeom>
+          <a:solidFill>
+            <a:schemeClr val="bg2">
+              <a:lumMod val="75000"/>
+            </a:schemeClr>
+          </a:solidFill>
+          <a:ln>
+            <a:solidFill>
+              <a:schemeClr val="tx1"/>
+            </a:solidFill>
+          </a:ln>
+        </p:spPr>
+        <p:style>
+          <a:lnRef idx="2">
+            <a:schemeClr val="accent1">
+              <a:shade val="50000"/>
+            </a:schemeClr>
+          </a:lnRef>
+          <a:fillRef idx="1">
+            <a:schemeClr val="accent1"/>
+          </a:fillRef>
+          <a:effectRef idx="0">
+            <a:schemeClr val="accent1"/>
+          </a:effectRef>
+          <a:fontRef idx="minor">
+            <a:schemeClr val="lt1"/>
+          </a:fontRef>
+        </p:style>
+        <p:txBody>
+          <a:bodyPr rtlCol="0" anchor="ctr"/>
+          <a:lstStyle/>
+          <a:p>
+            <a:pPr algn="ctr"/>
+            <a:r>
+              <a:rPr lang="en-US" dirty="0" smtClean="0">
+                <a:solidFill>
+                  <a:schemeClr val="tx1"/>
+                </a:solidFill>
+              </a:rPr>
+              <a:t>Create a corpus from the graph</a:t>
+            </a:r>
+            <a:endParaRPr lang="en-US" dirty="0">
+              <a:solidFill>
+                <a:schemeClr val="tx1"/>
+              </a:solidFill>
+            </a:endParaRPr>
+          </a:p>
+        </p:txBody>
+      </p:sp>
+      <p:sp>
+        <p:nvSpPr>
+          <p:cNvPr id="67" name="Rounded Rectangle 66"/>
+          <p:cNvSpPr/>
+          <p:nvPr/>
+        </p:nvSpPr>
+        <p:spPr>
+          <a:xfrm>
+            <a:off x="2824676" y="4881577"/>
+            <a:ext cx="1499861" cy="1000181"/>
+          </a:xfrm>
+          <a:prstGeom prst="roundRect">
+            <a:avLst/>
+          </a:prstGeom>
+          <a:solidFill>
+            <a:schemeClr val="bg2">
+              <a:lumMod val="75000"/>
+            </a:schemeClr>
+          </a:solidFill>
+          <a:ln>
+            <a:solidFill>
+              <a:schemeClr val="tx1"/>
+            </a:solidFill>
+          </a:ln>
+        </p:spPr>
+        <p:style>
+          <a:lnRef idx="2">
+            <a:schemeClr val="accent1">
+              <a:shade val="50000"/>
+            </a:schemeClr>
+          </a:lnRef>
+          <a:fillRef idx="1">
+            <a:schemeClr val="accent1"/>
+          </a:fillRef>
+          <a:effectRef idx="0">
+            <a:schemeClr val="accent1"/>
+          </a:effectRef>
+          <a:fontRef idx="minor">
+            <a:schemeClr val="lt1"/>
+          </a:fontRef>
+        </p:style>
+        <p:txBody>
+          <a:bodyPr rtlCol="0" anchor="ctr"/>
+          <a:lstStyle/>
+          <a:p>
+            <a:pPr algn="ctr"/>
+            <a:r>
+              <a:rPr lang="en-US" dirty="0" smtClean="0">
+                <a:solidFill>
+                  <a:schemeClr val="tx1"/>
+                </a:solidFill>
+              </a:rPr>
+              <a:t>Train the corpus using word2vec</a:t>
+            </a:r>
+            <a:endParaRPr lang="en-US" dirty="0">
+              <a:solidFill>
+                <a:schemeClr val="tx1"/>
+              </a:solidFill>
+            </a:endParaRPr>
+          </a:p>
+        </p:txBody>
+      </p:sp>
+      <p:cxnSp>
+        <p:nvCxnSpPr>
+          <p:cNvPr id="69" name="Straight Arrow Connector 68"/>
+          <p:cNvCxnSpPr>
+            <a:stCxn id="66" idx="0"/>
+            <a:endCxn id="47" idx="2"/>
+          </p:cNvCxnSpPr>
+          <p:nvPr/>
+        </p:nvCxnSpPr>
+        <p:spPr>
+          <a:xfrm flipV="1">
+            <a:off x="1447417" y="4449013"/>
+            <a:ext cx="1187894" cy="432564"/>
+          </a:xfrm>
+          <a:prstGeom prst="straightConnector1">
+            <a:avLst/>
+          </a:prstGeom>
+          <a:ln>
+            <a:solidFill>
+              <a:schemeClr val="tx1"/>
+            </a:solidFill>
+            <a:tailEnd type="triangle"/>
+          </a:ln>
+        </p:spPr>
+        <p:style>
+          <a:lnRef idx="1">
+            <a:schemeClr val="accent1"/>
+          </a:lnRef>
+          <a:fillRef idx="0">
+            <a:schemeClr val="accent1"/>
+          </a:fillRef>
+          <a:effectRef idx="0">
+            <a:schemeClr val="accent1"/>
+          </a:effectRef>
+          <a:fontRef idx="minor">
+            <a:schemeClr val="tx1"/>
+          </a:fontRef>
+        </p:style>
+      </p:cxnSp>
+      <p:cxnSp>
+        <p:nvCxnSpPr>
+          <p:cNvPr id="71" name="Straight Arrow Connector 70"/>
+          <p:cNvCxnSpPr>
+            <a:stCxn id="67" idx="0"/>
+            <a:endCxn id="47" idx="2"/>
+          </p:cNvCxnSpPr>
+          <p:nvPr/>
+        </p:nvCxnSpPr>
+        <p:spPr>
+          <a:xfrm flipH="1" flipV="1">
+            <a:off x="2635311" y="4449013"/>
+            <a:ext cx="939296" cy="432564"/>
+          </a:xfrm>
+          <a:prstGeom prst="straightConnector1">
+            <a:avLst/>
+          </a:prstGeom>
+          <a:ln>
+            <a:solidFill>
+              <a:schemeClr val="tx1"/>
+            </a:solidFill>
+            <a:tailEnd type="triangle"/>
+          </a:ln>
+        </p:spPr>
+        <p:style>
+          <a:lnRef idx="1">
+            <a:schemeClr val="accent1"/>
+          </a:lnRef>
+          <a:fillRef idx="0">
+            <a:schemeClr val="accent1"/>
+          </a:fillRef>
+          <a:effectRef idx="0">
+            <a:schemeClr val="accent1"/>
+          </a:effectRef>
+          <a:fontRef idx="minor">
+            <a:schemeClr val="tx1"/>
+          </a:fontRef>
+        </p:style>
+      </p:cxnSp>
+      <p:sp>
+        <p:nvSpPr>
+          <p:cNvPr id="74" name="Right Arrow 73"/>
+          <p:cNvSpPr/>
+          <p:nvPr/>
+        </p:nvSpPr>
+        <p:spPr>
+          <a:xfrm>
+            <a:off x="5389827" y="1803892"/>
+            <a:ext cx="2287511" cy="391736"/>
+          </a:xfrm>
+          <a:prstGeom prst="rightArrow">
+            <a:avLst/>
+          </a:prstGeom>
+          <a:solidFill>
+            <a:schemeClr val="bg2">
+              <a:lumMod val="75000"/>
+            </a:schemeClr>
+          </a:solidFill>
+          <a:ln>
+            <a:solidFill>
+              <a:schemeClr val="tx1"/>
+            </a:solidFill>
+          </a:ln>
+        </p:spPr>
+        <p:style>
+          <a:lnRef idx="2">
+            <a:schemeClr val="accent1">
+              <a:shade val="50000"/>
+            </a:schemeClr>
+          </a:lnRef>
+          <a:fillRef idx="1">
+            <a:schemeClr val="accent1"/>
+          </a:fillRef>
+          <a:effectRef idx="0">
+            <a:schemeClr val="accent1"/>
+          </a:effectRef>
+          <a:fontRef idx="minor">
+            <a:schemeClr val="lt1"/>
+          </a:fontRef>
+        </p:style>
+        <p:txBody>
+          <a:bodyPr rtlCol="0" anchor="ctr"/>
+          <a:lstStyle/>
+          <a:p>
+            <a:pPr algn="ctr"/>
+            <a:r>
+              <a:rPr lang="en-US" dirty="0" smtClean="0">
+                <a:solidFill>
+                  <a:schemeClr val="tx1"/>
+                </a:solidFill>
+              </a:rPr>
+              <a:t>PageRank and other</a:t>
+            </a:r>
+            <a:endParaRPr lang="en-US" dirty="0">
+              <a:solidFill>
+                <a:schemeClr val="tx1"/>
+              </a:solidFill>
+            </a:endParaRPr>
+          </a:p>
+        </p:txBody>
+      </p:sp>
+      <p:sp>
+        <p:nvSpPr>
+          <p:cNvPr id="75" name="Can 74"/>
+          <p:cNvSpPr/>
+          <p:nvPr/>
+        </p:nvSpPr>
+        <p:spPr>
+          <a:xfrm>
+            <a:off x="45637" y="2298925"/>
+            <a:ext cx="1303698" cy="1767785"/>
+          </a:xfrm>
+          <a:prstGeom prst="can">
+            <a:avLst/>
+          </a:prstGeom>
+          <a:solidFill>
+            <a:schemeClr val="bg2">
+              <a:lumMod val="75000"/>
+            </a:schemeClr>
+          </a:solidFill>
+          <a:ln>
+            <a:solidFill>
+              <a:schemeClr val="tx1"/>
+            </a:solidFill>
+          </a:ln>
+        </p:spPr>
+        <p:style>
+          <a:lnRef idx="2">
+            <a:schemeClr val="accent1">
+              <a:shade val="50000"/>
+            </a:schemeClr>
+          </a:lnRef>
+          <a:fillRef idx="1">
+            <a:schemeClr val="accent1"/>
+          </a:fillRef>
+          <a:effectRef idx="0">
+            <a:schemeClr val="accent1"/>
+          </a:effectRef>
+          <a:fontRef idx="minor">
+            <a:schemeClr val="lt1"/>
+          </a:fontRef>
+        </p:style>
+        <p:txBody>
+          <a:bodyPr rtlCol="0" anchor="ctr"/>
+          <a:lstStyle/>
+          <a:p>
+            <a:pPr algn="ctr"/>
+            <a:r>
+              <a:rPr lang="en-US" dirty="0" smtClean="0">
+                <a:solidFill>
+                  <a:schemeClr val="tx1"/>
+                </a:solidFill>
+              </a:rPr>
+              <a:t>Panama Papers CSV dataset</a:t>
+            </a:r>
+            <a:endParaRPr lang="en-US" dirty="0">
+              <a:solidFill>
+                <a:schemeClr val="tx1"/>
+              </a:solidFill>
+            </a:endParaRPr>
+          </a:p>
+        </p:txBody>
+      </p:sp>
+      <p:sp>
+        <p:nvSpPr>
+          <p:cNvPr id="82" name="Right Arrow 81"/>
+          <p:cNvSpPr/>
+          <p:nvPr/>
+        </p:nvSpPr>
+        <p:spPr>
+          <a:xfrm>
+            <a:off x="3493127" y="3934668"/>
+            <a:ext cx="4184211" cy="412748"/>
+          </a:xfrm>
+          <a:prstGeom prst="rightArrow">
+            <a:avLst/>
+          </a:prstGeom>
+          <a:solidFill>
+            <a:schemeClr val="bg2">
+              <a:lumMod val="75000"/>
+            </a:schemeClr>
+          </a:solidFill>
+          <a:ln>
+            <a:solidFill>
+              <a:schemeClr val="tx1"/>
+            </a:solidFill>
+          </a:ln>
+        </p:spPr>
+        <p:style>
+          <a:lnRef idx="2">
+            <a:schemeClr val="accent1">
+              <a:shade val="50000"/>
+            </a:schemeClr>
+          </a:lnRef>
+          <a:fillRef idx="1">
+            <a:schemeClr val="accent1"/>
+          </a:fillRef>
+          <a:effectRef idx="0">
+            <a:schemeClr val="accent1"/>
+          </a:effectRef>
+          <a:fontRef idx="minor">
+            <a:schemeClr val="lt1"/>
+          </a:fontRef>
+        </p:style>
+        <p:txBody>
+          <a:bodyPr rtlCol="0" anchor="ctr"/>
+          <a:lstStyle/>
+          <a:p>
+            <a:pPr algn="ctr"/>
+            <a:r>
+              <a:rPr lang="en-US" dirty="0" smtClean="0">
+                <a:solidFill>
+                  <a:schemeClr val="tx1"/>
+                </a:solidFill>
+              </a:rPr>
+              <a:t>NLP model training, RDFsim</a:t>
+            </a:r>
+            <a:endParaRPr lang="en-US" dirty="0">
+              <a:solidFill>
+                <a:schemeClr val="tx1"/>
+              </a:solidFill>
+            </a:endParaRPr>
+          </a:p>
+        </p:txBody>
+      </p:sp>
+      <p:sp>
+        <p:nvSpPr>
+          <p:cNvPr id="93" name="Can 92"/>
+          <p:cNvSpPr/>
+          <p:nvPr/>
+        </p:nvSpPr>
+        <p:spPr>
+          <a:xfrm>
+            <a:off x="7677338" y="1356709"/>
+            <a:ext cx="1285592" cy="1258432"/>
+          </a:xfrm>
+          <a:prstGeom prst="can">
+            <a:avLst/>
+          </a:prstGeom>
+          <a:solidFill>
+            <a:schemeClr val="bg2">
+              <a:lumMod val="75000"/>
+            </a:schemeClr>
+          </a:solidFill>
+          <a:ln>
+            <a:solidFill>
+              <a:schemeClr val="tx1"/>
+            </a:solidFill>
+          </a:ln>
+        </p:spPr>
+        <p:style>
+          <a:lnRef idx="2">
+            <a:schemeClr val="accent1">
+              <a:shade val="50000"/>
+            </a:schemeClr>
+          </a:lnRef>
+          <a:fillRef idx="1">
+            <a:schemeClr val="accent1"/>
+          </a:fillRef>
+          <a:effectRef idx="0">
+            <a:schemeClr val="accent1"/>
+          </a:effectRef>
+          <a:fontRef idx="minor">
+            <a:schemeClr val="lt1"/>
+          </a:fontRef>
+        </p:style>
+        <p:txBody>
+          <a:bodyPr rtlCol="0" anchor="ctr"/>
+          <a:lstStyle/>
+          <a:p>
+            <a:pPr algn="ctr"/>
+            <a:r>
+              <a:rPr lang="en-US" dirty="0" smtClean="0">
+                <a:solidFill>
+                  <a:schemeClr val="tx1"/>
+                </a:solidFill>
+              </a:rPr>
+              <a:t>Set of important nodes</a:t>
+            </a:r>
+            <a:endParaRPr lang="en-US" dirty="0">
+              <a:solidFill>
+                <a:schemeClr val="tx1"/>
+              </a:solidFill>
+            </a:endParaRPr>
+          </a:p>
+        </p:txBody>
+      </p:sp>
+      <p:sp>
+        <p:nvSpPr>
+          <p:cNvPr id="94" name="Can 93"/>
+          <p:cNvSpPr/>
+          <p:nvPr/>
+        </p:nvSpPr>
+        <p:spPr>
+          <a:xfrm>
+            <a:off x="7653189" y="3702080"/>
+            <a:ext cx="1575304" cy="2358994"/>
+          </a:xfrm>
+          <a:prstGeom prst="can">
+            <a:avLst/>
+          </a:prstGeom>
+          <a:solidFill>
+            <a:schemeClr val="bg2">
+              <a:lumMod val="75000"/>
+            </a:schemeClr>
+          </a:solidFill>
+          <a:ln>
+            <a:solidFill>
+              <a:schemeClr val="tx1"/>
+            </a:solidFill>
+          </a:ln>
+        </p:spPr>
+        <p:style>
+          <a:lnRef idx="2">
+            <a:schemeClr val="accent1">
+              <a:shade val="50000"/>
+            </a:schemeClr>
+          </a:lnRef>
+          <a:fillRef idx="1">
+            <a:schemeClr val="accent1"/>
+          </a:fillRef>
+          <a:effectRef idx="0">
+            <a:schemeClr val="accent1"/>
+          </a:effectRef>
+          <a:fontRef idx="minor">
+            <a:schemeClr val="lt1"/>
+          </a:fontRef>
+        </p:style>
+        <p:txBody>
+          <a:bodyPr rtlCol="0" anchor="ctr"/>
+          <a:lstStyle/>
+          <a:p>
+            <a:pPr algn="ctr"/>
+            <a:r>
+              <a:rPr lang="en-US" dirty="0" smtClean="0">
+                <a:solidFill>
+                  <a:schemeClr val="tx1"/>
+                </a:solidFill>
+              </a:rPr>
+              <a:t>Embeddings database able to create similarity networks</a:t>
+            </a:r>
+            <a:endParaRPr lang="en-US" dirty="0">
+              <a:solidFill>
+                <a:schemeClr val="tx1"/>
+              </a:solidFill>
+            </a:endParaRPr>
+          </a:p>
+        </p:txBody>
+      </p:sp>
+      <p:sp>
+        <p:nvSpPr>
+          <p:cNvPr id="95" name="Right Arrow 94"/>
+          <p:cNvSpPr/>
+          <p:nvPr/>
+        </p:nvSpPr>
+        <p:spPr>
+          <a:xfrm rot="5400000">
+            <a:off x="7668842" y="3053838"/>
+            <a:ext cx="1302584" cy="448148"/>
+          </a:xfrm>
+          <a:prstGeom prst="rightArrow">
+            <a:avLst/>
+          </a:prstGeom>
+          <a:solidFill>
+            <a:schemeClr val="bg2">
+              <a:lumMod val="75000"/>
+            </a:schemeClr>
+          </a:solidFill>
+          <a:ln>
+            <a:solidFill>
+              <a:schemeClr val="tx1"/>
+            </a:solidFill>
+          </a:ln>
+        </p:spPr>
+        <p:style>
+          <a:lnRef idx="2">
+            <a:schemeClr val="accent1">
+              <a:shade val="50000"/>
+            </a:schemeClr>
+          </a:lnRef>
+          <a:fillRef idx="1">
+            <a:schemeClr val="accent1"/>
+          </a:fillRef>
+          <a:effectRef idx="0">
+            <a:schemeClr val="accent1"/>
+          </a:effectRef>
+          <a:fontRef idx="minor">
+            <a:schemeClr val="lt1"/>
+          </a:fontRef>
+        </p:style>
+        <p:txBody>
+          <a:bodyPr rtlCol="0" anchor="ctr"/>
+          <a:lstStyle/>
+          <a:p>
+            <a:pPr algn="ctr"/>
+            <a:r>
+              <a:rPr lang="en-US" dirty="0" smtClean="0">
+                <a:solidFill>
+                  <a:schemeClr val="tx1"/>
+                </a:solidFill>
+              </a:rPr>
+              <a:t>Load </a:t>
+            </a:r>
+            <a:endParaRPr lang="en-US" dirty="0">
+              <a:solidFill>
+                <a:schemeClr val="tx1"/>
+              </a:solidFill>
+            </a:endParaRPr>
+          </a:p>
+        </p:txBody>
+      </p:sp>
+      <p:cxnSp>
+        <p:nvCxnSpPr>
+          <p:cNvPr id="97" name="Straight Arrow Connector 96"/>
+          <p:cNvCxnSpPr>
+            <a:stCxn id="94" idx="4"/>
+            <a:endCxn id="98" idx="2"/>
+          </p:cNvCxnSpPr>
+          <p:nvPr/>
+        </p:nvCxnSpPr>
+        <p:spPr>
+          <a:xfrm flipV="1">
+            <a:off x="9228493" y="4114232"/>
+            <a:ext cx="1485150" cy="767345"/>
+          </a:xfrm>
+          <a:prstGeom prst="straightConnector1">
+            <a:avLst/>
+          </a:prstGeom>
+          <a:ln>
+            <a:solidFill>
+              <a:schemeClr val="tx1"/>
+            </a:solidFill>
+            <a:tailEnd type="triangle"/>
+          </a:ln>
+        </p:spPr>
+        <p:style>
+          <a:lnRef idx="1">
+            <a:schemeClr val="accent1"/>
+          </a:lnRef>
+          <a:fillRef idx="0">
+            <a:schemeClr val="accent1"/>
+          </a:fillRef>
+          <a:effectRef idx="0">
+            <a:schemeClr val="accent1"/>
+          </a:effectRef>
+          <a:fontRef idx="minor">
+            <a:schemeClr val="tx1"/>
+          </a:fontRef>
+        </p:style>
+      </p:cxnSp>
+      <p:sp>
+        <p:nvSpPr>
+          <p:cNvPr id="98" name="Rectangle 97"/>
+          <p:cNvSpPr/>
+          <p:nvPr/>
+        </p:nvSpPr>
+        <p:spPr>
+          <a:xfrm>
+            <a:off x="9317522" y="2459165"/>
+            <a:ext cx="2792242" cy="1655067"/>
+          </a:xfrm>
+          <a:prstGeom prst="rect">
+            <a:avLst/>
+          </a:prstGeom>
+          <a:solidFill>
+            <a:schemeClr val="bg2">
+              <a:lumMod val="75000"/>
+            </a:schemeClr>
+          </a:solidFill>
+          <a:ln>
+            <a:solidFill>
+              <a:schemeClr val="tx1"/>
+            </a:solidFill>
+          </a:ln>
+        </p:spPr>
+        <p:style>
+          <a:lnRef idx="2">
+            <a:schemeClr val="accent1">
+              <a:shade val="50000"/>
+            </a:schemeClr>
+          </a:lnRef>
+          <a:fillRef idx="1">
+            <a:schemeClr val="accent1"/>
+          </a:fillRef>
+          <a:effectRef idx="0">
+            <a:schemeClr val="accent1"/>
+          </a:effectRef>
+          <a:fontRef idx="minor">
+            <a:schemeClr val="lt1"/>
+          </a:fontRef>
+        </p:style>
+        <p:txBody>
+          <a:bodyPr rtlCol="0" anchor="ctr"/>
+          <a:lstStyle/>
+          <a:p>
+            <a:pPr algn="ctr"/>
+            <a:r>
+              <a:rPr lang="en-US" dirty="0" smtClean="0">
+                <a:solidFill>
+                  <a:schemeClr val="tx1"/>
+                </a:solidFill>
+              </a:rPr>
+              <a:t>Provide an analysis that can create similarity graphs for important nodes of the graph, exposing connections between entities and more!</a:t>
+            </a:r>
+            <a:endParaRPr lang="en-US" dirty="0">
+              <a:solidFill>
+                <a:schemeClr val="tx1"/>
+              </a:solidFill>
+            </a:endParaRPr>
+          </a:p>
+        </p:txBody>
+      </p:sp>
+      <p:sp>
+        <p:nvSpPr>
+          <p:cNvPr id="105" name="Title 104"/>
+          <p:cNvSpPr>
+            <a:spLocks noGrp="1"/>
+          </p:cNvSpPr>
+          <p:nvPr>
+            <p:ph type="title"/>
+          </p:nvPr>
+        </p:nvSpPr>
+        <p:spPr/>
+        <p:txBody>
+          <a:bodyPr/>
+          <a:lstStyle/>
+          <a:p>
+            <a:r>
+              <a:rPr lang="en-US" dirty="0" smtClean="0"/>
+              <a:t>Our work</a:t>
+            </a:r>
+            <a:endParaRPr lang="en-US" dirty="0"/>
+          </a:p>
+        </p:txBody>
+      </p:sp>
     </p:spTree>
     <p:extLst>
       <p:ext uri="{BB962C8B-B14F-4D97-AF65-F5344CB8AC3E}">
-        <p14:creationId xmlns:p14="http://schemas.microsoft.com/office/powerpoint/2010/main" val="376705030"/>
+        <p14:creationId xmlns:p14="http://schemas.microsoft.com/office/powerpoint/2010/main" val="3560831542"/>
       </p:ext>
     </p:extLst>
   </p:cSld>
   <p:clrMapOvr>
     <a:masterClrMapping/>
   </p:clrMapOvr>
-</p:sld>
-</file>
-
-<file path=ppt/slides/slide6.xml><?xml version="1.0" encoding="utf-8"?>
-<p:sld xmlns:a="http://schemas.openxmlformats.org/drawingml/2006/main" xmlns:r="http://schemas.openxmlformats.org/officeDocument/2006/relationships" xmlns:p="http://schemas.openxmlformats.org/presentationml/2006/main">
-  <p:cSld>
-    <p:spTree>
-      <p:nvGrpSpPr>
-        <p:cNvPr id="1" name=""/>
-        <p:cNvGrpSpPr/>
-        <p:nvPr/>
-      </p:nvGrpSpPr>
-      <p:grpSpPr>
-        <a:xfrm>
-          <a:off x="0" y="0"/>
-          <a:ext cx="0" cy="0"/>
-          <a:chOff x="0" y="0"/>
-          <a:chExt cx="0" cy="0"/>
-        </a:xfrm>
-      </p:grpSpPr>
-      <p:sp>
-        <p:nvSpPr>
-          <p:cNvPr id="2" name="Title 1"/>
-          <p:cNvSpPr>
-            <a:spLocks noGrp="1"/>
-          </p:cNvSpPr>
-          <p:nvPr>
-            <p:ph type="title"/>
-          </p:nvPr>
-        </p:nvSpPr>
-        <p:spPr/>
-        <p:txBody>
-          <a:bodyPr/>
-          <a:lstStyle/>
-          <a:p>
-            <a:r>
-              <a:rPr lang="en-US" dirty="0" smtClean="0"/>
-              <a:t>Dataset Preprocessing</a:t>
-            </a:r>
-            <a:endParaRPr lang="en-US" dirty="0"/>
-          </a:p>
-        </p:txBody>
-      </p:sp>
-      <p:sp>
-        <p:nvSpPr>
-          <p:cNvPr id="3" name="Content Placeholder 2"/>
-          <p:cNvSpPr>
-            <a:spLocks noGrp="1"/>
-          </p:cNvSpPr>
-          <p:nvPr>
-            <p:ph idx="1"/>
-          </p:nvPr>
-        </p:nvSpPr>
-        <p:spPr/>
-        <p:txBody>
-          <a:bodyPr/>
-          <a:lstStyle/>
-          <a:p>
-            <a:r>
-              <a:rPr lang="en-US" dirty="0" smtClean="0"/>
-              <a:t>General: The dataset contains too much information about the </a:t>
-            </a:r>
-            <a:endParaRPr lang="en-US" dirty="0"/>
-          </a:p>
-        </p:txBody>
-      </p:sp>
-    </p:spTree>
-    <p:extLst>
-      <p:ext uri="{BB962C8B-B14F-4D97-AF65-F5344CB8AC3E}">
-        <p14:creationId xmlns:p14="http://schemas.microsoft.com/office/powerpoint/2010/main" val="2063232290"/>
-      </p:ext>
-    </p:extLst>
-  </p:cSld>
-  <p:clrMapOvr>
-    <a:masterClrMapping/>
-  </p:clrMapOvr>
+  <p:timing>
+    <p:tnLst>
+      <p:par>
+        <p:cTn id="1" dur="indefinite" restart="never" nodeType="tmRoot"/>
+      </p:par>
+    </p:tnLst>
+  </p:timing>
 </p:sld>
 </file>
 
@@ -4408,8 +6056,12 @@
           <a:lstStyle/>
           <a:p>
             <a:r>
+              <a:rPr lang="en-US" dirty="0"/>
+              <a:t>Graph </a:t>
+            </a:r>
+            <a:r>
               <a:rPr lang="en-US" dirty="0" smtClean="0"/>
-              <a:t>Our Idea</a:t>
+              <a:t>Analytics: TSP </a:t>
             </a:r>
             <a:endParaRPr lang="en-US" dirty="0"/>
           </a:p>
@@ -4430,6 +6082,48 @@
           <a:bodyPr/>
           <a:lstStyle/>
           <a:p>
+            <a:pPr algn="just"/>
+            <a:r>
+              <a:rPr lang="en-US" dirty="0" smtClean="0"/>
+              <a:t>We tried loading our data to TSP, in order to run algorithms using the analyzers</a:t>
+            </a:r>
+            <a:endParaRPr lang="el-GR" dirty="0" smtClean="0"/>
+          </a:p>
+          <a:p>
+            <a:pPr lvl="1" algn="just"/>
+            <a:r>
+              <a:rPr lang="en-US" dirty="0" smtClean="0"/>
+              <a:t>But the dataset was way too big to load. For this reason we explored methods to efficiently take subsets of the dataset but without losing information about how the data are formed. We used the following methods:</a:t>
+            </a:r>
+          </a:p>
+          <a:p>
+            <a:pPr lvl="2" algn="just"/>
+            <a:r>
+              <a:rPr lang="en-US" dirty="0" smtClean="0"/>
+              <a:t>Simple subset chunking</a:t>
+            </a:r>
+          </a:p>
+          <a:p>
+            <a:pPr lvl="2" algn="just"/>
+            <a:r>
+              <a:rPr lang="en-US" dirty="0" smtClean="0"/>
+              <a:t>Sampling</a:t>
+            </a:r>
+          </a:p>
+          <a:p>
+            <a:pPr lvl="2" algn="just"/>
+            <a:r>
+              <a:rPr lang="en-US" dirty="0" smtClean="0"/>
+              <a:t>Graph Reconstruction</a:t>
+            </a:r>
+            <a:endParaRPr lang="el-GR" dirty="0" smtClean="0"/>
+          </a:p>
+          <a:p>
+            <a:pPr algn="just"/>
+            <a:r>
+              <a:rPr lang="en-US" dirty="0" smtClean="0"/>
+              <a:t>We decided to use sampling to load a small subset of the dataset to TSP. </a:t>
+            </a:r>
             <a:endParaRPr lang="en-US" dirty="0"/>
           </a:p>
         </p:txBody>
@@ -4437,7 +6131,7 @@
     </p:spTree>
     <p:extLst>
       <p:ext uri="{BB962C8B-B14F-4D97-AF65-F5344CB8AC3E}">
-        <p14:creationId xmlns:p14="http://schemas.microsoft.com/office/powerpoint/2010/main" val="3560831542"/>
+        <p14:creationId xmlns:p14="http://schemas.microsoft.com/office/powerpoint/2010/main" val="3530893320"/>
       </p:ext>
     </p:extLst>
   </p:cSld>
@@ -4474,20 +6168,45 @@
             <p:ph type="title"/>
           </p:nvPr>
         </p:nvSpPr>
-        <p:spPr>
-          <a:xfrm>
-            <a:off x="0" y="2040016"/>
-            <a:ext cx="12191999" cy="1291659"/>
-          </a:xfrm>
-        </p:spPr>
-        <p:txBody>
-          <a:bodyPr/>
-          <a:lstStyle/>
-          <a:p>
-            <a:pPr algn="ctr"/>
+        <p:spPr/>
+        <p:txBody>
+          <a:bodyPr/>
+          <a:lstStyle/>
+          <a:p>
+            <a:r>
+              <a:rPr lang="en-US" dirty="0"/>
+              <a:t>Graph </a:t>
+            </a:r>
             <a:r>
               <a:rPr lang="en-US" dirty="0" smtClean="0"/>
-              <a:t>Graph Analytics</a:t>
+              <a:t>Analytics: TSP </a:t>
+            </a:r>
+            <a:endParaRPr lang="en-US" dirty="0"/>
+          </a:p>
+        </p:txBody>
+      </p:sp>
+      <p:sp>
+        <p:nvSpPr>
+          <p:cNvPr id="3" name="Content Placeholder 2"/>
+          <p:cNvSpPr>
+            <a:spLocks noGrp="1"/>
+          </p:cNvSpPr>
+          <p:nvPr>
+            <p:ph idx="1"/>
+          </p:nvPr>
+        </p:nvSpPr>
+        <p:spPr/>
+        <p:txBody>
+          <a:bodyPr/>
+          <a:lstStyle/>
+          <a:p>
+            <a:r>
+              <a:rPr lang="en-US" dirty="0" smtClean="0"/>
+              <a:t>We decided to define a simple schema for the data, and we run the following algorithms</a:t>
+            </a:r>
+            <a:r>
+              <a:rPr lang="el-GR" dirty="0"/>
+              <a:t>:</a:t>
             </a:r>
             <a:endParaRPr lang="en-US" dirty="0"/>
           </a:p>
@@ -4496,7 +6215,7 @@
     </p:spTree>
     <p:extLst>
       <p:ext uri="{BB962C8B-B14F-4D97-AF65-F5344CB8AC3E}">
-        <p14:creationId xmlns:p14="http://schemas.microsoft.com/office/powerpoint/2010/main" val="25746410"/>
+        <p14:creationId xmlns:p14="http://schemas.microsoft.com/office/powerpoint/2010/main" val="1755978545"/>
       </p:ext>
     </p:extLst>
   </p:cSld>
@@ -4539,8 +6258,16 @@
           <a:lstStyle/>
           <a:p>
             <a:r>
+              <a:rPr lang="en-US" dirty="0"/>
+              <a:t>Graph </a:t>
+            </a:r>
+            <a:r>
               <a:rPr lang="en-US" dirty="0" smtClean="0"/>
-              <a:t>Base Dataset Analysis</a:t>
+              <a:t>Analytics: </a:t>
+            </a:r>
+            <a:r>
+              <a:rPr lang="en-US" dirty="0" err="1" smtClean="0"/>
+              <a:t>NetworkX</a:t>
             </a:r>
             <a:endParaRPr lang="en-US" dirty="0"/>
           </a:p>
@@ -4561,14 +6288,71 @@
           <a:bodyPr/>
           <a:lstStyle/>
           <a:p>
-            <a:endParaRPr lang="en-US"/>
+            <a:pPr algn="just"/>
+            <a:r>
+              <a:rPr lang="en-US" dirty="0" err="1" smtClean="0"/>
+              <a:t>NetworkX</a:t>
+            </a:r>
+            <a:r>
+              <a:rPr lang="en-US" dirty="0" smtClean="0"/>
+              <a:t> is an open source python API which was able to load the dataset completely and run the algorithms we wanted</a:t>
+            </a:r>
+          </a:p>
+          <a:p>
+            <a:pPr algn="just"/>
+            <a:r>
+              <a:rPr lang="en-US" dirty="0" smtClean="0"/>
+              <a:t>We decided to use the results of </a:t>
+            </a:r>
+            <a:r>
+              <a:rPr lang="en-US" dirty="0" err="1" smtClean="0"/>
+              <a:t>NetworkX</a:t>
+            </a:r>
+            <a:r>
+              <a:rPr lang="en-US" dirty="0" smtClean="0"/>
+              <a:t>, as these results are extracted from the complete dataset and not a subset of it.</a:t>
+            </a:r>
+          </a:p>
+          <a:p>
+            <a:pPr algn="just"/>
+            <a:r>
+              <a:rPr lang="en-US" dirty="0" err="1" smtClean="0"/>
+              <a:t>Pagerank</a:t>
+            </a:r>
+            <a:endParaRPr lang="en-US" dirty="0" smtClean="0"/>
+          </a:p>
+          <a:p>
+            <a:pPr algn="just"/>
+            <a:r>
+              <a:rPr lang="en-US" dirty="0" err="1" smtClean="0"/>
+              <a:t>EigenVector</a:t>
+            </a:r>
+            <a:r>
+              <a:rPr lang="en-US" dirty="0" smtClean="0"/>
+              <a:t> Centrality</a:t>
+            </a:r>
+          </a:p>
+          <a:p>
+            <a:pPr algn="just"/>
+            <a:r>
+              <a:rPr lang="en-US" dirty="0" smtClean="0"/>
+              <a:t>Degree Centrality</a:t>
+            </a:r>
+          </a:p>
+          <a:p>
+            <a:pPr algn="just"/>
+            <a:r>
+              <a:rPr lang="en-US" dirty="0" smtClean="0"/>
+              <a:t>Clustering</a:t>
+            </a:r>
+            <a:endParaRPr lang="en-US" dirty="0"/>
           </a:p>
         </p:txBody>
       </p:sp>
     </p:spTree>
     <p:extLst>
       <p:ext uri="{BB962C8B-B14F-4D97-AF65-F5344CB8AC3E}">
-        <p14:creationId xmlns:p14="http://schemas.microsoft.com/office/powerpoint/2010/main" val="2120799849"/>
+        <p14:creationId xmlns:p14="http://schemas.microsoft.com/office/powerpoint/2010/main" val="1105604404"/>
       </p:ext>
     </p:extLst>
   </p:cSld>
@@ -4837,4 +6621,265 @@
     </a:ext>
   </a:extLst>
 </a:theme>
+</file>
+
+<file path=ppt/theme/theme2.xml><?xml version="1.0" encoding="utf-8"?>
+<a:theme xmlns:a="http://schemas.openxmlformats.org/drawingml/2006/main" name="Office Theme">
+  <a:themeElements>
+    <a:clrScheme name="Office">
+      <a:dk1>
+        <a:sysClr val="windowText" lastClr="000000"/>
+      </a:dk1>
+      <a:lt1>
+        <a:sysClr val="window" lastClr="FFFFFF"/>
+      </a:lt1>
+      <a:dk2>
+        <a:srgbClr val="44546A"/>
+      </a:dk2>
+      <a:lt2>
+        <a:srgbClr val="E7E6E6"/>
+      </a:lt2>
+      <a:accent1>
+        <a:srgbClr val="5B9BD5"/>
+      </a:accent1>
+      <a:accent2>
+        <a:srgbClr val="ED7D31"/>
+      </a:accent2>
+      <a:accent3>
+        <a:srgbClr val="A5A5A5"/>
+      </a:accent3>
+      <a:accent4>
+        <a:srgbClr val="FFC000"/>
+      </a:accent4>
+      <a:accent5>
+        <a:srgbClr val="4472C4"/>
+      </a:accent5>
+      <a:accent6>
+        <a:srgbClr val="70AD47"/>
+      </a:accent6>
+      <a:hlink>
+        <a:srgbClr val="0563C1"/>
+      </a:hlink>
+      <a:folHlink>
+        <a:srgbClr val="954F72"/>
+      </a:folHlink>
+    </a:clrScheme>
+    <a:fontScheme name="Office">
+      <a:majorFont>
+        <a:latin typeface="Calibri Light" panose="020F0302020204030204"/>
+        <a:ea typeface=""/>
+        <a:cs typeface=""/>
+        <a:font script="Jpan" typeface="游ゴシック Light"/>
+        <a:font script="Hang" typeface="맑은 고딕"/>
+        <a:font script="Hans" typeface="等线 Light"/>
+        <a:font script="Hant" typeface="新細明體"/>
+        <a:font script="Arab" typeface="Times New Roman"/>
+        <a:font script="Hebr" typeface="Times New Roman"/>
+        <a:font script="Thai" typeface="Angsana New"/>
+        <a:font script="Ethi" typeface="Nyala"/>
+        <a:font script="Beng" typeface="Vrinda"/>
+        <a:font script="Gujr" typeface="Shruti"/>
+        <a:font script="Khmr" typeface="MoolBoran"/>
+        <a:font script="Knda" typeface="Tunga"/>
+        <a:font script="Guru" typeface="Raavi"/>
+        <a:font script="Cans" typeface="Euphemia"/>
+        <a:font script="Cher" typeface="Plantagenet Cherokee"/>
+        <a:font script="Yiii" typeface="Microsoft Yi Baiti"/>
+        <a:font script="Tibt" typeface="Microsoft Himalaya"/>
+        <a:font script="Thaa" typeface="MV Boli"/>
+        <a:font script="Deva" typeface="Mangal"/>
+        <a:font script="Telu" typeface="Gautami"/>
+        <a:font script="Taml" typeface="Latha"/>
+        <a:font script="Syrc" typeface="Estrangelo Edessa"/>
+        <a:font script="Orya" typeface="Kalinga"/>
+        <a:font script="Mlym" typeface="Kartika"/>
+        <a:font script="Laoo" typeface="DokChampa"/>
+        <a:font script="Sinh" typeface="Iskoola Pota"/>
+        <a:font script="Mong" typeface="Mongolian Baiti"/>
+        <a:font script="Viet" typeface="Times New Roman"/>
+        <a:font script="Uigh" typeface="Microsoft Uighur"/>
+        <a:font script="Geor" typeface="Sylfaen"/>
+      </a:majorFont>
+      <a:minorFont>
+        <a:latin typeface="Calibri" panose="020F0502020204030204"/>
+        <a:ea typeface=""/>
+        <a:cs typeface=""/>
+        <a:font script="Jpan" typeface="游ゴシック"/>
+        <a:font script="Hang" typeface="맑은 고딕"/>
+        <a:font script="Hans" typeface="等线"/>
+        <a:font script="Hant" typeface="新細明體"/>
+        <a:font script="Arab" typeface="Arial"/>
+        <a:font script="Hebr" typeface="Arial"/>
+        <a:font script="Thai" typeface="Cordia New"/>
+        <a:font script="Ethi" typeface="Nyala"/>
+        <a:font script="Beng" typeface="Vrinda"/>
+        <a:font script="Gujr" typeface="Shruti"/>
+        <a:font script="Khmr" typeface="DaunPenh"/>
+        <a:font script="Knda" typeface="Tunga"/>
+        <a:font script="Guru" typeface="Raavi"/>
+        <a:font script="Cans" typeface="Euphemia"/>
+        <a:font script="Cher" typeface="Plantagenet Cherokee"/>
+        <a:font script="Yiii" typeface="Microsoft Yi Baiti"/>
+        <a:font script="Tibt" typeface="Microsoft Himalaya"/>
+        <a:font script="Thaa" typeface="MV Boli"/>
+        <a:font script="Deva" typeface="Mangal"/>
+        <a:font script="Telu" typeface="Gautami"/>
+        <a:font script="Taml" typeface="Latha"/>
+        <a:font script="Syrc" typeface="Estrangelo Edessa"/>
+        <a:font script="Orya" typeface="Kalinga"/>
+        <a:font script="Mlym" typeface="Kartika"/>
+        <a:font script="Laoo" typeface="DokChampa"/>
+        <a:font script="Sinh" typeface="Iskoola Pota"/>
+        <a:font script="Mong" typeface="Mongolian Baiti"/>
+        <a:font script="Viet" typeface="Arial"/>
+        <a:font script="Uigh" typeface="Microsoft Uighur"/>
+        <a:font script="Geor" typeface="Sylfaen"/>
+      </a:minorFont>
+    </a:fontScheme>
+    <a:fmtScheme name="Office">
+      <a:fillStyleLst>
+        <a:solidFill>
+          <a:schemeClr val="phClr"/>
+        </a:solidFill>
+        <a:gradFill rotWithShape="1">
+          <a:gsLst>
+            <a:gs pos="0">
+              <a:schemeClr val="phClr">
+                <a:lumMod val="110000"/>
+                <a:satMod val="105000"/>
+                <a:tint val="67000"/>
+              </a:schemeClr>
+            </a:gs>
+            <a:gs pos="50000">
+              <a:schemeClr val="phClr">
+                <a:lumMod val="105000"/>
+                <a:satMod val="103000"/>
+                <a:tint val="73000"/>
+              </a:schemeClr>
+            </a:gs>
+            <a:gs pos="100000">
+              <a:schemeClr val="phClr">
+                <a:lumMod val="105000"/>
+                <a:satMod val="109000"/>
+                <a:tint val="81000"/>
+              </a:schemeClr>
+            </a:gs>
+          </a:gsLst>
+          <a:lin ang="5400000" scaled="0"/>
+        </a:gradFill>
+        <a:gradFill rotWithShape="1">
+          <a:gsLst>
+            <a:gs pos="0">
+              <a:schemeClr val="phClr">
+                <a:satMod val="103000"/>
+                <a:lumMod val="102000"/>
+                <a:tint val="94000"/>
+              </a:schemeClr>
+            </a:gs>
+            <a:gs pos="50000">
+              <a:schemeClr val="phClr">
+                <a:satMod val="110000"/>
+                <a:lumMod val="100000"/>
+                <a:shade val="100000"/>
+              </a:schemeClr>
+            </a:gs>
+            <a:gs pos="100000">
+              <a:schemeClr val="phClr">
+                <a:lumMod val="99000"/>
+                <a:satMod val="120000"/>
+                <a:shade val="78000"/>
+              </a:schemeClr>
+            </a:gs>
+          </a:gsLst>
+          <a:lin ang="5400000" scaled="0"/>
+        </a:gradFill>
+      </a:fillStyleLst>
+      <a:lnStyleLst>
+        <a:ln w="6350" cap="flat" cmpd="sng" algn="ctr">
+          <a:solidFill>
+            <a:schemeClr val="phClr"/>
+          </a:solidFill>
+          <a:prstDash val="solid"/>
+          <a:miter lim="800000"/>
+        </a:ln>
+        <a:ln w="12700" cap="flat" cmpd="sng" algn="ctr">
+          <a:solidFill>
+            <a:schemeClr val="phClr"/>
+          </a:solidFill>
+          <a:prstDash val="solid"/>
+          <a:miter lim="800000"/>
+        </a:ln>
+        <a:ln w="19050" cap="flat" cmpd="sng" algn="ctr">
+          <a:solidFill>
+            <a:schemeClr val="phClr"/>
+          </a:solidFill>
+          <a:prstDash val="solid"/>
+          <a:miter lim="800000"/>
+        </a:ln>
+      </a:lnStyleLst>
+      <a:effectStyleLst>
+        <a:effectStyle>
+          <a:effectLst/>
+        </a:effectStyle>
+        <a:effectStyle>
+          <a:effectLst/>
+        </a:effectStyle>
+        <a:effectStyle>
+          <a:effectLst>
+            <a:outerShdw blurRad="57150" dist="19050" dir="5400000" algn="ctr" rotWithShape="0">
+              <a:srgbClr val="000000">
+                <a:alpha val="63000"/>
+              </a:srgbClr>
+            </a:outerShdw>
+          </a:effectLst>
+        </a:effectStyle>
+      </a:effectStyleLst>
+      <a:bgFillStyleLst>
+        <a:solidFill>
+          <a:schemeClr val="phClr"/>
+        </a:solidFill>
+        <a:solidFill>
+          <a:schemeClr val="phClr">
+            <a:tint val="95000"/>
+            <a:satMod val="170000"/>
+          </a:schemeClr>
+        </a:solidFill>
+        <a:gradFill rotWithShape="1">
+          <a:gsLst>
+            <a:gs pos="0">
+              <a:schemeClr val="phClr">
+                <a:tint val="93000"/>
+                <a:satMod val="150000"/>
+                <a:shade val="98000"/>
+                <a:lumMod val="102000"/>
+              </a:schemeClr>
+            </a:gs>
+            <a:gs pos="50000">
+              <a:schemeClr val="phClr">
+                <a:tint val="98000"/>
+                <a:satMod val="130000"/>
+                <a:shade val="90000"/>
+                <a:lumMod val="103000"/>
+              </a:schemeClr>
+            </a:gs>
+            <a:gs pos="100000">
+              <a:schemeClr val="phClr">
+                <a:shade val="63000"/>
+                <a:satMod val="120000"/>
+              </a:schemeClr>
+            </a:gs>
+          </a:gsLst>
+          <a:lin ang="5400000" scaled="0"/>
+        </a:gradFill>
+      </a:bgFillStyleLst>
+    </a:fmtScheme>
+  </a:themeElements>
+  <a:objectDefaults/>
+  <a:extraClrSchemeLst/>
+  <a:extLst>
+    <a:ext uri="{05A4C25C-085E-4340-85A3-A5531E510DB2}">
+      <thm15:themeFamily xmlns:thm15="http://schemas.microsoft.com/office/thememl/2012/main" name="Office Theme" id="{62F939B6-93AF-4DB8-9C6B-D6C7DFDC589F}" vid="{4A3C46E8-61CC-4603-A589-7422A47A8E4A}"/>
+    </a:ext>
+  </a:extLst>
+</a:theme>
 </file>
--- a/Presentation/panama_papers.pptx
+++ b/Presentation/panama_papers.pptx
@@ -5,15 +5,15 @@
     <p:sldMasterId id="2147483648" r:id="rId1"/>
   </p:sldMasterIdLst>
   <p:notesMasterIdLst>
-    <p:notesMasterId r:id="rId16"/>
+    <p:notesMasterId r:id="rId17"/>
   </p:notesMasterIdLst>
   <p:sldIdLst>
     <p:sldId id="256" r:id="rId2"/>
     <p:sldId id="259" r:id="rId3"/>
     <p:sldId id="272" r:id="rId4"/>
     <p:sldId id="273" r:id="rId5"/>
-    <p:sldId id="274" r:id="rId6"/>
-    <p:sldId id="271" r:id="rId7"/>
+    <p:sldId id="271" r:id="rId6"/>
+    <p:sldId id="274" r:id="rId7"/>
     <p:sldId id="276" r:id="rId8"/>
     <p:sldId id="279" r:id="rId9"/>
     <p:sldId id="277" r:id="rId10"/>
@@ -21,7 +21,8 @@
     <p:sldId id="280" r:id="rId12"/>
     <p:sldId id="281" r:id="rId13"/>
     <p:sldId id="282" r:id="rId14"/>
-    <p:sldId id="275" r:id="rId15"/>
+    <p:sldId id="283" r:id="rId15"/>
+    <p:sldId id="275" r:id="rId16"/>
   </p:sldIdLst>
   <p:sldSz cx="12192000" cy="6858000"/>
   <p:notesSz cx="6858000" cy="9144000"/>
@@ -129,8 +130,8 @@
             <p14:sldId id="259"/>
             <p14:sldId id="272"/>
             <p14:sldId id="273"/>
+            <p14:sldId id="271"/>
             <p14:sldId id="274"/>
-            <p14:sldId id="271"/>
           </p14:sldIdLst>
         </p14:section>
         <p14:section name="Analytics" id="{6757637C-E67C-461C-A0B2-AE2D22F0D8EE}">
@@ -146,6 +147,7 @@
             <p14:sldId id="280"/>
             <p14:sldId id="281"/>
             <p14:sldId id="282"/>
+            <p14:sldId id="283"/>
           </p14:sldIdLst>
         </p14:section>
         <p14:section name="Conclusion" id="{F6BD186B-C377-4171-A141-DD682AD1DB4C}">
@@ -244,7 +246,7 @@
           <a:p>
             <a:fld id="{8778E76A-2E41-48C4-ADA8-540A51582939}" type="datetimeFigureOut">
               <a:rPr lang="en-US" smtClean="0"/>
-              <a:t>1/5/2022</a:t>
+              <a:t>1/6/2022</a:t>
             </a:fld>
             <a:endParaRPr lang="en-US"/>
           </a:p>
@@ -596,6 +598,90 @@
 </p:notes>
 </file>
 
+<file path=ppt/notesSlides/notesSlide2.xml><?xml version="1.0" encoding="utf-8"?>
+<p:notes xmlns:a="http://schemas.openxmlformats.org/drawingml/2006/main" xmlns:r="http://schemas.openxmlformats.org/officeDocument/2006/relationships" xmlns:p="http://schemas.openxmlformats.org/presentationml/2006/main">
+  <p:cSld>
+    <p:spTree>
+      <p:nvGrpSpPr>
+        <p:cNvPr id="1" name=""/>
+        <p:cNvGrpSpPr/>
+        <p:nvPr/>
+      </p:nvGrpSpPr>
+      <p:grpSpPr>
+        <a:xfrm>
+          <a:off x="0" y="0"/>
+          <a:ext cx="0" cy="0"/>
+          <a:chOff x="0" y="0"/>
+          <a:chExt cx="0" cy="0"/>
+        </a:xfrm>
+      </p:grpSpPr>
+      <p:sp>
+        <p:nvSpPr>
+          <p:cNvPr id="2" name="Slide Image Placeholder 1"/>
+          <p:cNvSpPr>
+            <a:spLocks noGrp="1" noRot="1" noChangeAspect="1"/>
+          </p:cNvSpPr>
+          <p:nvPr>
+            <p:ph type="sldImg"/>
+          </p:nvPr>
+        </p:nvSpPr>
+        <p:spPr/>
+      </p:sp>
+      <p:sp>
+        <p:nvSpPr>
+          <p:cNvPr id="3" name="Notes Placeholder 2"/>
+          <p:cNvSpPr>
+            <a:spLocks noGrp="1"/>
+          </p:cNvSpPr>
+          <p:nvPr>
+            <p:ph type="body" idx="1"/>
+          </p:nvPr>
+        </p:nvSpPr>
+        <p:spPr/>
+        <p:txBody>
+          <a:bodyPr/>
+          <a:lstStyle/>
+          <a:p>
+            <a:endParaRPr lang="en-US" dirty="0"/>
+          </a:p>
+        </p:txBody>
+      </p:sp>
+      <p:sp>
+        <p:nvSpPr>
+          <p:cNvPr id="4" name="Slide Number Placeholder 3"/>
+          <p:cNvSpPr>
+            <a:spLocks noGrp="1"/>
+          </p:cNvSpPr>
+          <p:nvPr>
+            <p:ph type="sldNum" sz="quarter" idx="10"/>
+          </p:nvPr>
+        </p:nvSpPr>
+        <p:spPr/>
+        <p:txBody>
+          <a:bodyPr/>
+          <a:lstStyle/>
+          <a:p>
+            <a:fld id="{A8FEDC7E-8DBE-4295-A413-BC285D66FFBD}" type="slidenum">
+              <a:rPr lang="en-US" smtClean="0"/>
+              <a:t>5</a:t>
+            </a:fld>
+            <a:endParaRPr lang="en-US"/>
+          </a:p>
+        </p:txBody>
+      </p:sp>
+    </p:spTree>
+    <p:extLst>
+      <p:ext uri="{BB962C8B-B14F-4D97-AF65-F5344CB8AC3E}">
+        <p14:creationId xmlns:p14="http://schemas.microsoft.com/office/powerpoint/2010/main" val="2730469213"/>
+      </p:ext>
+    </p:extLst>
+  </p:cSld>
+  <p:clrMapOvr>
+    <a:masterClrMapping/>
+  </p:clrMapOvr>
+</p:notes>
+</file>
+
 <file path=ppt/slideLayouts/slideLayout1.xml><?xml version="1.0" encoding="utf-8"?>
 <p:sldLayout xmlns:a="http://schemas.openxmlformats.org/drawingml/2006/main" xmlns:r="http://schemas.openxmlformats.org/officeDocument/2006/relationships" xmlns:p="http://schemas.openxmlformats.org/presentationml/2006/main" type="title" preserve="1">
   <p:cSld name="Title Slide">
@@ -725,9 +811,9 @@
           <a:bodyPr/>
           <a:lstStyle/>
           <a:p>
-            <a:fld id="{64CE723C-865C-4977-A0F6-062291E3B727}" type="datetimeFigureOut">
-              <a:rPr lang="en-US" smtClean="0"/>
-              <a:t>1/5/2022</a:t>
+            <a:fld id="{D2CF060E-A893-43C9-BE5C-9FF2AA79A19B}" type="datetime1">
+              <a:rPr lang="en-US" smtClean="0"/>
+              <a:t>1/6/2022</a:t>
             </a:fld>
             <a:endParaRPr lang="en-US"/>
           </a:p>
@@ -895,9 +981,9 @@
           <a:bodyPr/>
           <a:lstStyle/>
           <a:p>
-            <a:fld id="{64CE723C-865C-4977-A0F6-062291E3B727}" type="datetimeFigureOut">
-              <a:rPr lang="en-US" smtClean="0"/>
-              <a:t>1/5/2022</a:t>
+            <a:fld id="{B1E29483-3E9B-4B29-ACA8-FA083903928E}" type="datetime1">
+              <a:rPr lang="en-US" smtClean="0"/>
+              <a:t>1/6/2022</a:t>
             </a:fld>
             <a:endParaRPr lang="en-US"/>
           </a:p>
@@ -1075,9 +1161,9 @@
           <a:bodyPr/>
           <a:lstStyle/>
           <a:p>
-            <a:fld id="{64CE723C-865C-4977-A0F6-062291E3B727}" type="datetimeFigureOut">
-              <a:rPr lang="en-US" smtClean="0"/>
-              <a:t>1/5/2022</a:t>
+            <a:fld id="{7BABA818-131C-45D9-BC76-0C2038FE40E3}" type="datetime1">
+              <a:rPr lang="en-US" smtClean="0"/>
+              <a:t>1/6/2022</a:t>
             </a:fld>
             <a:endParaRPr lang="en-US"/>
           </a:p>
@@ -1245,9 +1331,9 @@
           <a:bodyPr/>
           <a:lstStyle/>
           <a:p>
-            <a:fld id="{64CE723C-865C-4977-A0F6-062291E3B727}" type="datetimeFigureOut">
-              <a:rPr lang="en-US" smtClean="0"/>
-              <a:t>1/5/2022</a:t>
+            <a:fld id="{7A09EAC9-EA34-4ECF-8BD1-B900E1B4B552}" type="datetime1">
+              <a:rPr lang="en-US" smtClean="0"/>
+              <a:t>1/6/2022</a:t>
             </a:fld>
             <a:endParaRPr lang="en-US"/>
           </a:p>
@@ -1491,9 +1577,9 @@
           <a:bodyPr/>
           <a:lstStyle/>
           <a:p>
-            <a:fld id="{64CE723C-865C-4977-A0F6-062291E3B727}" type="datetimeFigureOut">
-              <a:rPr lang="en-US" smtClean="0"/>
-              <a:t>1/5/2022</a:t>
+            <a:fld id="{02F3E450-4CEF-408D-AE6C-9D2F3351EF17}" type="datetime1">
+              <a:rPr lang="en-US" smtClean="0"/>
+              <a:t>1/6/2022</a:t>
             </a:fld>
             <a:endParaRPr lang="en-US"/>
           </a:p>
@@ -1723,9 +1809,9 @@
           <a:bodyPr/>
           <a:lstStyle/>
           <a:p>
-            <a:fld id="{64CE723C-865C-4977-A0F6-062291E3B727}" type="datetimeFigureOut">
-              <a:rPr lang="en-US" smtClean="0"/>
-              <a:t>1/5/2022</a:t>
+            <a:fld id="{C1FA5CA3-0B7B-4FFF-8DE8-872F3898D1C2}" type="datetime1">
+              <a:rPr lang="en-US" smtClean="0"/>
+              <a:t>1/6/2022</a:t>
             </a:fld>
             <a:endParaRPr lang="en-US"/>
           </a:p>
@@ -2090,9 +2176,9 @@
           <a:bodyPr/>
           <a:lstStyle/>
           <a:p>
-            <a:fld id="{64CE723C-865C-4977-A0F6-062291E3B727}" type="datetimeFigureOut">
-              <a:rPr lang="en-US" smtClean="0"/>
-              <a:t>1/5/2022</a:t>
+            <a:fld id="{6959ADA4-000E-4AE9-A4CB-47166278C40B}" type="datetime1">
+              <a:rPr lang="en-US" smtClean="0"/>
+              <a:t>1/6/2022</a:t>
             </a:fld>
             <a:endParaRPr lang="en-US"/>
           </a:p>
@@ -2208,9 +2294,9 @@
           <a:bodyPr/>
           <a:lstStyle/>
           <a:p>
-            <a:fld id="{64CE723C-865C-4977-A0F6-062291E3B727}" type="datetimeFigureOut">
-              <a:rPr lang="en-US" smtClean="0"/>
-              <a:t>1/5/2022</a:t>
+            <a:fld id="{46D26D03-A6FB-46A0-8BB8-513B2255CDB6}" type="datetime1">
+              <a:rPr lang="en-US" smtClean="0"/>
+              <a:t>1/6/2022</a:t>
             </a:fld>
             <a:endParaRPr lang="en-US"/>
           </a:p>
@@ -2303,9 +2389,9 @@
           <a:bodyPr/>
           <a:lstStyle/>
           <a:p>
-            <a:fld id="{64CE723C-865C-4977-A0F6-062291E3B727}" type="datetimeFigureOut">
-              <a:rPr lang="en-US" smtClean="0"/>
-              <a:t>1/5/2022</a:t>
+            <a:fld id="{3BC04FBE-06D0-45A8-9E35-AFC4FD743620}" type="datetime1">
+              <a:rPr lang="en-US" smtClean="0"/>
+              <a:t>1/6/2022</a:t>
             </a:fld>
             <a:endParaRPr lang="en-US"/>
           </a:p>
@@ -2580,9 +2666,9 @@
           <a:bodyPr/>
           <a:lstStyle/>
           <a:p>
-            <a:fld id="{64CE723C-865C-4977-A0F6-062291E3B727}" type="datetimeFigureOut">
-              <a:rPr lang="en-US" smtClean="0"/>
-              <a:t>1/5/2022</a:t>
+            <a:fld id="{CD3137E5-727E-4B92-9304-CA2C5230A1BE}" type="datetime1">
+              <a:rPr lang="en-US" smtClean="0"/>
+              <a:t>1/6/2022</a:t>
             </a:fld>
             <a:endParaRPr lang="en-US"/>
           </a:p>
@@ -2833,9 +2919,9 @@
           <a:bodyPr/>
           <a:lstStyle/>
           <a:p>
-            <a:fld id="{64CE723C-865C-4977-A0F6-062291E3B727}" type="datetimeFigureOut">
-              <a:rPr lang="en-US" smtClean="0"/>
-              <a:t>1/5/2022</a:t>
+            <a:fld id="{9A4CF0A5-E681-44A0-9909-3DFBE1F90B76}" type="datetime1">
+              <a:rPr lang="en-US" smtClean="0"/>
+              <a:t>1/6/2022</a:t>
             </a:fld>
             <a:endParaRPr lang="en-US"/>
           </a:p>
@@ -3046,9 +3132,9 @@
             </a:lvl1pPr>
           </a:lstStyle>
           <a:p>
-            <a:fld id="{64CE723C-865C-4977-A0F6-062291E3B727}" type="datetimeFigureOut">
-              <a:rPr lang="en-US" smtClean="0"/>
-              <a:t>1/5/2022</a:t>
+            <a:fld id="{C0F1FB6B-68F3-4326-81FF-41B68418E3C6}" type="datetime1">
+              <a:rPr lang="en-US" smtClean="0"/>
+              <a:t>1/6/2022</a:t>
             </a:fld>
             <a:endParaRPr lang="en-US"/>
           </a:p>
@@ -3153,6 +3239,7 @@
     <p:sldLayoutId id="2147483658" r:id="rId10"/>
     <p:sldLayoutId id="2147483659" r:id="rId11"/>
   </p:sldLayoutIdLst>
+  <p:hf hdr="0" ftr="0" dt="0"/>
   <p:txStyles>
     <p:titleStyle>
       <a:lvl1pPr algn="l" defTabSz="914400" rtl="0" eaLnBrk="1" latinLnBrk="0" hangingPunct="1">
@@ -3475,8 +3562,8 @@
         </p:blipFill>
         <p:spPr>
           <a:xfrm>
-            <a:off x="4844527" y="2286554"/>
-            <a:ext cx="2211075" cy="2211075"/>
+            <a:off x="4812389" y="2256809"/>
+            <a:ext cx="2272395" cy="2272395"/>
           </a:xfrm>
           <a:prstGeom prst="rect">
             <a:avLst/>
@@ -3555,8 +3642,8 @@
         </p:nvSpPr>
         <p:spPr>
           <a:xfrm>
-            <a:off x="1519581" y="4557323"/>
-            <a:ext cx="8860971" cy="918982"/>
+            <a:off x="1518102" y="4630300"/>
+            <a:ext cx="8860971" cy="347881"/>
           </a:xfrm>
         </p:spPr>
         <p:txBody>
@@ -3564,37 +3651,6 @@
             <a:noAutofit/>
           </a:bodyPr>
           <a:lstStyle/>
-          <a:p>
-            <a:r>
-              <a:rPr lang="en-US" sz="1600" dirty="0">
-                <a:latin typeface="+mj-lt"/>
-                <a:ea typeface="+mj-ea"/>
-                <a:cs typeface="+mj-cs"/>
-              </a:rPr>
-              <a:t>Manos </a:t>
-            </a:r>
-            <a:r>
-              <a:rPr lang="en-US" sz="1600" dirty="0" smtClean="0">
-                <a:latin typeface="+mj-lt"/>
-                <a:ea typeface="+mj-ea"/>
-                <a:cs typeface="+mj-cs"/>
-              </a:rPr>
-              <a:t>Chatzakis and Eva </a:t>
-            </a:r>
-            <a:r>
-              <a:rPr lang="en-US" sz="1600" dirty="0" err="1">
-                <a:latin typeface="+mj-lt"/>
-                <a:ea typeface="+mj-ea"/>
-                <a:cs typeface="+mj-cs"/>
-              </a:rPr>
-              <a:t>Chamilaki</a:t>
-            </a:r>
-            <a:endParaRPr lang="en-US" sz="1600" dirty="0">
-              <a:latin typeface="+mj-lt"/>
-              <a:ea typeface="+mj-ea"/>
-              <a:cs typeface="+mj-cs"/>
-            </a:endParaRPr>
-          </a:p>
           <a:p>
             <a:r>
               <a:rPr lang="en-US" sz="1600" b="1" dirty="0">
@@ -3602,13 +3658,32 @@
                 <a:ea typeface="+mj-ea"/>
                 <a:cs typeface="+mj-cs"/>
               </a:rPr>
-              <a:t>Complex Networks Dynamics</a:t>
-            </a:r>
-            <a:endParaRPr lang="en-US" sz="1600" b="1" dirty="0">
-              <a:latin typeface="+mj-lt"/>
-              <a:ea typeface="+mj-ea"/>
-              <a:cs typeface="+mj-cs"/>
-            </a:endParaRPr>
+              <a:t>c</a:t>
+            </a:r>
+            <a:r>
+              <a:rPr lang="en-US" sz="1600" b="1" dirty="0" smtClean="0">
+                <a:latin typeface="+mj-lt"/>
+                <a:ea typeface="+mj-ea"/>
+                <a:cs typeface="+mj-cs"/>
+              </a:rPr>
+              <a:t>s484 - </a:t>
+            </a:r>
+            <a:r>
+              <a:rPr lang="en-US" sz="1600" b="1" dirty="0" smtClean="0">
+                <a:latin typeface="+mj-lt"/>
+                <a:ea typeface="+mj-ea"/>
+                <a:cs typeface="+mj-cs"/>
+              </a:rPr>
+              <a:t>Complex </a:t>
+            </a:r>
+            <a:r>
+              <a:rPr lang="en-US" sz="1600" b="1" dirty="0">
+                <a:latin typeface="+mj-lt"/>
+                <a:ea typeface="+mj-ea"/>
+                <a:cs typeface="+mj-cs"/>
+              </a:rPr>
+              <a:t>Networks Dynamics</a:t>
+            </a:r>
           </a:p>
         </p:txBody>
       </p:sp>
@@ -3634,8 +3709,8 @@
         </p:blipFill>
         <p:spPr>
           <a:xfrm>
-            <a:off x="485420" y="342327"/>
-            <a:ext cx="1581118" cy="1579779"/>
+            <a:off x="428269" y="390033"/>
+            <a:ext cx="1714855" cy="1713403"/>
           </a:xfrm>
           <a:prstGeom prst="rect">
             <a:avLst/>
@@ -3726,6 +3801,204 @@
           </a:prstGeom>
         </p:spPr>
       </p:pic>
+      <p:sp>
+        <p:nvSpPr>
+          <p:cNvPr id="5" name="TextBox 4"/>
+          <p:cNvSpPr txBox="1"/>
+          <p:nvPr/>
+        </p:nvSpPr>
+        <p:spPr>
+          <a:xfrm>
+            <a:off x="653813" y="5398754"/>
+            <a:ext cx="1917938" cy="1015663"/>
+          </a:xfrm>
+          <a:prstGeom prst="rect">
+            <a:avLst/>
+          </a:prstGeom>
+          <a:noFill/>
+        </p:spPr>
+        <p:txBody>
+          <a:bodyPr wrap="square" rtlCol="0">
+            <a:spAutoFit/>
+          </a:bodyPr>
+          <a:lstStyle/>
+          <a:p>
+            <a:r>
+              <a:rPr lang="en-US" sz="1200" i="1" dirty="0" smtClean="0">
+                <a:latin typeface="+mj-lt"/>
+                <a:ea typeface="+mj-ea"/>
+                <a:cs typeface="+mj-cs"/>
+              </a:rPr>
+              <a:t>Authors</a:t>
+            </a:r>
+            <a:endParaRPr lang="en-US" sz="1200" i="1" dirty="0">
+              <a:latin typeface="+mj-lt"/>
+              <a:ea typeface="+mj-ea"/>
+              <a:cs typeface="+mj-cs"/>
+            </a:endParaRPr>
+          </a:p>
+          <a:p>
+            <a:r>
+              <a:rPr lang="en-US" sz="1200" b="1" dirty="0">
+                <a:latin typeface="+mj-lt"/>
+                <a:ea typeface="+mj-ea"/>
+                <a:cs typeface="+mj-cs"/>
+              </a:rPr>
+              <a:t>Manos </a:t>
+            </a:r>
+            <a:r>
+              <a:rPr lang="en-US" sz="1200" b="1" dirty="0" smtClean="0">
+                <a:latin typeface="+mj-lt"/>
+                <a:ea typeface="+mj-ea"/>
+                <a:cs typeface="+mj-cs"/>
+              </a:rPr>
+              <a:t>Chatzakis </a:t>
+            </a:r>
+          </a:p>
+          <a:p>
+            <a:r>
+              <a:rPr lang="en-US" sz="1200" dirty="0" smtClean="0">
+                <a:latin typeface="+mj-lt"/>
+                <a:ea typeface="+mj-ea"/>
+                <a:cs typeface="+mj-cs"/>
+              </a:rPr>
+              <a:t>(chatzakis@ics.forth.gr)</a:t>
+            </a:r>
+            <a:endParaRPr lang="en-US" sz="1200" dirty="0">
+              <a:latin typeface="+mj-lt"/>
+              <a:ea typeface="+mj-ea"/>
+              <a:cs typeface="+mj-cs"/>
+            </a:endParaRPr>
+          </a:p>
+          <a:p>
+            <a:r>
+              <a:rPr lang="en-US" sz="1200" b="1" dirty="0">
+                <a:latin typeface="+mj-lt"/>
+                <a:ea typeface="+mj-ea"/>
+                <a:cs typeface="+mj-cs"/>
+              </a:rPr>
+              <a:t>Eva </a:t>
+            </a:r>
+            <a:r>
+              <a:rPr lang="en-US" sz="1200" b="1" dirty="0" smtClean="0">
+                <a:latin typeface="+mj-lt"/>
+                <a:ea typeface="+mj-ea"/>
+                <a:cs typeface="+mj-cs"/>
+              </a:rPr>
+              <a:t>Chamilaki</a:t>
+            </a:r>
+          </a:p>
+          <a:p>
+            <a:r>
+              <a:rPr lang="en-US" sz="1200" dirty="0" smtClean="0">
+                <a:latin typeface="+mj-lt"/>
+                <a:ea typeface="+mj-ea"/>
+                <a:cs typeface="+mj-cs"/>
+              </a:rPr>
+              <a:t>(evacham7@gmail.com)</a:t>
+            </a:r>
+            <a:endParaRPr lang="en-US" sz="1200" dirty="0">
+              <a:latin typeface="+mj-lt"/>
+              <a:ea typeface="+mj-ea"/>
+              <a:cs typeface="+mj-cs"/>
+            </a:endParaRPr>
+          </a:p>
+        </p:txBody>
+      </p:sp>
+      <p:sp>
+        <p:nvSpPr>
+          <p:cNvPr id="10" name="TextBox 9"/>
+          <p:cNvSpPr txBox="1"/>
+          <p:nvPr/>
+        </p:nvSpPr>
+        <p:spPr>
+          <a:xfrm>
+            <a:off x="9778484" y="5745252"/>
+            <a:ext cx="1704292" cy="461665"/>
+          </a:xfrm>
+          <a:prstGeom prst="rect">
+            <a:avLst/>
+          </a:prstGeom>
+          <a:noFill/>
+        </p:spPr>
+        <p:txBody>
+          <a:bodyPr wrap="square" rtlCol="0">
+            <a:spAutoFit/>
+          </a:bodyPr>
+          <a:lstStyle/>
+          <a:p>
+            <a:pPr algn="r"/>
+            <a:r>
+              <a:rPr lang="en-US" sz="1200" i="1" dirty="0">
+                <a:latin typeface="+mj-lt"/>
+                <a:ea typeface="+mj-ea"/>
+                <a:cs typeface="+mj-cs"/>
+              </a:rPr>
+              <a:t>Course </a:t>
+            </a:r>
+            <a:r>
+              <a:rPr lang="en-US" sz="1200" i="1" dirty="0" smtClean="0">
+                <a:latin typeface="+mj-lt"/>
+                <a:ea typeface="+mj-ea"/>
+                <a:cs typeface="+mj-cs"/>
+              </a:rPr>
+              <a:t>Instructor</a:t>
+            </a:r>
+            <a:endParaRPr lang="en-US" sz="1200" i="1" dirty="0">
+              <a:latin typeface="+mj-lt"/>
+              <a:ea typeface="+mj-ea"/>
+              <a:cs typeface="+mj-cs"/>
+            </a:endParaRPr>
+          </a:p>
+          <a:p>
+            <a:pPr algn="r"/>
+            <a:r>
+              <a:rPr lang="en-US" sz="1200" i="1" dirty="0">
+                <a:latin typeface="+mj-lt"/>
+                <a:ea typeface="+mj-ea"/>
+                <a:cs typeface="+mj-cs"/>
+              </a:rPr>
+              <a:t>I.G. </a:t>
+            </a:r>
+            <a:r>
+              <a:rPr lang="en-US" sz="1200" i="1" dirty="0">
+                <a:latin typeface="+mj-lt"/>
+                <a:ea typeface="+mj-ea"/>
+                <a:cs typeface="+mj-cs"/>
+              </a:rPr>
+              <a:t>Tollis</a:t>
+            </a:r>
+            <a:endParaRPr lang="en-US" sz="1200" i="1" dirty="0">
+              <a:latin typeface="+mj-lt"/>
+              <a:ea typeface="+mj-ea"/>
+              <a:cs typeface="+mj-cs"/>
+            </a:endParaRPr>
+          </a:p>
+        </p:txBody>
+      </p:sp>
+      <p:sp>
+        <p:nvSpPr>
+          <p:cNvPr id="6" name="Slide Number Placeholder 5"/>
+          <p:cNvSpPr>
+            <a:spLocks noGrp="1"/>
+          </p:cNvSpPr>
+          <p:nvPr>
+            <p:ph type="sldNum" sz="quarter" idx="12"/>
+          </p:nvPr>
+        </p:nvSpPr>
+        <p:spPr/>
+        <p:txBody>
+          <a:bodyPr/>
+          <a:lstStyle/>
+          <a:p>
+            <a:fld id="{8CEDE46D-73D4-420B-A66A-9E3B2783BD10}" type="slidenum">
+              <a:rPr lang="en-US" smtClean="0"/>
+              <a:t>1</a:t>
+            </a:fld>
+            <a:endParaRPr lang="en-US" dirty="0"/>
+          </a:p>
+        </p:txBody>
+      </p:sp>
     </p:spTree>
     <p:extLst>
       <p:ext uri="{BB962C8B-B14F-4D97-AF65-F5344CB8AC3E}">
@@ -3780,7 +4053,11 @@
           <a:p>
             <a:r>
               <a:rPr lang="en-US" dirty="0" smtClean="0"/>
-              <a:t>Graph Embeddings </a:t>
+              <a:t>Graph </a:t>
+            </a:r>
+            <a:r>
+              <a:rPr lang="en-US" dirty="0" smtClean="0"/>
+              <a:t>Embeddings (General) </a:t>
             </a:r>
             <a:endParaRPr lang="en-US" dirty="0"/>
           </a:p>
@@ -3796,51 +4073,209 @@
             <p:ph idx="1"/>
           </p:nvPr>
         </p:nvSpPr>
+        <p:spPr>
+          <a:xfrm>
+            <a:off x="838200" y="1530035"/>
+            <a:ext cx="6404572" cy="4674088"/>
+          </a:xfrm>
+        </p:spPr>
+        <p:txBody>
+          <a:bodyPr>
+            <a:noAutofit/>
+          </a:bodyPr>
+          <a:lstStyle/>
+          <a:p>
+            <a:pPr algn="just"/>
+            <a:r>
+              <a:rPr lang="en-US" sz="1800" dirty="0" smtClean="0"/>
+              <a:t>Embeddings are vector representations of </a:t>
+            </a:r>
+            <a:r>
+              <a:rPr lang="en-US" sz="1800" dirty="0" smtClean="0"/>
+              <a:t>words</a:t>
+            </a:r>
+            <a:r>
+              <a:rPr lang="el-GR" sz="1800" dirty="0" smtClean="0"/>
+              <a:t>.</a:t>
+            </a:r>
+            <a:endParaRPr lang="en-US" sz="1800" dirty="0" smtClean="0"/>
+          </a:p>
+          <a:p>
+            <a:pPr algn="just"/>
+            <a:r>
+              <a:rPr lang="en-US" sz="1800" dirty="0" smtClean="0"/>
+              <a:t>There are many </a:t>
+            </a:r>
+            <a:r>
+              <a:rPr lang="en-US" sz="1800" dirty="0" smtClean="0"/>
+              <a:t>libraries </a:t>
+            </a:r>
+            <a:r>
+              <a:rPr lang="en-US" sz="1800" dirty="0" smtClean="0"/>
+              <a:t>for embedding creation, which exploit pre-trained neural networks. For our work we used word2vec.</a:t>
+            </a:r>
+            <a:r>
+              <a:rPr lang="en-US" sz="1800" dirty="0"/>
+              <a:t> </a:t>
+            </a:r>
+            <a:r>
+              <a:rPr lang="en-US" sz="1800" dirty="0" smtClean="0"/>
+              <a:t>These libraries try to group the words based on their semantic meaning. This means that based on the input, </a:t>
+            </a:r>
+            <a:r>
+              <a:rPr lang="en-US" sz="1800" b="1" dirty="0" smtClean="0"/>
+              <a:t>words that have similar meaning will also have closer vectors</a:t>
+            </a:r>
+            <a:r>
+              <a:rPr lang="en-US" sz="1800" dirty="0" smtClean="0"/>
+              <a:t>.</a:t>
+            </a:r>
+          </a:p>
+          <a:p>
+            <a:pPr algn="just"/>
+            <a:r>
+              <a:rPr lang="en-US" sz="1800" dirty="0" smtClean="0"/>
+              <a:t>The idea is to transform the graph into </a:t>
+            </a:r>
+            <a:r>
+              <a:rPr lang="en-US" sz="1800" dirty="0" smtClean="0"/>
+              <a:t>text </a:t>
+            </a:r>
+            <a:r>
+              <a:rPr lang="en-US" sz="1800" dirty="0" smtClean="0"/>
+              <a:t>corpus</a:t>
+            </a:r>
+            <a:r>
+              <a:rPr lang="en-US" sz="1800" dirty="0" smtClean="0"/>
+              <a:t>, by representing it as triples of the form (“node” “link“ “node”). This will results in a vector for each node, and </a:t>
+            </a:r>
+            <a:r>
+              <a:rPr lang="en-US" sz="1800" b="1" dirty="0" smtClean="0"/>
+              <a:t>nodes that share many same information will have closer vectors too</a:t>
+            </a:r>
+            <a:r>
+              <a:rPr lang="en-US" sz="1800" dirty="0" smtClean="0"/>
+              <a:t> (but these two nodes are not necessarily directly connected</a:t>
+            </a:r>
+            <a:r>
+              <a:rPr lang="en-US" sz="1800" dirty="0" smtClean="0"/>
+              <a:t>).</a:t>
+            </a:r>
+          </a:p>
+          <a:p>
+            <a:pPr lvl="1" algn="just"/>
+            <a:r>
+              <a:rPr lang="en-US" sz="1800" dirty="0" smtClean="0"/>
+              <a:t>For example, two offshores that have many things in common, </a:t>
+            </a:r>
+            <a:r>
+              <a:rPr lang="en-US" sz="1800" dirty="0" err="1" smtClean="0"/>
+              <a:t>eg</a:t>
+            </a:r>
+            <a:r>
+              <a:rPr lang="en-US" sz="1800" dirty="0" smtClean="0"/>
+              <a:t>. People, intermediaries etc. will have closer vectors.</a:t>
+            </a:r>
+            <a:endParaRPr lang="en-US" sz="1800" dirty="0" smtClean="0"/>
+          </a:p>
+          <a:p>
+            <a:pPr algn="just"/>
+            <a:r>
+              <a:rPr lang="en-US" sz="1800" dirty="0" smtClean="0"/>
+              <a:t>This way, we can make operations like similarity search i.e. “give me the first top-K” similar nodes of the node </a:t>
+            </a:r>
+            <a:r>
+              <a:rPr lang="en-US" sz="1800" dirty="0"/>
+              <a:t>N</a:t>
+            </a:r>
+            <a:r>
+              <a:rPr lang="en-US" sz="1800" dirty="0" smtClean="0"/>
+              <a:t>. </a:t>
+            </a:r>
+            <a:endParaRPr lang="en-US" sz="1800" dirty="0" smtClean="0"/>
+          </a:p>
+        </p:txBody>
+      </p:sp>
+      <p:pic>
+        <p:nvPicPr>
+          <p:cNvPr id="4" name="Picture 3"/>
+          <p:cNvPicPr>
+            <a:picLocks noChangeAspect="1"/>
+          </p:cNvPicPr>
+          <p:nvPr/>
+        </p:nvPicPr>
+        <p:blipFill>
+          <a:blip r:embed="rId2" cstate="print">
+            <a:extLst>
+              <a:ext uri="{28A0092B-C50C-407E-A947-70E740481C1C}">
+                <a14:useLocalDpi xmlns:a14="http://schemas.microsoft.com/office/drawing/2010/main" val="0"/>
+              </a:ext>
+            </a:extLst>
+          </a:blip>
+          <a:stretch>
+            <a:fillRect/>
+          </a:stretch>
+        </p:blipFill>
+        <p:spPr>
+          <a:xfrm>
+            <a:off x="7505568" y="3731277"/>
+            <a:ext cx="4221612" cy="2225393"/>
+          </a:xfrm>
+          <a:prstGeom prst="rect">
+            <a:avLst/>
+          </a:prstGeom>
+        </p:spPr>
+      </p:pic>
+      <p:pic>
+        <p:nvPicPr>
+          <p:cNvPr id="5" name="Picture 4"/>
+          <p:cNvPicPr>
+            <a:picLocks noChangeAspect="1"/>
+          </p:cNvPicPr>
+          <p:nvPr/>
+        </p:nvPicPr>
+        <p:blipFill>
+          <a:blip r:embed="rId3">
+            <a:extLst>
+              <a:ext uri="{28A0092B-C50C-407E-A947-70E740481C1C}">
+                <a14:useLocalDpi xmlns:a14="http://schemas.microsoft.com/office/drawing/2010/main" val="0"/>
+              </a:ext>
+            </a:extLst>
+          </a:blip>
+          <a:stretch>
+            <a:fillRect/>
+          </a:stretch>
+        </p:blipFill>
+        <p:spPr>
+          <a:xfrm>
+            <a:off x="7505568" y="1690688"/>
+            <a:ext cx="4372579" cy="1663902"/>
+          </a:xfrm>
+          <a:prstGeom prst="rect">
+            <a:avLst/>
+          </a:prstGeom>
+        </p:spPr>
+      </p:pic>
+      <p:sp>
+        <p:nvSpPr>
+          <p:cNvPr id="6" name="Slide Number Placeholder 5"/>
+          <p:cNvSpPr>
+            <a:spLocks noGrp="1"/>
+          </p:cNvSpPr>
+          <p:nvPr>
+            <p:ph type="sldNum" sz="quarter" idx="12"/>
+          </p:nvPr>
+        </p:nvSpPr>
         <p:spPr/>
         <p:txBody>
-          <a:bodyPr>
-            <a:normAutofit fontScale="92500" lnSpcReduction="20000"/>
-          </a:bodyPr>
-          <a:lstStyle/>
-          <a:p>
-            <a:pPr algn="just"/>
-            <a:r>
-              <a:rPr lang="en-US" dirty="0" smtClean="0"/>
-              <a:t>Embeddings are vecto</a:t>
-            </a:r>
-            <a:r>
-              <a:rPr lang="en-US" dirty="0" smtClean="0"/>
-              <a:t>r representations of words, belonging in multidimensional spaces.</a:t>
-            </a:r>
-          </a:p>
-          <a:p>
-            <a:pPr algn="just"/>
-            <a:r>
-              <a:rPr lang="en-US" dirty="0" smtClean="0"/>
-              <a:t>There are many NLP libraries for embedding creation, which exploit pre-trained neural networks. For our work we used word2vec.</a:t>
-            </a:r>
-            <a:r>
-              <a:rPr lang="en-US" dirty="0"/>
-              <a:t> </a:t>
-            </a:r>
-            <a:r>
-              <a:rPr lang="en-US" dirty="0" smtClean="0"/>
-              <a:t>These libraries try to group the words based on their semantic meaning. This means that based on the input, words that have similar meaning will also have closer vectors.</a:t>
-            </a:r>
-          </a:p>
-          <a:p>
-            <a:pPr algn="just"/>
-            <a:r>
-              <a:rPr lang="en-US" dirty="0" smtClean="0"/>
-              <a:t>The idea is to transform the graph into corpus, by representing it as triples of the form (“node” “link“ “node”). This will results in a vector for each node, and nodes that share many same information will have closer vectors too (but these two nodes are not necessarily directly connected).</a:t>
-            </a:r>
-          </a:p>
-          <a:p>
-            <a:pPr algn="just"/>
-            <a:r>
-              <a:rPr lang="en-US" dirty="0" smtClean="0"/>
-              <a:t>This way, we can make operations like similarity search i.e. “give me the first top-K” similar nodes of the node x.</a:t>
-            </a:r>
+          <a:bodyPr/>
+          <a:lstStyle/>
+          <a:p>
+            <a:fld id="{8CEDE46D-73D4-420B-A66A-9E3B2783BD10}" type="slidenum">
+              <a:rPr lang="en-US" smtClean="0"/>
+              <a:t>10</a:t>
+            </a:fld>
+            <a:endParaRPr lang="en-US"/>
           </a:p>
         </p:txBody>
       </p:sp>
@@ -3881,6 +4316,95 @@
           <a:chExt cx="0" cy="0"/>
         </a:xfrm>
       </p:grpSpPr>
+      <p:pic>
+        <p:nvPicPr>
+          <p:cNvPr id="58" name="Picture 57"/>
+          <p:cNvPicPr>
+            <a:picLocks noChangeAspect="1"/>
+          </p:cNvPicPr>
+          <p:nvPr/>
+        </p:nvPicPr>
+        <p:blipFill>
+          <a:blip r:embed="rId2" cstate="print">
+            <a:extLst>
+              <a:ext uri="{28A0092B-C50C-407E-A947-70E740481C1C}">
+                <a14:useLocalDpi xmlns:a14="http://schemas.microsoft.com/office/drawing/2010/main" val="0"/>
+              </a:ext>
+            </a:extLst>
+          </a:blip>
+          <a:stretch>
+            <a:fillRect/>
+          </a:stretch>
+        </p:blipFill>
+        <p:spPr>
+          <a:xfrm>
+            <a:off x="9867900" y="4842403"/>
+            <a:ext cx="2197405" cy="1659418"/>
+          </a:xfrm>
+          <a:prstGeom prst="rect">
+            <a:avLst/>
+          </a:prstGeom>
+        </p:spPr>
+      </p:pic>
+      <p:pic>
+        <p:nvPicPr>
+          <p:cNvPr id="44" name="Picture 43"/>
+          <p:cNvPicPr>
+            <a:picLocks noChangeAspect="1"/>
+          </p:cNvPicPr>
+          <p:nvPr/>
+        </p:nvPicPr>
+        <p:blipFill>
+          <a:blip r:embed="rId3"/>
+          <a:stretch>
+            <a:fillRect/>
+          </a:stretch>
+        </p:blipFill>
+        <p:spPr>
+          <a:xfrm>
+            <a:off x="6933095" y="2648056"/>
+            <a:ext cx="2310117" cy="1042581"/>
+          </a:xfrm>
+          <a:prstGeom prst="rect">
+            <a:avLst/>
+          </a:prstGeom>
+          <a:ln>
+            <a:solidFill>
+              <a:schemeClr val="tx1"/>
+            </a:solidFill>
+          </a:ln>
+        </p:spPr>
+      </p:pic>
+      <p:pic>
+        <p:nvPicPr>
+          <p:cNvPr id="17" name="Picture 16"/>
+          <p:cNvPicPr>
+            <a:picLocks noChangeAspect="1"/>
+          </p:cNvPicPr>
+          <p:nvPr/>
+        </p:nvPicPr>
+        <p:blipFill>
+          <a:blip r:embed="rId4" cstate="print">
+            <a:extLst>
+              <a:ext uri="{28A0092B-C50C-407E-A947-70E740481C1C}">
+                <a14:useLocalDpi xmlns:a14="http://schemas.microsoft.com/office/drawing/2010/main" val="0"/>
+              </a:ext>
+            </a:extLst>
+          </a:blip>
+          <a:stretch>
+            <a:fillRect/>
+          </a:stretch>
+        </p:blipFill>
+        <p:spPr>
+          <a:xfrm>
+            <a:off x="10379297" y="1495232"/>
+            <a:ext cx="1542483" cy="1299122"/>
+          </a:xfrm>
+          <a:prstGeom prst="rect">
+            <a:avLst/>
+          </a:prstGeom>
+        </p:spPr>
+      </p:pic>
       <p:sp>
         <p:nvSpPr>
           <p:cNvPr id="2" name="Title 1"/>
@@ -3898,8 +4422,13 @@
           <a:p>
             <a:r>
               <a:rPr lang="en-US" dirty="0"/>
-              <a:t>Graph Embeddings </a:t>
-            </a:r>
+              <a:t>Graph </a:t>
+            </a:r>
+            <a:r>
+              <a:rPr lang="en-US" dirty="0" smtClean="0"/>
+              <a:t>Embeddings (RDFsim with FD) </a:t>
+            </a:r>
+            <a:endParaRPr lang="en-US" dirty="0"/>
           </a:p>
         </p:txBody>
       </p:sp>
@@ -3913,22 +4442,62 @@
             <p:ph idx="1"/>
           </p:nvPr>
         </p:nvSpPr>
-        <p:spPr/>
-        <p:txBody>
-          <a:bodyPr/>
+        <p:spPr>
+          <a:xfrm>
+            <a:off x="838198" y="1825625"/>
+            <a:ext cx="4747789" cy="4351338"/>
+          </a:xfrm>
+        </p:spPr>
+        <p:txBody>
+          <a:bodyPr>
+            <a:normAutofit fontScale="70000" lnSpcReduction="20000"/>
+          </a:bodyPr>
           <a:lstStyle/>
           <a:p>
             <a:pPr algn="just"/>
             <a:r>
               <a:rPr lang="en-US" dirty="0" smtClean="0"/>
-              <a:t>By calculating all the similar nodes of every node, we can create a graph database of node embeddings, and create similarity networks of the nodes by exploiting some open source tools, like RDFsim.</a:t>
-            </a:r>
+              <a:t>By calculating all the similar nodes of every node, we can create a </a:t>
+            </a:r>
+            <a:r>
+              <a:rPr lang="en-US" b="1" dirty="0" smtClean="0"/>
+              <a:t>graph database of node embeddings</a:t>
+            </a:r>
+            <a:r>
+              <a:rPr lang="en-US" dirty="0" smtClean="0"/>
+              <a:t>, and </a:t>
+            </a:r>
+            <a:r>
+              <a:rPr lang="en-US" b="1" dirty="0" smtClean="0"/>
+              <a:t>create similarity networks of the nodes</a:t>
+            </a:r>
+            <a:r>
+              <a:rPr lang="en-US" dirty="0" smtClean="0"/>
+              <a:t> by exploiting some open source tools, like </a:t>
+            </a:r>
+            <a:r>
+              <a:rPr lang="en-US" b="1" dirty="0" smtClean="0"/>
+              <a:t>RDFsim</a:t>
+            </a:r>
+            <a:r>
+              <a:rPr lang="en-US" dirty="0" smtClean="0"/>
+              <a:t>.</a:t>
+            </a:r>
+            <a:endParaRPr lang="en-US" dirty="0" smtClean="0"/>
           </a:p>
           <a:p>
             <a:pPr algn="just"/>
             <a:r>
               <a:rPr lang="en-US" dirty="0" smtClean="0"/>
-              <a:t>RDFsim is a search engine which is able to use embedding datasets (like the database we described) in order to create graph similarity networks. Although it is designed for knowledge graphs, we managed to port the Fraud Detection graph data easily. </a:t>
+              <a:t>RDFsim is a search engine which is able to use embedding datasets (like the database we described) in order to create graph similarity networks. Although it is designed for knowledge graphs, we managed to </a:t>
+            </a:r>
+            <a:r>
+              <a:rPr lang="en-US" b="1" dirty="0" smtClean="0"/>
+              <a:t>port the Fraud Detection graph </a:t>
+            </a:r>
+            <a:r>
+              <a:rPr lang="en-US" dirty="0" smtClean="0"/>
+              <a:t>data easily. </a:t>
             </a:r>
           </a:p>
           <a:p>
@@ -3943,9 +4512,933 @@
             </a:r>
             <a:r>
               <a:rPr lang="en-US" dirty="0" smtClean="0"/>
-              <a:t>we can use the search engine features of RDFsim (i.e. search for a specific node of the graph) and create similarity network for any node we want.</a:t>
+              <a:t>we can use the search engine features of RDFsim (i.e. search for a specific node of the graph) and </a:t>
+            </a:r>
+            <a:r>
+              <a:rPr lang="en-US" b="1" dirty="0" smtClean="0"/>
+              <a:t>create </a:t>
+            </a:r>
+            <a:r>
+              <a:rPr lang="en-US" b="1" dirty="0" smtClean="0"/>
+              <a:t>the similarity </a:t>
+            </a:r>
+            <a:r>
+              <a:rPr lang="en-US" b="1" dirty="0" smtClean="0"/>
+              <a:t>network for any node we want</a:t>
+            </a:r>
+            <a:r>
+              <a:rPr lang="en-US" dirty="0" smtClean="0"/>
+              <a:t>.</a:t>
             </a:r>
             <a:endParaRPr lang="en-US" dirty="0"/>
+          </a:p>
+        </p:txBody>
+      </p:sp>
+      <p:sp>
+        <p:nvSpPr>
+          <p:cNvPr id="6" name="Can 5"/>
+          <p:cNvSpPr/>
+          <p:nvPr/>
+        </p:nvSpPr>
+        <p:spPr>
+          <a:xfrm>
+            <a:off x="5719383" y="2488065"/>
+            <a:ext cx="968351" cy="1443922"/>
+          </a:xfrm>
+          <a:prstGeom prst="can">
+            <a:avLst/>
+          </a:prstGeom>
+          <a:solidFill>
+            <a:schemeClr val="bg2">
+              <a:lumMod val="75000"/>
+            </a:schemeClr>
+          </a:solidFill>
+          <a:ln>
+            <a:solidFill>
+              <a:schemeClr val="tx1"/>
+            </a:solidFill>
+          </a:ln>
+        </p:spPr>
+        <p:style>
+          <a:lnRef idx="2">
+            <a:schemeClr val="accent1">
+              <a:shade val="50000"/>
+            </a:schemeClr>
+          </a:lnRef>
+          <a:fillRef idx="1">
+            <a:schemeClr val="accent1"/>
+          </a:fillRef>
+          <a:effectRef idx="0">
+            <a:schemeClr val="accent1"/>
+          </a:effectRef>
+          <a:fontRef idx="minor">
+            <a:schemeClr val="lt1"/>
+          </a:fontRef>
+        </p:style>
+        <p:txBody>
+          <a:bodyPr rtlCol="0" anchor="ctr"/>
+          <a:lstStyle/>
+          <a:p>
+            <a:pPr algn="ctr"/>
+            <a:r>
+              <a:rPr lang="en-US" sz="1600" b="1" dirty="0" smtClean="0">
+                <a:solidFill>
+                  <a:schemeClr val="tx1"/>
+                </a:solidFill>
+              </a:rPr>
+              <a:t>Dataset</a:t>
+            </a:r>
+            <a:endParaRPr lang="en-US" sz="1600" b="1" dirty="0">
+              <a:solidFill>
+                <a:schemeClr val="tx1"/>
+              </a:solidFill>
+            </a:endParaRPr>
+          </a:p>
+        </p:txBody>
+      </p:sp>
+      <p:sp>
+        <p:nvSpPr>
+          <p:cNvPr id="9" name="TextBox 8"/>
+          <p:cNvSpPr txBox="1"/>
+          <p:nvPr/>
+        </p:nvSpPr>
+        <p:spPr>
+          <a:xfrm>
+            <a:off x="6935326" y="1780692"/>
+            <a:ext cx="2307886" cy="784830"/>
+          </a:xfrm>
+          <a:prstGeom prst="rect">
+            <a:avLst/>
+          </a:prstGeom>
+          <a:noFill/>
+          <a:ln>
+            <a:solidFill>
+              <a:schemeClr val="tx1"/>
+            </a:solidFill>
+          </a:ln>
+        </p:spPr>
+        <p:txBody>
+          <a:bodyPr wrap="square" rtlCol="0">
+            <a:spAutoFit/>
+          </a:bodyPr>
+          <a:lstStyle/>
+          <a:p>
+            <a:pPr algn="ctr"/>
+            <a:r>
+              <a:rPr lang="en-US" sz="900" b="1" u="sng" dirty="0" smtClean="0"/>
+              <a:t>Text Corpus</a:t>
+            </a:r>
+          </a:p>
+          <a:p>
+            <a:pPr algn="ctr"/>
+            <a:r>
+              <a:rPr lang="en-US" sz="900" dirty="0" smtClean="0"/>
+              <a:t>1.&lt;</a:t>
+            </a:r>
+            <a:r>
+              <a:rPr lang="en-US" sz="900" dirty="0" err="1" smtClean="0"/>
+              <a:t>nodeName</a:t>
+            </a:r>
+            <a:r>
+              <a:rPr lang="en-US" sz="900" dirty="0" smtClean="0"/>
+              <a:t>&gt; &lt;</a:t>
+            </a:r>
+            <a:r>
+              <a:rPr lang="en-US" sz="900" dirty="0" err="1" smtClean="0"/>
+              <a:t>linkType</a:t>
+            </a:r>
+            <a:r>
+              <a:rPr lang="en-US" sz="900" dirty="0" smtClean="0"/>
+              <a:t>&gt; &lt;</a:t>
+            </a:r>
+            <a:r>
+              <a:rPr lang="en-US" sz="900" dirty="0" err="1" smtClean="0"/>
+              <a:t>nodeName</a:t>
+            </a:r>
+            <a:r>
+              <a:rPr lang="en-US" sz="900" dirty="0" smtClean="0"/>
+              <a:t>&gt;</a:t>
+            </a:r>
+          </a:p>
+          <a:p>
+            <a:pPr algn="ctr"/>
+            <a:r>
+              <a:rPr lang="en-US" sz="900" dirty="0" smtClean="0"/>
+              <a:t>2.&lt;</a:t>
+            </a:r>
+            <a:r>
+              <a:rPr lang="en-US" sz="900" dirty="0" err="1" smtClean="0"/>
+              <a:t>nodeName</a:t>
+            </a:r>
+            <a:r>
+              <a:rPr lang="en-US" sz="900" dirty="0"/>
+              <a:t>&gt; &lt;</a:t>
+            </a:r>
+            <a:r>
+              <a:rPr lang="en-US" sz="900" dirty="0" err="1"/>
+              <a:t>linkType</a:t>
+            </a:r>
+            <a:r>
+              <a:rPr lang="en-US" sz="900" dirty="0"/>
+              <a:t>&gt; &lt;</a:t>
+            </a:r>
+            <a:r>
+              <a:rPr lang="en-US" sz="900" dirty="0" err="1"/>
+              <a:t>nodeName</a:t>
+            </a:r>
+            <a:r>
+              <a:rPr lang="en-US" sz="900" dirty="0"/>
+              <a:t>&gt;</a:t>
+            </a:r>
+          </a:p>
+          <a:p>
+            <a:pPr algn="ctr"/>
+            <a:r>
+              <a:rPr lang="en-US" sz="900" dirty="0" smtClean="0"/>
+              <a:t>3.&lt;</a:t>
+            </a:r>
+            <a:r>
+              <a:rPr lang="en-US" sz="900" dirty="0" err="1" smtClean="0"/>
+              <a:t>nodeName</a:t>
+            </a:r>
+            <a:r>
+              <a:rPr lang="en-US" sz="900" dirty="0"/>
+              <a:t>&gt; &lt;</a:t>
+            </a:r>
+            <a:r>
+              <a:rPr lang="en-US" sz="900" dirty="0" err="1"/>
+              <a:t>linkType</a:t>
+            </a:r>
+            <a:r>
+              <a:rPr lang="en-US" sz="900" dirty="0"/>
+              <a:t>&gt; &lt;</a:t>
+            </a:r>
+            <a:r>
+              <a:rPr lang="en-US" sz="900" dirty="0" err="1"/>
+              <a:t>nodeName</a:t>
+            </a:r>
+            <a:r>
+              <a:rPr lang="en-US" sz="900" dirty="0" smtClean="0"/>
+              <a:t>&gt;</a:t>
+            </a:r>
+          </a:p>
+          <a:p>
+            <a:pPr algn="ctr"/>
+            <a:r>
+              <a:rPr lang="en-US" sz="900" dirty="0" smtClean="0"/>
+              <a:t>…..</a:t>
+            </a:r>
+          </a:p>
+        </p:txBody>
+      </p:sp>
+      <p:cxnSp>
+        <p:nvCxnSpPr>
+          <p:cNvPr id="11" name="Straight Arrow Connector 10"/>
+          <p:cNvCxnSpPr>
+            <a:stCxn id="6" idx="4"/>
+            <a:endCxn id="9" idx="1"/>
+          </p:cNvCxnSpPr>
+          <p:nvPr/>
+        </p:nvCxnSpPr>
+        <p:spPr>
+          <a:xfrm flipV="1">
+            <a:off x="6687734" y="2173107"/>
+            <a:ext cx="247592" cy="1036919"/>
+          </a:xfrm>
+          <a:prstGeom prst="straightConnector1">
+            <a:avLst/>
+          </a:prstGeom>
+          <a:ln>
+            <a:solidFill>
+              <a:schemeClr val="tx1"/>
+            </a:solidFill>
+            <a:tailEnd type="triangle"/>
+          </a:ln>
+        </p:spPr>
+        <p:style>
+          <a:lnRef idx="1">
+            <a:schemeClr val="accent1"/>
+          </a:lnRef>
+          <a:fillRef idx="0">
+            <a:schemeClr val="accent1"/>
+          </a:fillRef>
+          <a:effectRef idx="0">
+            <a:schemeClr val="accent1"/>
+          </a:effectRef>
+          <a:fontRef idx="minor">
+            <a:schemeClr val="tx1"/>
+          </a:fontRef>
+        </p:style>
+      </p:cxnSp>
+      <p:cxnSp>
+        <p:nvCxnSpPr>
+          <p:cNvPr id="15" name="Straight Arrow Connector 14"/>
+          <p:cNvCxnSpPr>
+            <a:stCxn id="9" idx="3"/>
+          </p:cNvCxnSpPr>
+          <p:nvPr/>
+        </p:nvCxnSpPr>
+        <p:spPr>
+          <a:xfrm flipV="1">
+            <a:off x="9243212" y="2134635"/>
+            <a:ext cx="1367638" cy="38472"/>
+          </a:xfrm>
+          <a:prstGeom prst="straightConnector1">
+            <a:avLst/>
+          </a:prstGeom>
+          <a:ln>
+            <a:solidFill>
+              <a:schemeClr val="tx1"/>
+            </a:solidFill>
+            <a:tailEnd type="triangle"/>
+          </a:ln>
+        </p:spPr>
+        <p:style>
+          <a:lnRef idx="1">
+            <a:schemeClr val="accent1"/>
+          </a:lnRef>
+          <a:fillRef idx="0">
+            <a:schemeClr val="accent1"/>
+          </a:fillRef>
+          <a:effectRef idx="0">
+            <a:schemeClr val="accent1"/>
+          </a:effectRef>
+          <a:fontRef idx="minor">
+            <a:schemeClr val="tx1"/>
+          </a:fontRef>
+        </p:style>
+      </p:cxnSp>
+      <p:sp>
+        <p:nvSpPr>
+          <p:cNvPr id="16" name="Rectangle 15"/>
+          <p:cNvSpPr/>
+          <p:nvPr/>
+        </p:nvSpPr>
+        <p:spPr>
+          <a:xfrm>
+            <a:off x="9400013" y="1799928"/>
+            <a:ext cx="889000" cy="707886"/>
+          </a:xfrm>
+          <a:prstGeom prst="rect">
+            <a:avLst/>
+          </a:prstGeom>
+          <a:solidFill>
+            <a:schemeClr val="bg2">
+              <a:lumMod val="75000"/>
+            </a:schemeClr>
+          </a:solidFill>
+          <a:ln>
+            <a:solidFill>
+              <a:schemeClr val="tx1"/>
+            </a:solidFill>
+          </a:ln>
+        </p:spPr>
+        <p:style>
+          <a:lnRef idx="2">
+            <a:schemeClr val="accent1">
+              <a:shade val="50000"/>
+            </a:schemeClr>
+          </a:lnRef>
+          <a:fillRef idx="1">
+            <a:schemeClr val="accent1"/>
+          </a:fillRef>
+          <a:effectRef idx="0">
+            <a:schemeClr val="accent1"/>
+          </a:effectRef>
+          <a:fontRef idx="minor">
+            <a:schemeClr val="lt1"/>
+          </a:fontRef>
+        </p:style>
+        <p:txBody>
+          <a:bodyPr rtlCol="0" anchor="ctr"/>
+          <a:lstStyle/>
+          <a:p>
+            <a:pPr algn="ctr"/>
+            <a:r>
+              <a:rPr lang="en-US" sz="1100" b="1" dirty="0" smtClean="0">
+                <a:solidFill>
+                  <a:schemeClr val="tx1"/>
+                </a:solidFill>
+              </a:rPr>
+              <a:t>word2vec</a:t>
+            </a:r>
+            <a:endParaRPr lang="en-US" sz="1100" b="1" dirty="0">
+              <a:solidFill>
+                <a:schemeClr val="tx1"/>
+              </a:solidFill>
+            </a:endParaRPr>
+          </a:p>
+        </p:txBody>
+      </p:sp>
+      <p:sp>
+        <p:nvSpPr>
+          <p:cNvPr id="18" name="Rectangle 17"/>
+          <p:cNvSpPr/>
+          <p:nvPr/>
+        </p:nvSpPr>
+        <p:spPr>
+          <a:xfrm>
+            <a:off x="9985093" y="1295642"/>
+            <a:ext cx="1101798" cy="154588"/>
+          </a:xfrm>
+          <a:prstGeom prst="rect">
+            <a:avLst/>
+          </a:prstGeom>
+          <a:solidFill>
+            <a:schemeClr val="bg2">
+              <a:lumMod val="90000"/>
+            </a:schemeClr>
+          </a:solidFill>
+          <a:ln>
+            <a:solidFill>
+              <a:schemeClr val="tx1"/>
+            </a:solidFill>
+          </a:ln>
+        </p:spPr>
+        <p:style>
+          <a:lnRef idx="2">
+            <a:schemeClr val="accent1">
+              <a:shade val="50000"/>
+            </a:schemeClr>
+          </a:lnRef>
+          <a:fillRef idx="1">
+            <a:schemeClr val="accent1"/>
+          </a:fillRef>
+          <a:effectRef idx="0">
+            <a:schemeClr val="accent1"/>
+          </a:effectRef>
+          <a:fontRef idx="minor">
+            <a:schemeClr val="lt1"/>
+          </a:fontRef>
+        </p:style>
+        <p:txBody>
+          <a:bodyPr rtlCol="0" anchor="ctr"/>
+          <a:lstStyle/>
+          <a:p>
+            <a:pPr algn="ctr"/>
+            <a:r>
+              <a:rPr lang="en-US" sz="1200" dirty="0" err="1" smtClean="0">
+                <a:solidFill>
+                  <a:schemeClr val="tx1"/>
+                </a:solidFill>
+              </a:rPr>
+              <a:t>accelonic</a:t>
+            </a:r>
+            <a:endParaRPr lang="en-US" sz="2800" dirty="0">
+              <a:solidFill>
+                <a:schemeClr val="tx1"/>
+              </a:solidFill>
+            </a:endParaRPr>
+          </a:p>
+        </p:txBody>
+      </p:sp>
+      <p:sp>
+        <p:nvSpPr>
+          <p:cNvPr id="24" name="Rectangle 23"/>
+          <p:cNvSpPr/>
+          <p:nvPr/>
+        </p:nvSpPr>
+        <p:spPr>
+          <a:xfrm>
+            <a:off x="11040387" y="1089169"/>
+            <a:ext cx="1101798" cy="154588"/>
+          </a:xfrm>
+          <a:prstGeom prst="rect">
+            <a:avLst/>
+          </a:prstGeom>
+          <a:solidFill>
+            <a:schemeClr val="bg2">
+              <a:lumMod val="90000"/>
+            </a:schemeClr>
+          </a:solidFill>
+          <a:ln>
+            <a:solidFill>
+              <a:schemeClr val="tx1"/>
+            </a:solidFill>
+          </a:ln>
+        </p:spPr>
+        <p:style>
+          <a:lnRef idx="2">
+            <a:schemeClr val="accent1">
+              <a:shade val="50000"/>
+            </a:schemeClr>
+          </a:lnRef>
+          <a:fillRef idx="1">
+            <a:schemeClr val="accent1"/>
+          </a:fillRef>
+          <a:effectRef idx="0">
+            <a:schemeClr val="accent1"/>
+          </a:effectRef>
+          <a:fontRef idx="minor">
+            <a:schemeClr val="lt1"/>
+          </a:fontRef>
+        </p:style>
+        <p:txBody>
+          <a:bodyPr rtlCol="0" anchor="ctr"/>
+          <a:lstStyle/>
+          <a:p>
+            <a:pPr algn="ctr"/>
+            <a:r>
+              <a:rPr lang="en-US" sz="1200" dirty="0" err="1" smtClean="0">
+                <a:solidFill>
+                  <a:schemeClr val="tx1"/>
+                </a:solidFill>
+              </a:rPr>
+              <a:t>orion</a:t>
+            </a:r>
+            <a:endParaRPr lang="en-US" sz="2800" dirty="0">
+              <a:solidFill>
+                <a:schemeClr val="tx1"/>
+              </a:solidFill>
+            </a:endParaRPr>
+          </a:p>
+        </p:txBody>
+      </p:sp>
+      <p:cxnSp>
+        <p:nvCxnSpPr>
+          <p:cNvPr id="26" name="Straight Arrow Connector 25"/>
+          <p:cNvCxnSpPr>
+            <a:endCxn id="18" idx="2"/>
+          </p:cNvCxnSpPr>
+          <p:nvPr/>
+        </p:nvCxnSpPr>
+        <p:spPr>
+          <a:xfrm flipH="1" flipV="1">
+            <a:off x="10535992" y="1450230"/>
+            <a:ext cx="481258" cy="892920"/>
+          </a:xfrm>
+          <a:prstGeom prst="straightConnector1">
+            <a:avLst/>
+          </a:prstGeom>
+          <a:ln>
+            <a:solidFill>
+              <a:schemeClr val="tx1"/>
+            </a:solidFill>
+            <a:tailEnd type="triangle"/>
+          </a:ln>
+        </p:spPr>
+        <p:style>
+          <a:lnRef idx="1">
+            <a:schemeClr val="accent1"/>
+          </a:lnRef>
+          <a:fillRef idx="0">
+            <a:schemeClr val="accent1"/>
+          </a:fillRef>
+          <a:effectRef idx="0">
+            <a:schemeClr val="accent1"/>
+          </a:effectRef>
+          <a:fontRef idx="minor">
+            <a:schemeClr val="tx1"/>
+          </a:fontRef>
+        </p:style>
+      </p:cxnSp>
+      <p:cxnSp>
+        <p:nvCxnSpPr>
+          <p:cNvPr id="28" name="Straight Arrow Connector 27"/>
+          <p:cNvCxnSpPr>
+            <a:endCxn id="24" idx="2"/>
+          </p:cNvCxnSpPr>
+          <p:nvPr/>
+        </p:nvCxnSpPr>
+        <p:spPr>
+          <a:xfrm flipV="1">
+            <a:off x="11017250" y="1243757"/>
+            <a:ext cx="574036" cy="1099393"/>
+          </a:xfrm>
+          <a:prstGeom prst="straightConnector1">
+            <a:avLst/>
+          </a:prstGeom>
+          <a:ln>
+            <a:solidFill>
+              <a:schemeClr val="tx1"/>
+            </a:solidFill>
+            <a:tailEnd type="triangle"/>
+          </a:ln>
+        </p:spPr>
+        <p:style>
+          <a:lnRef idx="1">
+            <a:schemeClr val="accent1"/>
+          </a:lnRef>
+          <a:fillRef idx="0">
+            <a:schemeClr val="accent1"/>
+          </a:fillRef>
+          <a:effectRef idx="0">
+            <a:schemeClr val="accent1"/>
+          </a:effectRef>
+          <a:fontRef idx="minor">
+            <a:schemeClr val="tx1"/>
+          </a:fontRef>
+        </p:style>
+      </p:cxnSp>
+      <p:cxnSp>
+        <p:nvCxnSpPr>
+          <p:cNvPr id="33" name="Straight Arrow Connector 32"/>
+          <p:cNvCxnSpPr/>
+          <p:nvPr/>
+        </p:nvCxnSpPr>
+        <p:spPr>
+          <a:xfrm>
+            <a:off x="11150538" y="2386774"/>
+            <a:ext cx="5142" cy="1324166"/>
+          </a:xfrm>
+          <a:prstGeom prst="straightConnector1">
+            <a:avLst/>
+          </a:prstGeom>
+          <a:ln>
+            <a:solidFill>
+              <a:schemeClr val="tx1"/>
+            </a:solidFill>
+            <a:tailEnd type="triangle"/>
+          </a:ln>
+        </p:spPr>
+        <p:style>
+          <a:lnRef idx="1">
+            <a:schemeClr val="accent1"/>
+          </a:lnRef>
+          <a:fillRef idx="0">
+            <a:schemeClr val="accent1"/>
+          </a:fillRef>
+          <a:effectRef idx="0">
+            <a:schemeClr val="accent1"/>
+          </a:effectRef>
+          <a:fontRef idx="minor">
+            <a:schemeClr val="tx1"/>
+          </a:fontRef>
+        </p:style>
+      </p:cxnSp>
+      <p:sp>
+        <p:nvSpPr>
+          <p:cNvPr id="35" name="Rectangle 34"/>
+          <p:cNvSpPr/>
+          <p:nvPr/>
+        </p:nvSpPr>
+        <p:spPr>
+          <a:xfrm>
+            <a:off x="10702286" y="2768482"/>
+            <a:ext cx="889000" cy="707886"/>
+          </a:xfrm>
+          <a:prstGeom prst="rect">
+            <a:avLst/>
+          </a:prstGeom>
+          <a:solidFill>
+            <a:schemeClr val="bg2">
+              <a:lumMod val="75000"/>
+            </a:schemeClr>
+          </a:solidFill>
+          <a:ln>
+            <a:solidFill>
+              <a:schemeClr val="tx1"/>
+            </a:solidFill>
+          </a:ln>
+        </p:spPr>
+        <p:style>
+          <a:lnRef idx="2">
+            <a:schemeClr val="accent1">
+              <a:shade val="50000"/>
+            </a:schemeClr>
+          </a:lnRef>
+          <a:fillRef idx="1">
+            <a:schemeClr val="accent1"/>
+          </a:fillRef>
+          <a:effectRef idx="0">
+            <a:schemeClr val="accent1"/>
+          </a:effectRef>
+          <a:fontRef idx="minor">
+            <a:schemeClr val="lt1"/>
+          </a:fontRef>
+        </p:style>
+        <p:txBody>
+          <a:bodyPr rtlCol="0" anchor="ctr"/>
+          <a:lstStyle/>
+          <a:p>
+            <a:pPr algn="ctr"/>
+            <a:r>
+              <a:rPr lang="en-US" sz="1100" b="1" dirty="0" smtClean="0">
+                <a:solidFill>
+                  <a:schemeClr val="tx1"/>
+                </a:solidFill>
+              </a:rPr>
+              <a:t>Produce RDFsim dataset</a:t>
+            </a:r>
+            <a:endParaRPr lang="en-US" sz="1100" b="1" dirty="0">
+              <a:solidFill>
+                <a:schemeClr val="tx1"/>
+              </a:solidFill>
+            </a:endParaRPr>
+          </a:p>
+        </p:txBody>
+      </p:sp>
+      <p:sp>
+        <p:nvSpPr>
+          <p:cNvPr id="38" name="Can 37"/>
+          <p:cNvSpPr/>
+          <p:nvPr/>
+        </p:nvSpPr>
+        <p:spPr>
+          <a:xfrm>
+            <a:off x="10702286" y="3717302"/>
+            <a:ext cx="948693" cy="1138146"/>
+          </a:xfrm>
+          <a:prstGeom prst="can">
+            <a:avLst/>
+          </a:prstGeom>
+          <a:solidFill>
+            <a:schemeClr val="bg2">
+              <a:lumMod val="75000"/>
+            </a:schemeClr>
+          </a:solidFill>
+          <a:ln>
+            <a:solidFill>
+              <a:schemeClr val="tx1"/>
+            </a:solidFill>
+          </a:ln>
+        </p:spPr>
+        <p:style>
+          <a:lnRef idx="2">
+            <a:schemeClr val="accent1">
+              <a:shade val="50000"/>
+            </a:schemeClr>
+          </a:lnRef>
+          <a:fillRef idx="1">
+            <a:schemeClr val="accent1"/>
+          </a:fillRef>
+          <a:effectRef idx="0">
+            <a:schemeClr val="accent1"/>
+          </a:effectRef>
+          <a:fontRef idx="minor">
+            <a:schemeClr val="lt1"/>
+          </a:fontRef>
+        </p:style>
+        <p:txBody>
+          <a:bodyPr rtlCol="0" anchor="ctr"/>
+          <a:lstStyle/>
+          <a:p>
+            <a:pPr algn="ctr"/>
+            <a:r>
+              <a:rPr lang="en-US" sz="1100" b="1" dirty="0" smtClean="0">
+                <a:solidFill>
+                  <a:schemeClr val="tx1"/>
+                </a:solidFill>
+              </a:rPr>
+              <a:t>RDFsim</a:t>
+            </a:r>
+          </a:p>
+          <a:p>
+            <a:pPr algn="ctr"/>
+            <a:r>
+              <a:rPr lang="en-US" sz="1100" b="1" dirty="0" smtClean="0">
+                <a:solidFill>
+                  <a:schemeClr val="tx1"/>
+                </a:solidFill>
+              </a:rPr>
+              <a:t>Embeddings</a:t>
+            </a:r>
+          </a:p>
+          <a:p>
+            <a:pPr algn="ctr"/>
+            <a:r>
+              <a:rPr lang="en-US" sz="1100" b="1" dirty="0" smtClean="0">
+                <a:solidFill>
+                  <a:schemeClr val="tx1"/>
+                </a:solidFill>
+              </a:rPr>
+              <a:t>database</a:t>
+            </a:r>
+            <a:endParaRPr lang="en-US" sz="1100" b="1" dirty="0">
+              <a:solidFill>
+                <a:schemeClr val="tx1"/>
+              </a:solidFill>
+            </a:endParaRPr>
+          </a:p>
+        </p:txBody>
+      </p:sp>
+      <p:cxnSp>
+        <p:nvCxnSpPr>
+          <p:cNvPr id="42" name="Straight Arrow Connector 41"/>
+          <p:cNvCxnSpPr>
+            <a:stCxn id="38" idx="2"/>
+            <a:endCxn id="44" idx="3"/>
+          </p:cNvCxnSpPr>
+          <p:nvPr/>
+        </p:nvCxnSpPr>
+        <p:spPr>
+          <a:xfrm flipH="1" flipV="1">
+            <a:off x="9243212" y="3169347"/>
+            <a:ext cx="1459074" cy="1117028"/>
+          </a:xfrm>
+          <a:prstGeom prst="straightConnector1">
+            <a:avLst/>
+          </a:prstGeom>
+          <a:ln>
+            <a:solidFill>
+              <a:schemeClr val="tx1"/>
+            </a:solidFill>
+            <a:tailEnd type="triangle"/>
+          </a:ln>
+        </p:spPr>
+        <p:style>
+          <a:lnRef idx="1">
+            <a:schemeClr val="accent1"/>
+          </a:lnRef>
+          <a:fillRef idx="0">
+            <a:schemeClr val="accent1"/>
+          </a:fillRef>
+          <a:effectRef idx="0">
+            <a:schemeClr val="accent1"/>
+          </a:effectRef>
+          <a:fontRef idx="minor">
+            <a:schemeClr val="tx1"/>
+          </a:fontRef>
+        </p:style>
+      </p:cxnSp>
+      <p:pic>
+        <p:nvPicPr>
+          <p:cNvPr id="46" name="Picture 45"/>
+          <p:cNvPicPr>
+            <a:picLocks noChangeAspect="1"/>
+          </p:cNvPicPr>
+          <p:nvPr/>
+        </p:nvPicPr>
+        <p:blipFill>
+          <a:blip r:embed="rId5"/>
+          <a:stretch>
+            <a:fillRect/>
+          </a:stretch>
+        </p:blipFill>
+        <p:spPr>
+          <a:xfrm>
+            <a:off x="6933095" y="3811426"/>
+            <a:ext cx="2310117" cy="1328976"/>
+          </a:xfrm>
+          <a:prstGeom prst="rect">
+            <a:avLst/>
+          </a:prstGeom>
+          <a:ln>
+            <a:solidFill>
+              <a:schemeClr val="tx1"/>
+            </a:solidFill>
+          </a:ln>
+        </p:spPr>
+      </p:pic>
+      <p:cxnSp>
+        <p:nvCxnSpPr>
+          <p:cNvPr id="47" name="Straight Arrow Connector 46"/>
+          <p:cNvCxnSpPr>
+            <a:stCxn id="38" idx="2"/>
+            <a:endCxn id="46" idx="3"/>
+          </p:cNvCxnSpPr>
+          <p:nvPr/>
+        </p:nvCxnSpPr>
+        <p:spPr>
+          <a:xfrm flipH="1">
+            <a:off x="9243212" y="4286375"/>
+            <a:ext cx="1459074" cy="189539"/>
+          </a:xfrm>
+          <a:prstGeom prst="straightConnector1">
+            <a:avLst/>
+          </a:prstGeom>
+          <a:ln>
+            <a:solidFill>
+              <a:schemeClr val="tx1"/>
+            </a:solidFill>
+            <a:tailEnd type="triangle"/>
+          </a:ln>
+        </p:spPr>
+        <p:style>
+          <a:lnRef idx="1">
+            <a:schemeClr val="accent1"/>
+          </a:lnRef>
+          <a:fillRef idx="0">
+            <a:schemeClr val="accent1"/>
+          </a:fillRef>
+          <a:effectRef idx="0">
+            <a:schemeClr val="accent1"/>
+          </a:effectRef>
+          <a:fontRef idx="minor">
+            <a:schemeClr val="tx1"/>
+          </a:fontRef>
+        </p:style>
+      </p:cxnSp>
+      <p:pic>
+        <p:nvPicPr>
+          <p:cNvPr id="56" name="Picture 55"/>
+          <p:cNvPicPr>
+            <a:picLocks noChangeAspect="1"/>
+          </p:cNvPicPr>
+          <p:nvPr/>
+        </p:nvPicPr>
+        <p:blipFill>
+          <a:blip r:embed="rId6" cstate="print">
+            <a:extLst>
+              <a:ext uri="{28A0092B-C50C-407E-A947-70E740481C1C}">
+                <a14:useLocalDpi xmlns:a14="http://schemas.microsoft.com/office/drawing/2010/main" val="0"/>
+              </a:ext>
+            </a:extLst>
+          </a:blip>
+          <a:stretch>
+            <a:fillRect/>
+          </a:stretch>
+        </p:blipFill>
+        <p:spPr>
+          <a:xfrm>
+            <a:off x="5557952" y="5244526"/>
+            <a:ext cx="1805413" cy="1415341"/>
+          </a:xfrm>
+          <a:prstGeom prst="rect">
+            <a:avLst/>
+          </a:prstGeom>
+        </p:spPr>
+      </p:pic>
+      <p:pic>
+        <p:nvPicPr>
+          <p:cNvPr id="57" name="Picture 56"/>
+          <p:cNvPicPr>
+            <a:picLocks noChangeAspect="1"/>
+          </p:cNvPicPr>
+          <p:nvPr/>
+        </p:nvPicPr>
+        <p:blipFill>
+          <a:blip r:embed="rId7" cstate="print">
+            <a:extLst>
+              <a:ext uri="{28A0092B-C50C-407E-A947-70E740481C1C}">
+                <a14:useLocalDpi xmlns:a14="http://schemas.microsoft.com/office/drawing/2010/main" val="0"/>
+              </a:ext>
+            </a:extLst>
+          </a:blip>
+          <a:stretch>
+            <a:fillRect/>
+          </a:stretch>
+        </p:blipFill>
+        <p:spPr>
+          <a:xfrm>
+            <a:off x="7338059" y="5280393"/>
+            <a:ext cx="2529841" cy="1395774"/>
+          </a:xfrm>
+          <a:prstGeom prst="rect">
+            <a:avLst/>
+          </a:prstGeom>
+        </p:spPr>
+      </p:pic>
+      <p:sp>
+        <p:nvSpPr>
+          <p:cNvPr id="69" name="Slide Number Placeholder 68"/>
+          <p:cNvSpPr>
+            <a:spLocks noGrp="1"/>
+          </p:cNvSpPr>
+          <p:nvPr>
+            <p:ph type="sldNum" sz="quarter" idx="12"/>
+          </p:nvPr>
+        </p:nvSpPr>
+        <p:spPr/>
+        <p:txBody>
+          <a:bodyPr/>
+          <a:lstStyle/>
+          <a:p>
+            <a:fld id="{8CEDE46D-73D4-420B-A66A-9E3B2783BD10}" type="slidenum">
+              <a:rPr lang="en-US" smtClean="0"/>
+              <a:t>11</a:t>
+            </a:fld>
+            <a:endParaRPr lang="en-US"/>
           </a:p>
         </p:txBody>
       </p:sp>
@@ -3959,6 +5452,13 @@
   <p:clrMapOvr>
     <a:masterClrMapping/>
   </p:clrMapOvr>
+  <p:timing>
+    <p:tnLst>
+      <p:par>
+        <p:cTn id="1" dur="indefinite" restart="never" nodeType="tmRoot"/>
+      </p:par>
+    </p:tnLst>
+  </p:timing>
 </p:sld>
 </file>
 
@@ -3996,7 +5496,7 @@
           <a:p>
             <a:r>
               <a:rPr lang="en-US" dirty="0" smtClean="0"/>
-              <a:t>Graph Embeddings</a:t>
+              <a:t>Graph Embeddings (Examples)</a:t>
             </a:r>
             <a:endParaRPr lang="en-US" dirty="0"/>
           </a:p>
@@ -4012,46 +5512,253 @@
             <p:ph idx="1"/>
           </p:nvPr>
         </p:nvSpPr>
+        <p:spPr>
+          <a:xfrm>
+            <a:off x="838200" y="1825624"/>
+            <a:ext cx="6477000" cy="4594225"/>
+          </a:xfrm>
+        </p:spPr>
+        <p:txBody>
+          <a:bodyPr>
+            <a:noAutofit/>
+          </a:bodyPr>
+          <a:lstStyle/>
+          <a:p>
+            <a:pPr algn="just"/>
+            <a:r>
+              <a:rPr lang="en-US" sz="1600" dirty="0" smtClean="0"/>
+              <a:t>For </a:t>
+            </a:r>
+            <a:r>
+              <a:rPr lang="en-US" sz="1600" dirty="0" smtClean="0"/>
+              <a:t>this presentation, we </a:t>
+            </a:r>
+            <a:r>
+              <a:rPr lang="en-US" sz="1600" b="1" dirty="0" smtClean="0"/>
+              <a:t>show the results about the “important” nodes, as shown by the graph analytics</a:t>
+            </a:r>
+            <a:r>
+              <a:rPr lang="en-US" sz="1600" dirty="0" smtClean="0"/>
+              <a:t> </a:t>
+            </a:r>
+            <a:r>
+              <a:rPr lang="en-US" sz="1600" dirty="0" smtClean="0"/>
+              <a:t>algorithms.</a:t>
+            </a:r>
+            <a:endParaRPr lang="en-US" sz="1600" dirty="0" smtClean="0"/>
+          </a:p>
+          <a:p>
+            <a:pPr algn="just"/>
+            <a:r>
+              <a:rPr lang="en-US" sz="1600" dirty="0" smtClean="0"/>
+              <a:t>Considering the accuracy of the embeddings training, we could </a:t>
+            </a:r>
+            <a:r>
+              <a:rPr lang="en-US" sz="1600" b="1" dirty="0" smtClean="0"/>
+              <a:t>discover connections between nodes </a:t>
+            </a:r>
+            <a:r>
+              <a:rPr lang="en-US" sz="1600" dirty="0" smtClean="0"/>
+              <a:t>(for example offshores, people, intermediaries …) that were not easily shown previously.</a:t>
+            </a:r>
+          </a:p>
+          <a:p>
+            <a:pPr algn="just"/>
+            <a:r>
+              <a:rPr lang="en-US" sz="1600" dirty="0" smtClean="0"/>
+              <a:t>More about the vocabulary creation, embedding training and RDFsim can be found in the official </a:t>
+            </a:r>
+            <a:r>
+              <a:rPr lang="en-US" sz="1600" dirty="0" smtClean="0"/>
+              <a:t>paper, published in Sep. 2021.</a:t>
+            </a:r>
+          </a:p>
+          <a:p>
+            <a:pPr algn="just"/>
+            <a:r>
+              <a:rPr lang="en-US" sz="1600" dirty="0" smtClean="0"/>
+              <a:t>The nodes that we will explore are (as shown from graph analytics):</a:t>
+            </a:r>
+          </a:p>
+          <a:p>
+            <a:pPr lvl="1" algn="just"/>
+            <a:r>
+              <a:rPr lang="en-US" sz="1600" b="1" dirty="0"/>
+              <a:t>ACCELONIC </a:t>
+            </a:r>
+            <a:r>
+              <a:rPr lang="en-US" sz="1600" b="1" dirty="0" smtClean="0"/>
+              <a:t>LTD</a:t>
+            </a:r>
+            <a:r>
+              <a:rPr lang="en-US" sz="1600" dirty="0" smtClean="0"/>
+              <a:t>:  Important entity with high PageRank and EV score.</a:t>
+            </a:r>
+          </a:p>
+          <a:p>
+            <a:pPr lvl="1" algn="just"/>
+            <a:r>
+              <a:rPr lang="pt-BR" sz="1600" b="1" dirty="0"/>
+              <a:t>VELA GAS INVESTMENTS </a:t>
+            </a:r>
+            <a:r>
+              <a:rPr lang="pt-BR" sz="1600" b="1" dirty="0" smtClean="0"/>
+              <a:t>LTD</a:t>
+            </a:r>
+            <a:r>
+              <a:rPr lang="pt-BR" sz="1600" dirty="0" smtClean="0"/>
+              <a:t>: </a:t>
+            </a:r>
+            <a:r>
+              <a:rPr lang="en-US" sz="1600" dirty="0"/>
+              <a:t>Important entity with high PageRank and EV </a:t>
+            </a:r>
+            <a:r>
+              <a:rPr lang="en-US" sz="1600" dirty="0" smtClean="0"/>
+              <a:t>score.</a:t>
+            </a:r>
+            <a:endParaRPr lang="pt-BR" sz="1600" dirty="0" smtClean="0"/>
+          </a:p>
+          <a:p>
+            <a:pPr lvl="1" algn="just"/>
+            <a:r>
+              <a:rPr lang="en-US" sz="1600" b="1" dirty="0"/>
+              <a:t>ORION HOUSE SERVICES (HK) </a:t>
+            </a:r>
+            <a:r>
+              <a:rPr lang="en-US" sz="1600" b="1" dirty="0" smtClean="0"/>
+              <a:t>LIMITED</a:t>
+            </a:r>
+            <a:r>
+              <a:rPr lang="en-US" sz="1600" dirty="0" smtClean="0"/>
+              <a:t>: Important intermediary node with high degree centrality score.</a:t>
+            </a:r>
+          </a:p>
+          <a:p>
+            <a:pPr lvl="1" algn="just"/>
+            <a:r>
+              <a:rPr lang="en-US" sz="1600" dirty="0" smtClean="0"/>
+              <a:t>Note: Although we selected only three of the important nodes from all the algorithms we simulated, the search engine can create the results for any node existing in the embeddings database.</a:t>
+            </a:r>
+          </a:p>
+        </p:txBody>
+      </p:sp>
+      <p:pic>
+        <p:nvPicPr>
+          <p:cNvPr id="4" name="Picture 3"/>
+          <p:cNvPicPr>
+            <a:picLocks noChangeAspect="1"/>
+          </p:cNvPicPr>
+          <p:nvPr/>
+        </p:nvPicPr>
+        <p:blipFill>
+          <a:blip r:embed="rId2"/>
+          <a:stretch>
+            <a:fillRect/>
+          </a:stretch>
+        </p:blipFill>
+        <p:spPr>
+          <a:xfrm>
+            <a:off x="8405595" y="365125"/>
+            <a:ext cx="3110129" cy="1827799"/>
+          </a:xfrm>
+          <a:prstGeom prst="rect">
+            <a:avLst/>
+          </a:prstGeom>
+        </p:spPr>
+      </p:pic>
+      <p:pic>
+        <p:nvPicPr>
+          <p:cNvPr id="5" name="Picture 4"/>
+          <p:cNvPicPr>
+            <a:picLocks noChangeAspect="1"/>
+          </p:cNvPicPr>
+          <p:nvPr/>
+        </p:nvPicPr>
+        <p:blipFill>
+          <a:blip r:embed="rId3"/>
+          <a:stretch>
+            <a:fillRect/>
+          </a:stretch>
+        </p:blipFill>
+        <p:spPr>
+          <a:xfrm>
+            <a:off x="8405595" y="2299939"/>
+            <a:ext cx="3110129" cy="1642615"/>
+          </a:xfrm>
+          <a:prstGeom prst="rect">
+            <a:avLst/>
+          </a:prstGeom>
+        </p:spPr>
+      </p:pic>
+      <p:pic>
+        <p:nvPicPr>
+          <p:cNvPr id="8" name="Picture 7"/>
+          <p:cNvPicPr>
+            <a:picLocks noChangeAspect="1"/>
+          </p:cNvPicPr>
+          <p:nvPr/>
+        </p:nvPicPr>
+        <p:blipFill>
+          <a:blip r:embed="rId4"/>
+          <a:stretch>
+            <a:fillRect/>
+          </a:stretch>
+        </p:blipFill>
+        <p:spPr>
+          <a:xfrm>
+            <a:off x="8460261" y="5467031"/>
+            <a:ext cx="3126433" cy="952818"/>
+          </a:xfrm>
+          <a:prstGeom prst="rect">
+            <a:avLst/>
+          </a:prstGeom>
+        </p:spPr>
+      </p:pic>
+      <p:pic>
+        <p:nvPicPr>
+          <p:cNvPr id="10" name="Picture 9"/>
+          <p:cNvPicPr>
+            <a:picLocks noChangeAspect="1"/>
+          </p:cNvPicPr>
+          <p:nvPr/>
+        </p:nvPicPr>
+        <p:blipFill>
+          <a:blip r:embed="rId5"/>
+          <a:stretch>
+            <a:fillRect/>
+          </a:stretch>
+        </p:blipFill>
+        <p:spPr>
+          <a:xfrm>
+            <a:off x="8460261" y="4049569"/>
+            <a:ext cx="3113910" cy="1293956"/>
+          </a:xfrm>
+          <a:prstGeom prst="rect">
+            <a:avLst/>
+          </a:prstGeom>
+        </p:spPr>
+      </p:pic>
+      <p:sp>
+        <p:nvSpPr>
+          <p:cNvPr id="11" name="Slide Number Placeholder 10"/>
+          <p:cNvSpPr>
+            <a:spLocks noGrp="1"/>
+          </p:cNvSpPr>
+          <p:nvPr>
+            <p:ph type="sldNum" sz="quarter" idx="12"/>
+          </p:nvPr>
+        </p:nvSpPr>
         <p:spPr/>
         <p:txBody>
           <a:bodyPr/>
           <a:lstStyle/>
           <a:p>
-            <a:pPr algn="just"/>
-            <a:r>
-              <a:rPr lang="en-US" dirty="0" smtClean="0"/>
-              <a:t>For our case, we loaded the data to RDFsim, so we could search for any node we want and see the similarity network</a:t>
-            </a:r>
-          </a:p>
-          <a:p>
-            <a:pPr algn="just"/>
-            <a:r>
-              <a:rPr lang="en-US" dirty="0" smtClean="0"/>
-              <a:t>For this presentation, we show the results about the “important” nodes, as shown by the graph analytics </a:t>
-            </a:r>
-            <a:r>
-              <a:rPr lang="en-US" dirty="0" err="1" smtClean="0"/>
-              <a:t>algorithsm</a:t>
-            </a:r>
-            <a:r>
-              <a:rPr lang="en-US" dirty="0" smtClean="0"/>
-              <a:t>.</a:t>
-            </a:r>
-          </a:p>
-          <a:p>
-            <a:pPr algn="just"/>
-            <a:r>
-              <a:rPr lang="en-US" dirty="0" smtClean="0"/>
-              <a:t>Considering the accuracy of the embeddings training, we could discover connections between nodes (for example offshores, people, intermediaries …) that were not easily shown previously.</a:t>
-            </a:r>
-          </a:p>
-          <a:p>
-            <a:pPr algn="just"/>
-            <a:r>
-              <a:rPr lang="en-US" dirty="0" smtClean="0"/>
-              <a:t>More about the vocabulary creation, embedding training and RDFsim can be found in the official paper of this work.</a:t>
-            </a:r>
-            <a:endParaRPr lang="en-US" dirty="0"/>
+            <a:fld id="{8CEDE46D-73D4-420B-A66A-9E3B2783BD10}" type="slidenum">
+              <a:rPr lang="en-US" smtClean="0"/>
+              <a:t>12</a:t>
+            </a:fld>
+            <a:endParaRPr lang="en-US"/>
           </a:p>
         </p:txBody>
       </p:sp>
@@ -4065,6 +5772,13 @@
   <p:clrMapOvr>
     <a:masterClrMapping/>
   </p:clrMapOvr>
+  <p:timing>
+    <p:tnLst>
+      <p:par>
+        <p:cTn id="1" dur="indefinite" restart="never" nodeType="tmRoot"/>
+      </p:par>
+    </p:tnLst>
+  </p:timing>
 </p:sld>
 </file>
 
@@ -4085,6 +5799,36 @@
           <a:chExt cx="0" cy="0"/>
         </a:xfrm>
       </p:grpSpPr>
+      <p:pic>
+        <p:nvPicPr>
+          <p:cNvPr id="9" name="Picture 8"/>
+          <p:cNvPicPr>
+            <a:picLocks noChangeAspect="1"/>
+          </p:cNvPicPr>
+          <p:nvPr/>
+        </p:nvPicPr>
+        <p:blipFill>
+          <a:blip r:embed="rId2">
+            <a:extLst>
+              <a:ext uri="{28A0092B-C50C-407E-A947-70E740481C1C}">
+                <a14:useLocalDpi xmlns:a14="http://schemas.microsoft.com/office/drawing/2010/main" val="0"/>
+              </a:ext>
+            </a:extLst>
+          </a:blip>
+          <a:stretch>
+            <a:fillRect/>
+          </a:stretch>
+        </p:blipFill>
+        <p:spPr>
+          <a:xfrm>
+            <a:off x="4045016" y="1247280"/>
+            <a:ext cx="3777213" cy="2910879"/>
+          </a:xfrm>
+          <a:prstGeom prst="rect">
+            <a:avLst/>
+          </a:prstGeom>
+        </p:spPr>
+      </p:pic>
       <p:sp>
         <p:nvSpPr>
           <p:cNvPr id="2" name="Title 1"/>
@@ -4105,6 +5849,179 @@
               <a:t>Examples (using RDFsim)</a:t>
             </a:r>
             <a:endParaRPr lang="en-US" dirty="0"/>
+          </a:p>
+        </p:txBody>
+      </p:sp>
+      <p:pic>
+        <p:nvPicPr>
+          <p:cNvPr id="4" name="Picture 3"/>
+          <p:cNvPicPr>
+            <a:picLocks noChangeAspect="1"/>
+          </p:cNvPicPr>
+          <p:nvPr/>
+        </p:nvPicPr>
+        <p:blipFill>
+          <a:blip r:embed="rId3">
+            <a:extLst>
+              <a:ext uri="{28A0092B-C50C-407E-A947-70E740481C1C}">
+                <a14:useLocalDpi xmlns:a14="http://schemas.microsoft.com/office/drawing/2010/main" val="0"/>
+              </a:ext>
+            </a:extLst>
+          </a:blip>
+          <a:stretch>
+            <a:fillRect/>
+          </a:stretch>
+        </p:blipFill>
+        <p:spPr>
+          <a:xfrm>
+            <a:off x="7896404" y="3741046"/>
+            <a:ext cx="3990796" cy="3013739"/>
+          </a:xfrm>
+          <a:prstGeom prst="rect">
+            <a:avLst/>
+          </a:prstGeom>
+        </p:spPr>
+      </p:pic>
+      <p:pic>
+        <p:nvPicPr>
+          <p:cNvPr id="5" name="Picture 4"/>
+          <p:cNvPicPr>
+            <a:picLocks noChangeAspect="1"/>
+          </p:cNvPicPr>
+          <p:nvPr/>
+        </p:nvPicPr>
+        <p:blipFill>
+          <a:blip r:embed="rId4">
+            <a:extLst>
+              <a:ext uri="{28A0092B-C50C-407E-A947-70E740481C1C}">
+                <a14:useLocalDpi xmlns:a14="http://schemas.microsoft.com/office/drawing/2010/main" val="0"/>
+              </a:ext>
+            </a:extLst>
+          </a:blip>
+          <a:stretch>
+            <a:fillRect/>
+          </a:stretch>
+        </p:blipFill>
+        <p:spPr>
+          <a:xfrm>
+            <a:off x="7822229" y="365125"/>
+            <a:ext cx="4272790" cy="3349625"/>
+          </a:xfrm>
+          <a:prstGeom prst="rect">
+            <a:avLst/>
+          </a:prstGeom>
+        </p:spPr>
+      </p:pic>
+      <p:pic>
+        <p:nvPicPr>
+          <p:cNvPr id="6" name="Picture 5"/>
+          <p:cNvPicPr>
+            <a:picLocks noChangeAspect="1"/>
+          </p:cNvPicPr>
+          <p:nvPr/>
+        </p:nvPicPr>
+        <p:blipFill>
+          <a:blip r:embed="rId5">
+            <a:extLst>
+              <a:ext uri="{28A0092B-C50C-407E-A947-70E740481C1C}">
+                <a14:useLocalDpi xmlns:a14="http://schemas.microsoft.com/office/drawing/2010/main" val="0"/>
+              </a:ext>
+            </a:extLst>
+          </a:blip>
+          <a:stretch>
+            <a:fillRect/>
+          </a:stretch>
+        </p:blipFill>
+        <p:spPr>
+          <a:xfrm>
+            <a:off x="219775" y="1406991"/>
+            <a:ext cx="3667450" cy="2865195"/>
+          </a:xfrm>
+          <a:prstGeom prst="rect">
+            <a:avLst/>
+          </a:prstGeom>
+        </p:spPr>
+      </p:pic>
+      <p:pic>
+        <p:nvPicPr>
+          <p:cNvPr id="7" name="Picture 6"/>
+          <p:cNvPicPr>
+            <a:picLocks noChangeAspect="1"/>
+          </p:cNvPicPr>
+          <p:nvPr/>
+        </p:nvPicPr>
+        <p:blipFill>
+          <a:blip r:embed="rId6" cstate="print">
+            <a:extLst>
+              <a:ext uri="{28A0092B-C50C-407E-A947-70E740481C1C}">
+                <a14:useLocalDpi xmlns:a14="http://schemas.microsoft.com/office/drawing/2010/main" val="0"/>
+              </a:ext>
+            </a:extLst>
+          </a:blip>
+          <a:stretch>
+            <a:fillRect/>
+          </a:stretch>
+        </p:blipFill>
+        <p:spPr>
+          <a:xfrm>
+            <a:off x="190469" y="4305294"/>
+            <a:ext cx="3514756" cy="2382816"/>
+          </a:xfrm>
+          <a:prstGeom prst="rect">
+            <a:avLst/>
+          </a:prstGeom>
+        </p:spPr>
+      </p:pic>
+      <p:pic>
+        <p:nvPicPr>
+          <p:cNvPr id="8" name="Picture 7"/>
+          <p:cNvPicPr>
+            <a:picLocks noChangeAspect="1"/>
+          </p:cNvPicPr>
+          <p:nvPr/>
+        </p:nvPicPr>
+        <p:blipFill>
+          <a:blip r:embed="rId7">
+            <a:extLst>
+              <a:ext uri="{28A0092B-C50C-407E-A947-70E740481C1C}">
+                <a14:useLocalDpi xmlns:a14="http://schemas.microsoft.com/office/drawing/2010/main" val="0"/>
+              </a:ext>
+            </a:extLst>
+          </a:blip>
+          <a:stretch>
+            <a:fillRect/>
+          </a:stretch>
+        </p:blipFill>
+        <p:spPr>
+          <a:xfrm>
+            <a:off x="3961400" y="4152894"/>
+            <a:ext cx="3777213" cy="2601891"/>
+          </a:xfrm>
+          <a:prstGeom prst="rect">
+            <a:avLst/>
+          </a:prstGeom>
+        </p:spPr>
+      </p:pic>
+      <p:sp>
+        <p:nvSpPr>
+          <p:cNvPr id="10" name="Slide Number Placeholder 9"/>
+          <p:cNvSpPr>
+            <a:spLocks noGrp="1"/>
+          </p:cNvSpPr>
+          <p:nvPr>
+            <p:ph type="sldNum" sz="quarter" idx="12"/>
+          </p:nvPr>
+        </p:nvSpPr>
+        <p:spPr/>
+        <p:txBody>
+          <a:bodyPr/>
+          <a:lstStyle/>
+          <a:p>
+            <a:fld id="{8CEDE46D-73D4-420B-A66A-9E3B2783BD10}" type="slidenum">
+              <a:rPr lang="en-US" smtClean="0"/>
+              <a:t>13</a:t>
+            </a:fld>
+            <a:endParaRPr lang="en-US"/>
           </a:p>
         </p:txBody>
       </p:sp>
@@ -4118,6 +6035,13 @@
   <p:clrMapOvr>
     <a:masterClrMapping/>
   </p:clrMapOvr>
+  <p:timing>
+    <p:tnLst>
+      <p:par>
+        <p:cTn id="1" dur="indefinite" restart="never" nodeType="tmRoot"/>
+      </p:par>
+    </p:tnLst>
+  </p:timing>
 </p:sld>
 </file>
 
@@ -4138,6 +6062,41 @@
           <a:chExt cx="0" cy="0"/>
         </a:xfrm>
       </p:grpSpPr>
+      <p:pic>
+        <p:nvPicPr>
+          <p:cNvPr id="4" name="Picture 3"/>
+          <p:cNvPicPr>
+            <a:picLocks noChangeAspect="1"/>
+          </p:cNvPicPr>
+          <p:nvPr/>
+        </p:nvPicPr>
+        <p:blipFill>
+          <a:blip r:embed="rId2">
+            <a:extLst>
+              <a:ext uri="{28A0092B-C50C-407E-A947-70E740481C1C}">
+                <a14:useLocalDpi xmlns:a14="http://schemas.microsoft.com/office/drawing/2010/main" val="0"/>
+              </a:ext>
+            </a:extLst>
+          </a:blip>
+          <a:stretch>
+            <a:fillRect/>
+          </a:stretch>
+        </p:blipFill>
+        <p:spPr>
+          <a:xfrm>
+            <a:off x="6760391" y="3044825"/>
+            <a:ext cx="4859385" cy="3669674"/>
+          </a:xfrm>
+          <a:prstGeom prst="rect">
+            <a:avLst/>
+          </a:prstGeom>
+          <a:ln>
+            <a:solidFill>
+              <a:schemeClr val="tx1"/>
+            </a:solidFill>
+          </a:ln>
+        </p:spPr>
+      </p:pic>
       <p:sp>
         <p:nvSpPr>
           <p:cNvPr id="2" name="Title 1"/>
@@ -4155,7 +6114,7 @@
           <a:p>
             <a:r>
               <a:rPr lang="en-US" dirty="0" smtClean="0"/>
-              <a:t>Conclusion</a:t>
+              <a:t>Understanding the results</a:t>
             </a:r>
             <a:endParaRPr lang="en-US" dirty="0"/>
           </a:p>
@@ -4173,55 +6132,381 @@
         </p:nvSpPr>
         <p:spPr>
           <a:xfrm>
-            <a:off x="838200" y="1825625"/>
-            <a:ext cx="10515600" cy="2221274"/>
-          </a:xfrm>
-        </p:spPr>
-        <p:txBody>
-          <a:bodyPr/>
-          <a:lstStyle/>
-          <a:p>
-            <a:r>
-              <a:rPr lang="en-US" dirty="0" smtClean="0"/>
-              <a:t>We presented </a:t>
-            </a:r>
-            <a:endParaRPr lang="el-GR" dirty="0" smtClean="0"/>
-          </a:p>
-          <a:p>
-            <a:r>
-              <a:rPr lang="el-GR" dirty="0" smtClean="0"/>
-              <a:t>Ααα</a:t>
-            </a:r>
-          </a:p>
-          <a:p>
-            <a:endParaRPr lang="el-GR" dirty="0"/>
-          </a:p>
-          <a:p>
-            <a:endParaRPr lang="el-GR" dirty="0" smtClean="0"/>
-          </a:p>
-          <a:p>
-            <a:pPr marL="0" indent="0">
+            <a:off x="838200" y="1690687"/>
+            <a:ext cx="5675811" cy="4776787"/>
+          </a:xfrm>
+        </p:spPr>
+        <p:txBody>
+          <a:bodyPr>
+            <a:normAutofit fontScale="92500"/>
+          </a:bodyPr>
+          <a:lstStyle/>
+          <a:p>
+            <a:pPr marL="0" indent="0" algn="just">
               <a:buNone/>
             </a:pPr>
-            <a:endParaRPr lang="en-US" dirty="0"/>
-          </a:p>
-        </p:txBody>
-      </p:sp>
-      <p:sp>
-        <p:nvSpPr>
-          <p:cNvPr id="4" name="TextBox 3"/>
-          <p:cNvSpPr txBox="1"/>
+            <a:r>
+              <a:rPr lang="en-US" sz="2000" dirty="0" smtClean="0"/>
+              <a:t>Lets look at the similarity network of ACCELONIC LTD. </a:t>
+            </a:r>
+          </a:p>
+          <a:p>
+            <a:pPr marL="0" indent="0" algn="just">
+              <a:buNone/>
+            </a:pPr>
+            <a:r>
+              <a:rPr lang="en-US" sz="2000" dirty="0" smtClean="0"/>
+              <a:t>Using this network, we can discover connections between offshores and other entities that were not clear before. For example, we see that our current node has high similarity score with ASPAM NAVIGATION LTD. </a:t>
+            </a:r>
+          </a:p>
+          <a:p>
+            <a:pPr marL="0" indent="0" algn="just">
+              <a:buNone/>
+            </a:pPr>
+            <a:r>
+              <a:rPr lang="en-US" sz="2000" dirty="0" smtClean="0"/>
+              <a:t>This result could mean that there two nodes may have connections to similar entities, officers, companies and more. </a:t>
+            </a:r>
+          </a:p>
+          <a:p>
+            <a:pPr marL="0" indent="0" algn="just">
+              <a:buNone/>
+            </a:pPr>
+            <a:r>
+              <a:rPr lang="en-US" sz="2000" dirty="0" smtClean="0"/>
+              <a:t>Given that our base data are dense and might have many connections between nodes, it could be difficult to discover such connections, or even worse, such connections might not even exist in the starting dataset.</a:t>
+            </a:r>
+          </a:p>
+          <a:p>
+            <a:pPr marL="0" indent="0" algn="just">
+              <a:buNone/>
+            </a:pPr>
+            <a:r>
+              <a:rPr lang="en-US" sz="2000" dirty="0" smtClean="0"/>
+              <a:t>Exploiting graph embeddings for such graphs could actually offer a new way to discover relationships between the nodes of the graph, group offshores with same fraudulent activity and more.</a:t>
+            </a:r>
+          </a:p>
+        </p:txBody>
+      </p:sp>
+      <p:sp>
+        <p:nvSpPr>
+          <p:cNvPr id="5" name="Rectangle 4"/>
+          <p:cNvSpPr/>
           <p:nvPr/>
         </p:nvSpPr>
         <p:spPr>
           <a:xfrm>
-            <a:off x="2818645" y="4834551"/>
-            <a:ext cx="6554709" cy="1323439"/>
+            <a:off x="8690292" y="5266915"/>
+            <a:ext cx="690563" cy="209767"/>
           </a:xfrm>
           <a:prstGeom prst="rect">
             <a:avLst/>
           </a:prstGeom>
           <a:noFill/>
+          <a:ln>
+            <a:solidFill>
+              <a:schemeClr val="tx1"/>
+            </a:solidFill>
+          </a:ln>
+        </p:spPr>
+        <p:style>
+          <a:lnRef idx="2">
+            <a:schemeClr val="accent1">
+              <a:shade val="50000"/>
+            </a:schemeClr>
+          </a:lnRef>
+          <a:fillRef idx="1">
+            <a:schemeClr val="accent1"/>
+          </a:fillRef>
+          <a:effectRef idx="0">
+            <a:schemeClr val="accent1"/>
+          </a:effectRef>
+          <a:fontRef idx="minor">
+            <a:schemeClr val="lt1"/>
+          </a:fontRef>
+        </p:style>
+        <p:txBody>
+          <a:bodyPr rtlCol="0" anchor="ctr"/>
+          <a:lstStyle/>
+          <a:p>
+            <a:pPr algn="ctr"/>
+            <a:endParaRPr lang="en-US"/>
+          </a:p>
+        </p:txBody>
+      </p:sp>
+      <p:sp>
+        <p:nvSpPr>
+          <p:cNvPr id="6" name="Rectangle 5"/>
+          <p:cNvSpPr/>
+          <p:nvPr/>
+        </p:nvSpPr>
+        <p:spPr>
+          <a:xfrm>
+            <a:off x="9337993" y="5557319"/>
+            <a:ext cx="957262" cy="209767"/>
+          </a:xfrm>
+          <a:prstGeom prst="rect">
+            <a:avLst/>
+          </a:prstGeom>
+          <a:noFill/>
+          <a:ln>
+            <a:solidFill>
+              <a:schemeClr val="tx1"/>
+            </a:solidFill>
+          </a:ln>
+        </p:spPr>
+        <p:style>
+          <a:lnRef idx="2">
+            <a:schemeClr val="accent1">
+              <a:shade val="50000"/>
+            </a:schemeClr>
+          </a:lnRef>
+          <a:fillRef idx="1">
+            <a:schemeClr val="accent1"/>
+          </a:fillRef>
+          <a:effectRef idx="0">
+            <a:schemeClr val="accent1"/>
+          </a:effectRef>
+          <a:fontRef idx="minor">
+            <a:schemeClr val="lt1"/>
+          </a:fontRef>
+        </p:style>
+        <p:txBody>
+          <a:bodyPr rtlCol="0" anchor="ctr"/>
+          <a:lstStyle/>
+          <a:p>
+            <a:pPr algn="ctr"/>
+            <a:endParaRPr lang="en-US"/>
+          </a:p>
+        </p:txBody>
+      </p:sp>
+      <p:pic>
+        <p:nvPicPr>
+          <p:cNvPr id="7" name="Picture 6"/>
+          <p:cNvPicPr>
+            <a:picLocks noChangeAspect="1"/>
+          </p:cNvPicPr>
+          <p:nvPr/>
+        </p:nvPicPr>
+        <p:blipFill>
+          <a:blip r:embed="rId3"/>
+          <a:stretch>
+            <a:fillRect/>
+          </a:stretch>
+        </p:blipFill>
+        <p:spPr>
+          <a:xfrm>
+            <a:off x="7040351" y="365125"/>
+            <a:ext cx="4299463" cy="2077331"/>
+          </a:xfrm>
+          <a:prstGeom prst="rect">
+            <a:avLst/>
+          </a:prstGeom>
+          <a:ln>
+            <a:solidFill>
+              <a:schemeClr val="tx1"/>
+            </a:solidFill>
+          </a:ln>
+        </p:spPr>
+      </p:pic>
+      <p:sp>
+        <p:nvSpPr>
+          <p:cNvPr id="8" name="Down Arrow 7"/>
+          <p:cNvSpPr/>
+          <p:nvPr/>
+        </p:nvSpPr>
+        <p:spPr>
+          <a:xfrm>
+            <a:off x="8982102" y="2487850"/>
+            <a:ext cx="415960" cy="498476"/>
+          </a:xfrm>
+          <a:prstGeom prst="downArrow">
+            <a:avLst/>
+          </a:prstGeom>
+          <a:noFill/>
+          <a:ln>
+            <a:solidFill>
+              <a:schemeClr val="tx1"/>
+            </a:solidFill>
+          </a:ln>
+        </p:spPr>
+        <p:style>
+          <a:lnRef idx="2">
+            <a:schemeClr val="accent1">
+              <a:shade val="50000"/>
+            </a:schemeClr>
+          </a:lnRef>
+          <a:fillRef idx="1">
+            <a:schemeClr val="accent1"/>
+          </a:fillRef>
+          <a:effectRef idx="0">
+            <a:schemeClr val="accent1"/>
+          </a:effectRef>
+          <a:fontRef idx="minor">
+            <a:schemeClr val="lt1"/>
+          </a:fontRef>
+        </p:style>
+        <p:txBody>
+          <a:bodyPr rtlCol="0" anchor="ctr"/>
+          <a:lstStyle/>
+          <a:p>
+            <a:pPr algn="ctr"/>
+            <a:endParaRPr lang="en-US"/>
+          </a:p>
+        </p:txBody>
+      </p:sp>
+      <p:sp>
+        <p:nvSpPr>
+          <p:cNvPr id="9" name="Slide Number Placeholder 8"/>
+          <p:cNvSpPr>
+            <a:spLocks noGrp="1"/>
+          </p:cNvSpPr>
+          <p:nvPr>
+            <p:ph type="sldNum" sz="quarter" idx="12"/>
+          </p:nvPr>
+        </p:nvSpPr>
+        <p:spPr/>
+        <p:txBody>
+          <a:bodyPr/>
+          <a:lstStyle/>
+          <a:p>
+            <a:fld id="{8CEDE46D-73D4-420B-A66A-9E3B2783BD10}" type="slidenum">
+              <a:rPr lang="en-US" smtClean="0"/>
+              <a:t>14</a:t>
+            </a:fld>
+            <a:endParaRPr lang="en-US"/>
+          </a:p>
+        </p:txBody>
+      </p:sp>
+    </p:spTree>
+    <p:extLst>
+      <p:ext uri="{BB962C8B-B14F-4D97-AF65-F5344CB8AC3E}">
+        <p14:creationId xmlns:p14="http://schemas.microsoft.com/office/powerpoint/2010/main" val="546085800"/>
+      </p:ext>
+    </p:extLst>
+  </p:cSld>
+  <p:clrMapOvr>
+    <a:masterClrMapping/>
+  </p:clrMapOvr>
+  <p:timing>
+    <p:tnLst>
+      <p:par>
+        <p:cTn id="1" dur="indefinite" restart="never" nodeType="tmRoot"/>
+      </p:par>
+    </p:tnLst>
+  </p:timing>
+</p:sld>
+</file>
+
+<file path=ppt/slides/slide15.xml><?xml version="1.0" encoding="utf-8"?>
+<p:sld xmlns:a="http://schemas.openxmlformats.org/drawingml/2006/main" xmlns:r="http://schemas.openxmlformats.org/officeDocument/2006/relationships" xmlns:p="http://schemas.openxmlformats.org/presentationml/2006/main">
+  <p:cSld>
+    <p:spTree>
+      <p:nvGrpSpPr>
+        <p:cNvPr id="1" name=""/>
+        <p:cNvGrpSpPr/>
+        <p:nvPr/>
+      </p:nvGrpSpPr>
+      <p:grpSpPr>
+        <a:xfrm>
+          <a:off x="0" y="0"/>
+          <a:ext cx="0" cy="0"/>
+          <a:chOff x="0" y="0"/>
+          <a:chExt cx="0" cy="0"/>
+        </a:xfrm>
+      </p:grpSpPr>
+      <p:sp>
+        <p:nvSpPr>
+          <p:cNvPr id="2" name="Title 1"/>
+          <p:cNvSpPr>
+            <a:spLocks noGrp="1"/>
+          </p:cNvSpPr>
+          <p:nvPr>
+            <p:ph type="title"/>
+          </p:nvPr>
+        </p:nvSpPr>
+        <p:spPr/>
+        <p:txBody>
+          <a:bodyPr/>
+          <a:lstStyle/>
+          <a:p>
+            <a:r>
+              <a:rPr lang="en-US" dirty="0" smtClean="0"/>
+              <a:t>Conclusion</a:t>
+            </a:r>
+            <a:endParaRPr lang="en-US" dirty="0"/>
+          </a:p>
+        </p:txBody>
+      </p:sp>
+      <p:sp>
+        <p:nvSpPr>
+          <p:cNvPr id="3" name="Content Placeholder 2"/>
+          <p:cNvSpPr>
+            <a:spLocks noGrp="1"/>
+          </p:cNvSpPr>
+          <p:nvPr>
+            <p:ph idx="1"/>
+          </p:nvPr>
+        </p:nvSpPr>
+        <p:spPr>
+          <a:xfrm>
+            <a:off x="838200" y="1758156"/>
+            <a:ext cx="5019675" cy="3461544"/>
+          </a:xfrm>
+        </p:spPr>
+        <p:txBody>
+          <a:bodyPr>
+            <a:normAutofit fontScale="85000" lnSpcReduction="20000"/>
+          </a:bodyPr>
+          <a:lstStyle/>
+          <a:p>
+            <a:pPr algn="just"/>
+            <a:r>
+              <a:rPr lang="en-US" dirty="0" smtClean="0"/>
+              <a:t>We</a:t>
+            </a:r>
+            <a:r>
+              <a:rPr lang="en-US" dirty="0"/>
+              <a:t> </a:t>
+            </a:r>
+            <a:r>
+              <a:rPr lang="en-US" dirty="0" smtClean="0"/>
+              <a:t>presented an analysis which combines graph analytics methods with graph embeddings.</a:t>
+            </a:r>
+          </a:p>
+          <a:p>
+            <a:pPr algn="just"/>
+            <a:r>
+              <a:rPr lang="en-US" dirty="0" smtClean="0"/>
+              <a:t>The analysis resulted in a set of important nodes over the network and the creation of a Fraud Detection Graph Embeddings database.</a:t>
+            </a:r>
+            <a:endParaRPr lang="el-GR" dirty="0" smtClean="0"/>
+          </a:p>
+          <a:p>
+            <a:pPr algn="just"/>
+            <a:r>
+              <a:rPr lang="en-US" dirty="0" smtClean="0"/>
+              <a:t>An extended analysis of our work including more figures, algorithms and explanations is available in the repository of our work</a:t>
+            </a:r>
+            <a:endParaRPr lang="el-GR" dirty="0"/>
+          </a:p>
+        </p:txBody>
+      </p:sp>
+      <p:sp>
+        <p:nvSpPr>
+          <p:cNvPr id="4" name="TextBox 3"/>
+          <p:cNvSpPr txBox="1"/>
+          <p:nvPr/>
+        </p:nvSpPr>
+        <p:spPr>
+          <a:xfrm>
+            <a:off x="1170591" y="5523249"/>
+            <a:ext cx="4354891" cy="1015663"/>
+          </a:xfrm>
+          <a:prstGeom prst="rect">
+            <a:avLst/>
+          </a:prstGeom>
+          <a:noFill/>
         </p:spPr>
         <p:txBody>
           <a:bodyPr wrap="square" rtlCol="0">
@@ -4231,10 +6516,86 @@
           <a:p>
             <a:pPr algn="ctr"/>
             <a:r>
-              <a:rPr lang="en-US" sz="8000" dirty="0" smtClean="0"/>
+              <a:rPr lang="en-US" sz="6000" b="1" i="1" dirty="0" smtClean="0"/>
               <a:t>Thank You!</a:t>
             </a:r>
-            <a:endParaRPr lang="en-US" sz="8000" dirty="0"/>
+            <a:endParaRPr lang="en-US" sz="6000" b="1" i="1" dirty="0"/>
+          </a:p>
+        </p:txBody>
+      </p:sp>
+      <p:pic>
+        <p:nvPicPr>
+          <p:cNvPr id="6" name="Picture 5"/>
+          <p:cNvPicPr>
+            <a:picLocks noChangeAspect="1"/>
+          </p:cNvPicPr>
+          <p:nvPr/>
+        </p:nvPicPr>
+        <p:blipFill>
+          <a:blip r:embed="rId2"/>
+          <a:stretch>
+            <a:fillRect/>
+          </a:stretch>
+        </p:blipFill>
+        <p:spPr>
+          <a:xfrm>
+            <a:off x="6260930" y="266700"/>
+            <a:ext cx="5740570" cy="3851834"/>
+          </a:xfrm>
+          <a:prstGeom prst="rect">
+            <a:avLst/>
+          </a:prstGeom>
+          <a:ln>
+            <a:solidFill>
+              <a:schemeClr val="tx1"/>
+            </a:solidFill>
+          </a:ln>
+        </p:spPr>
+      </p:pic>
+      <p:pic>
+        <p:nvPicPr>
+          <p:cNvPr id="8" name="Picture 7"/>
+          <p:cNvPicPr>
+            <a:picLocks noChangeAspect="1"/>
+          </p:cNvPicPr>
+          <p:nvPr/>
+        </p:nvPicPr>
+        <p:blipFill>
+          <a:blip r:embed="rId3"/>
+          <a:stretch>
+            <a:fillRect/>
+          </a:stretch>
+        </p:blipFill>
+        <p:spPr>
+          <a:xfrm>
+            <a:off x="6260930" y="4297847"/>
+            <a:ext cx="4578864" cy="1676890"/>
+          </a:xfrm>
+          <a:prstGeom prst="rect">
+            <a:avLst/>
+          </a:prstGeom>
+        </p:spPr>
+      </p:pic>
+      <p:sp>
+        <p:nvSpPr>
+          <p:cNvPr id="9" name="Slide Number Placeholder 8"/>
+          <p:cNvSpPr>
+            <a:spLocks noGrp="1"/>
+          </p:cNvSpPr>
+          <p:nvPr>
+            <p:ph type="sldNum" sz="quarter" idx="12"/>
+          </p:nvPr>
+        </p:nvSpPr>
+        <p:spPr/>
+        <p:txBody>
+          <a:bodyPr/>
+          <a:lstStyle/>
+          <a:p>
+            <a:fld id="{8CEDE46D-73D4-420B-A66A-9E3B2783BD10}" type="slidenum">
+              <a:rPr lang="en-US" smtClean="0"/>
+              <a:t>15</a:t>
+            </a:fld>
+            <a:endParaRPr lang="en-US"/>
           </a:p>
         </p:txBody>
       </p:sp>
@@ -4248,6 +6609,13 @@
   <p:clrMapOvr>
     <a:masterClrMapping/>
   </p:clrMapOvr>
+  <p:timing>
+    <p:tnLst>
+      <p:par>
+        <p:cTn id="1" dur="indefinite" restart="never" nodeType="tmRoot"/>
+      </p:par>
+    </p:tnLst>
+  </p:timing>
 </p:sld>
 </file>
 
@@ -4278,14 +6646,27 @@
             <p:ph type="title"/>
           </p:nvPr>
         </p:nvSpPr>
-        <p:spPr/>
+        <p:spPr>
+          <a:xfrm>
+            <a:off x="838200" y="337965"/>
+            <a:ext cx="10515600" cy="1325563"/>
+          </a:xfrm>
+        </p:spPr>
         <p:txBody>
           <a:bodyPr/>
           <a:lstStyle/>
           <a:p>
             <a:r>
               <a:rPr lang="en-US" dirty="0" smtClean="0"/>
-              <a:t>What are Panama Papers?</a:t>
+              <a:t>What </a:t>
+            </a:r>
+            <a:r>
+              <a:rPr lang="en-US" dirty="0" smtClean="0"/>
+              <a:t>are the </a:t>
+            </a:r>
+            <a:r>
+              <a:rPr lang="en-US" dirty="0" smtClean="0"/>
+              <a:t>Panama Papers?</a:t>
             </a:r>
             <a:endParaRPr lang="en-US" dirty="0"/>
           </a:p>
@@ -4315,8 +6696,8 @@
         </p:blipFill>
         <p:spPr>
           <a:xfrm>
-            <a:off x="7277428" y="533797"/>
-            <a:ext cx="3242791" cy="2025090"/>
+            <a:off x="7955125" y="746339"/>
+            <a:ext cx="3101343" cy="1936757"/>
           </a:xfrm>
         </p:spPr>
       </p:pic>
@@ -4329,7 +6710,7 @@
         <p:spPr>
           <a:xfrm>
             <a:off x="838200" y="1419798"/>
-            <a:ext cx="4965071" cy="1477328"/>
+            <a:ext cx="5401829" cy="5016758"/>
           </a:xfrm>
           <a:prstGeom prst="rect">
             <a:avLst/>
@@ -4344,12 +6725,8 @@
           <a:p>
             <a:pPr algn="just"/>
             <a:r>
-              <a:rPr lang="en-US" dirty="0" smtClean="0"/>
-              <a:t>Documents </a:t>
-            </a:r>
-            <a:r>
-              <a:rPr lang="en-US" dirty="0" smtClean="0"/>
-              <a:t>Exposing:</a:t>
+              <a:rPr lang="en-US" sz="2000" dirty="0" smtClean="0"/>
+              <a:t>Documents Exposing:</a:t>
             </a:r>
           </a:p>
           <a:p>
@@ -4358,24 +6735,12 @@
               <a:buChar char="•"/>
             </a:pPr>
             <a:r>
-              <a:rPr lang="en-US" dirty="0"/>
+              <a:rPr lang="en-US" sz="2000" dirty="0"/>
               <a:t>F</a:t>
             </a:r>
             <a:r>
-              <a:rPr lang="en-US" dirty="0" smtClean="0"/>
-              <a:t>inancial </a:t>
-            </a:r>
-            <a:r>
-              <a:rPr lang="en-US" dirty="0" smtClean="0"/>
-              <a:t>activity of over 200.00 </a:t>
-            </a:r>
-            <a:r>
-              <a:rPr lang="en-US" dirty="0" smtClean="0"/>
-              <a:t>offshores </a:t>
-            </a:r>
-            <a:r>
-              <a:rPr lang="en-US" dirty="0" smtClean="0"/>
-              <a:t>and other companies</a:t>
+              <a:rPr lang="en-US" sz="2000" dirty="0" smtClean="0"/>
+              <a:t>inancial activity of over 200.00 offshores and other companies</a:t>
             </a:r>
           </a:p>
           <a:p>
@@ -4384,127 +6749,148 @@
               <a:buChar char="•"/>
             </a:pPr>
             <a:r>
-              <a:rPr lang="en-US" dirty="0" smtClean="0"/>
-              <a:t>Relations </a:t>
-            </a:r>
-            <a:r>
-              <a:rPr lang="en-US" dirty="0" smtClean="0"/>
-              <a:t>between clients and other entities</a:t>
+              <a:rPr lang="en-US" sz="2000" dirty="0" smtClean="0"/>
+              <a:t>Relations between clients and other entities</a:t>
             </a:r>
           </a:p>
           <a:p>
             <a:pPr algn="just"/>
             <a:r>
-              <a:rPr lang="en-US" dirty="0" smtClean="0"/>
-              <a:t>Released to public in 2016!</a:t>
-            </a:r>
-            <a:endParaRPr lang="en-US" dirty="0"/>
+              <a:rPr lang="en-US" sz="2000" dirty="0" smtClean="0"/>
+              <a:t>Released to public in 2016</a:t>
+            </a:r>
+            <a:r>
+              <a:rPr lang="en-US" sz="2000" dirty="0" smtClean="0"/>
+              <a:t>!</a:t>
+            </a:r>
+            <a:endParaRPr lang="el-GR" sz="2000" dirty="0" smtClean="0"/>
+          </a:p>
+          <a:p>
+            <a:pPr marL="285750" indent="-285750" algn="just">
+              <a:buFont typeface="Arial" panose="020B0604020202020204" pitchFamily="34" charset="0"/>
+              <a:buChar char="•"/>
+            </a:pPr>
+            <a:r>
+              <a:rPr lang="en-US" sz="2000" dirty="0"/>
+              <a:t>The available panama papers datasets are widely used as data source for work related to graph analysis. Using these datasets, we can create a kind of </a:t>
+            </a:r>
+            <a:r>
+              <a:rPr lang="en-US" sz="2000" b="1" dirty="0"/>
+              <a:t>Fraud Detection Graph</a:t>
+            </a:r>
+            <a:r>
+              <a:rPr lang="en-US" sz="2000" dirty="0"/>
+              <a:t>, with specific types of nodes and links</a:t>
+            </a:r>
+            <a:r>
+              <a:rPr lang="en-US" sz="2000" dirty="0" smtClean="0"/>
+              <a:t>.</a:t>
+            </a:r>
+            <a:endParaRPr lang="el-GR" sz="2000" dirty="0" smtClean="0"/>
+          </a:p>
+          <a:p>
+            <a:pPr marL="285750" indent="-285750" algn="just">
+              <a:buFont typeface="Arial" panose="020B0604020202020204" pitchFamily="34" charset="0"/>
+              <a:buChar char="•"/>
+            </a:pPr>
+            <a:r>
+              <a:rPr lang="en-US" sz="2000" dirty="0"/>
+              <a:t>Graph analytics methods are used over these graph to harvest information about nodes, in order to discover important nodes, expose connection between companies, predict fraudulent activities of other nodes and more!</a:t>
+            </a:r>
+          </a:p>
+          <a:p>
+            <a:pPr algn="just"/>
+            <a:endParaRPr lang="en-US" sz="2000" dirty="0"/>
           </a:p>
         </p:txBody>
       </p:sp>
       <p:pic>
         <p:nvPicPr>
-          <p:cNvPr id="7" name="Picture 6"/>
+          <p:cNvPr id="3" name="Picture 2"/>
           <p:cNvPicPr>
             <a:picLocks noChangeAspect="1"/>
           </p:cNvPicPr>
           <p:nvPr/>
         </p:nvPicPr>
         <p:blipFill>
-          <a:blip r:embed="rId3" cstate="print">
-            <a:extLst>
-              <a:ext uri="{28A0092B-C50C-407E-A947-70E740481C1C}">
-                <a14:useLocalDpi xmlns:a14="http://schemas.microsoft.com/office/drawing/2010/main" val="0"/>
-              </a:ext>
-            </a:extLst>
-          </a:blip>
+          <a:blip r:embed="rId3"/>
           <a:stretch>
             <a:fillRect/>
           </a:stretch>
         </p:blipFill>
         <p:spPr>
           <a:xfrm>
-            <a:off x="6838220" y="3054144"/>
-            <a:ext cx="5182427" cy="2919578"/>
+            <a:off x="7497925" y="3295802"/>
+            <a:ext cx="4160675" cy="2447842"/>
           </a:xfrm>
           <a:prstGeom prst="rect">
             <a:avLst/>
           </a:prstGeom>
-        </p:spPr>
-      </p:pic>
-      <p:sp>
-        <p:nvSpPr>
-          <p:cNvPr id="8" name="TextBox 7"/>
-          <p:cNvSpPr txBox="1"/>
-          <p:nvPr/>
-        </p:nvSpPr>
-        <p:spPr>
-          <a:xfrm>
-            <a:off x="88089" y="3510430"/>
-            <a:ext cx="3048812" cy="2336299"/>
-          </a:xfrm>
-          <a:prstGeom prst="rect">
-            <a:avLst/>
-          </a:prstGeom>
-          <a:noFill/>
           <a:ln>
             <a:solidFill>
               <a:schemeClr val="tx1"/>
             </a:solidFill>
           </a:ln>
         </p:spPr>
-        <p:txBody>
-          <a:bodyPr wrap="square" rtlCol="0">
-            <a:spAutoFit/>
-          </a:bodyPr>
-          <a:lstStyle/>
-          <a:p>
-            <a:pPr algn="just"/>
-            <a:r>
-              <a:rPr lang="en-US" dirty="0" smtClean="0"/>
-              <a:t>The available panama papers datasets are widely used as data source for work related to graph analysis. </a:t>
-            </a:r>
-            <a:r>
-              <a:rPr lang="en-US" dirty="0" smtClean="0"/>
-              <a:t>Using these datasets, we can create a kind of Fraud Detection Graph, with specific types of nodes and links.</a:t>
-            </a:r>
-            <a:endParaRPr lang="en-US" dirty="0"/>
-          </a:p>
-        </p:txBody>
-      </p:sp>
-      <p:sp>
-        <p:nvSpPr>
-          <p:cNvPr id="14" name="TextBox 13"/>
-          <p:cNvSpPr txBox="1"/>
+      </p:pic>
+      <p:cxnSp>
+        <p:nvCxnSpPr>
+          <p:cNvPr id="9" name="Straight Arrow Connector 8"/>
+          <p:cNvCxnSpPr>
+            <a:endCxn id="3" idx="1"/>
+          </p:cNvCxnSpPr>
           <p:nvPr/>
-        </p:nvSpPr>
-        <p:spPr>
-          <a:xfrm>
-            <a:off x="3320735" y="3510430"/>
-            <a:ext cx="3394101" cy="2336299"/>
-          </a:xfrm>
-          <a:prstGeom prst="rect">
+        </p:nvCxnSpPr>
+        <p:spPr>
+          <a:xfrm>
+            <a:off x="5532120" y="4061460"/>
+            <a:ext cx="1965805" cy="458263"/>
+          </a:xfrm>
+          <a:prstGeom prst="straightConnector1">
             <a:avLst/>
           </a:prstGeom>
-          <a:noFill/>
           <a:ln>
             <a:solidFill>
               <a:schemeClr val="tx1"/>
             </a:solidFill>
+            <a:tailEnd type="triangle"/>
           </a:ln>
         </p:spPr>
-        <p:txBody>
-          <a:bodyPr wrap="square" rtlCol="0">
-            <a:spAutoFit/>
-          </a:bodyPr>
-          <a:lstStyle/>
-          <a:p>
-            <a:pPr algn="just"/>
-            <a:r>
-              <a:rPr lang="en-US" dirty="0" smtClean="0"/>
-              <a:t>Graph analytics methods are used over these graph to harvest information about nodes, in order to discover important nodes, expose connection between companies, predict fraudulent activities of other nodes and more!</a:t>
-            </a:r>
-            <a:endParaRPr lang="en-US" dirty="0"/>
+        <p:style>
+          <a:lnRef idx="1">
+            <a:schemeClr val="accent1"/>
+          </a:lnRef>
+          <a:fillRef idx="0">
+            <a:schemeClr val="accent1"/>
+          </a:fillRef>
+          <a:effectRef idx="0">
+            <a:schemeClr val="accent1"/>
+          </a:effectRef>
+          <a:fontRef idx="minor">
+            <a:schemeClr val="tx1"/>
+          </a:fontRef>
+        </p:style>
+      </p:cxnSp>
+      <p:sp>
+        <p:nvSpPr>
+          <p:cNvPr id="10" name="Slide Number Placeholder 9"/>
+          <p:cNvSpPr>
+            <a:spLocks noGrp="1"/>
+          </p:cNvSpPr>
+          <p:nvPr>
+            <p:ph type="sldNum" sz="quarter" idx="12"/>
+          </p:nvPr>
+        </p:nvSpPr>
+        <p:spPr/>
+        <p:txBody>
+          <a:bodyPr/>
+          <a:lstStyle/>
+          <a:p>
+            <a:fld id="{8CEDE46D-73D4-420B-A66A-9E3B2783BD10}" type="slidenum">
+              <a:rPr lang="en-US" smtClean="0"/>
+              <a:t>2</a:t>
+            </a:fld>
+            <a:endParaRPr lang="en-US"/>
           </a:p>
         </p:txBody>
       </p:sp>
@@ -4545,6 +6931,36 @@
           <a:chExt cx="0" cy="0"/>
         </a:xfrm>
       </p:grpSpPr>
+      <p:pic>
+        <p:nvPicPr>
+          <p:cNvPr id="4" name="Picture 3"/>
+          <p:cNvPicPr>
+            <a:picLocks noChangeAspect="1"/>
+          </p:cNvPicPr>
+          <p:nvPr/>
+        </p:nvPicPr>
+        <p:blipFill>
+          <a:blip r:embed="rId2" cstate="print">
+            <a:extLst>
+              <a:ext uri="{28A0092B-C50C-407E-A947-70E740481C1C}">
+                <a14:useLocalDpi xmlns:a14="http://schemas.microsoft.com/office/drawing/2010/main" val="0"/>
+              </a:ext>
+            </a:extLst>
+          </a:blip>
+          <a:stretch>
+            <a:fillRect/>
+          </a:stretch>
+        </p:blipFill>
+        <p:spPr>
+          <a:xfrm>
+            <a:off x="8267700" y="1825625"/>
+            <a:ext cx="3736975" cy="3736975"/>
+          </a:xfrm>
+          <a:prstGeom prst="rect">
+            <a:avLst/>
+          </a:prstGeom>
+        </p:spPr>
+      </p:pic>
       <p:sp>
         <p:nvSpPr>
           <p:cNvPr id="2" name="Title 1"/>
@@ -4562,7 +6978,7 @@
           <a:p>
             <a:r>
               <a:rPr lang="en-US" dirty="0" smtClean="0"/>
-              <a:t>Our Idea</a:t>
+              <a:t>Approach</a:t>
             </a:r>
             <a:endParaRPr lang="en-US" dirty="0"/>
           </a:p>
@@ -4578,10 +6994,15 @@
             <p:ph idx="1"/>
           </p:nvPr>
         </p:nvSpPr>
-        <p:spPr/>
+        <p:spPr>
+          <a:xfrm>
+            <a:off x="838200" y="1825625"/>
+            <a:ext cx="7289800" cy="4351338"/>
+          </a:xfrm>
+        </p:spPr>
         <p:txBody>
           <a:bodyPr>
-            <a:normAutofit lnSpcReduction="10000"/>
+            <a:normAutofit fontScale="85000" lnSpcReduction="20000"/>
           </a:bodyPr>
           <a:lstStyle/>
           <a:p>
@@ -4620,6 +7041,29 @@
               <a:t>combine methods from other fields (i.e. graph embeddings)  with classic graph analytics methods?</a:t>
             </a:r>
             <a:endParaRPr lang="en-US" dirty="0"/>
+          </a:p>
+        </p:txBody>
+      </p:sp>
+      <p:sp>
+        <p:nvSpPr>
+          <p:cNvPr id="5" name="Slide Number Placeholder 4"/>
+          <p:cNvSpPr>
+            <a:spLocks noGrp="1"/>
+          </p:cNvSpPr>
+          <p:nvPr>
+            <p:ph type="sldNum" sz="quarter" idx="12"/>
+          </p:nvPr>
+        </p:nvSpPr>
+        <p:spPr/>
+        <p:txBody>
+          <a:bodyPr/>
+          <a:lstStyle/>
+          <a:p>
+            <a:fld id="{8CEDE46D-73D4-420B-A66A-9E3B2783BD10}" type="slidenum">
+              <a:rPr lang="en-US" smtClean="0"/>
+              <a:t>3</a:t>
+            </a:fld>
+            <a:endParaRPr lang="en-US"/>
           </a:p>
         </p:txBody>
       </p:sp>
@@ -4660,6 +7104,36 @@
           <a:chExt cx="0" cy="0"/>
         </a:xfrm>
       </p:grpSpPr>
+      <p:pic>
+        <p:nvPicPr>
+          <p:cNvPr id="5" name="Picture 4"/>
+          <p:cNvPicPr>
+            <a:picLocks noChangeAspect="1"/>
+          </p:cNvPicPr>
+          <p:nvPr/>
+        </p:nvPicPr>
+        <p:blipFill>
+          <a:blip r:embed="rId2">
+            <a:extLst>
+              <a:ext uri="{28A0092B-C50C-407E-A947-70E740481C1C}">
+                <a14:useLocalDpi xmlns:a14="http://schemas.microsoft.com/office/drawing/2010/main" val="0"/>
+              </a:ext>
+            </a:extLst>
+          </a:blip>
+          <a:stretch>
+            <a:fillRect/>
+          </a:stretch>
+        </p:blipFill>
+        <p:spPr>
+          <a:xfrm>
+            <a:off x="2647352" y="3388709"/>
+            <a:ext cx="6903048" cy="3469291"/>
+          </a:xfrm>
+          <a:prstGeom prst="rect">
+            <a:avLst/>
+          </a:prstGeom>
+        </p:spPr>
+      </p:pic>
       <p:sp>
         <p:nvSpPr>
           <p:cNvPr id="2" name="Title 1"/>
@@ -4676,8 +7150,8 @@
           <a:lstStyle/>
           <a:p>
             <a:r>
-              <a:rPr lang="en-US" dirty="0" smtClean="0"/>
-              <a:t>Our Idea</a:t>
+              <a:rPr lang="en-US" dirty="0"/>
+              <a:t>Approach</a:t>
             </a:r>
             <a:endParaRPr lang="en-US" dirty="0"/>
           </a:p>
@@ -4693,9 +7167,16 @@
             <p:ph idx="1"/>
           </p:nvPr>
         </p:nvSpPr>
-        <p:spPr/>
-        <p:txBody>
-          <a:bodyPr/>
+        <p:spPr>
+          <a:xfrm>
+            <a:off x="838200" y="1825625"/>
+            <a:ext cx="11214100" cy="1908175"/>
+          </a:xfrm>
+        </p:spPr>
+        <p:txBody>
+          <a:bodyPr>
+            <a:normAutofit fontScale="85000" lnSpcReduction="20000"/>
+          </a:bodyPr>
           <a:lstStyle/>
           <a:p>
             <a:pPr marL="0" indent="0" algn="just">
@@ -4707,12 +7188,37 @@
             </a:r>
           </a:p>
           <a:p>
-            <a:pPr algn="just"/>
+            <a:pPr marL="0" indent="0" algn="just">
+              <a:buNone/>
+            </a:pPr>
             <a:r>
               <a:rPr lang="en-US" dirty="0" smtClean="0"/>
               <a:t>This way, we can go one step further: By finding similar nodes of the most important nodes, we can discover relationships between companies, nodes and other which could not be easily located before! </a:t>
             </a:r>
             <a:endParaRPr lang="en-US" dirty="0"/>
+          </a:p>
+        </p:txBody>
+      </p:sp>
+      <p:sp>
+        <p:nvSpPr>
+          <p:cNvPr id="6" name="Slide Number Placeholder 5"/>
+          <p:cNvSpPr>
+            <a:spLocks noGrp="1"/>
+          </p:cNvSpPr>
+          <p:nvPr>
+            <p:ph type="sldNum" sz="quarter" idx="12"/>
+          </p:nvPr>
+        </p:nvSpPr>
+        <p:spPr/>
+        <p:txBody>
+          <a:bodyPr/>
+          <a:lstStyle/>
+          <a:p>
+            <a:fld id="{8CEDE46D-73D4-420B-A66A-9E3B2783BD10}" type="slidenum">
+              <a:rPr lang="en-US" smtClean="0"/>
+              <a:t>4</a:t>
+            </a:fld>
+            <a:endParaRPr lang="en-US"/>
           </a:p>
         </p:txBody>
       </p:sp>
@@ -4753,16 +7259,1075 @@
           <a:chExt cx="0" cy="0"/>
         </a:xfrm>
       </p:grpSpPr>
+      <p:sp>
+        <p:nvSpPr>
+          <p:cNvPr id="46" name="Rectangle 45"/>
+          <p:cNvSpPr/>
+          <p:nvPr/>
+        </p:nvSpPr>
+        <p:spPr>
+          <a:xfrm>
+            <a:off x="1628426" y="3317839"/>
+            <a:ext cx="1715633" cy="303973"/>
+          </a:xfrm>
+          <a:prstGeom prst="rect">
+            <a:avLst/>
+          </a:prstGeom>
+          <a:solidFill>
+            <a:schemeClr val="accent1">
+              <a:lumMod val="40000"/>
+              <a:lumOff val="60000"/>
+            </a:schemeClr>
+          </a:solidFill>
+          <a:ln>
+            <a:solidFill>
+              <a:schemeClr val="tx1"/>
+            </a:solidFill>
+          </a:ln>
+        </p:spPr>
+        <p:style>
+          <a:lnRef idx="2">
+            <a:schemeClr val="accent1">
+              <a:shade val="50000"/>
+            </a:schemeClr>
+          </a:lnRef>
+          <a:fillRef idx="1">
+            <a:schemeClr val="accent1"/>
+          </a:fillRef>
+          <a:effectRef idx="0">
+            <a:schemeClr val="accent1"/>
+          </a:effectRef>
+          <a:fontRef idx="minor">
+            <a:schemeClr val="lt1"/>
+          </a:fontRef>
+        </p:style>
+        <p:txBody>
+          <a:bodyPr rtlCol="0" anchor="ctr"/>
+          <a:lstStyle/>
+          <a:p>
+            <a:pPr algn="ctr"/>
+            <a:r>
+              <a:rPr lang="en-US" sz="1600" dirty="0" smtClean="0">
+                <a:solidFill>
+                  <a:schemeClr val="tx1"/>
+                </a:solidFill>
+              </a:rPr>
+              <a:t>Graph Analytics</a:t>
+            </a:r>
+          </a:p>
+        </p:txBody>
+      </p:sp>
+      <p:sp>
+        <p:nvSpPr>
+          <p:cNvPr id="47" name="Rectangle 46"/>
+          <p:cNvSpPr/>
+          <p:nvPr/>
+        </p:nvSpPr>
+        <p:spPr>
+          <a:xfrm>
+            <a:off x="1646252" y="4069184"/>
+            <a:ext cx="1715633" cy="256920"/>
+          </a:xfrm>
+          <a:prstGeom prst="rect">
+            <a:avLst/>
+          </a:prstGeom>
+          <a:solidFill>
+            <a:schemeClr val="accent1">
+              <a:lumMod val="40000"/>
+              <a:lumOff val="60000"/>
+            </a:schemeClr>
+          </a:solidFill>
+          <a:ln>
+            <a:solidFill>
+              <a:schemeClr val="tx1"/>
+            </a:solidFill>
+          </a:ln>
+        </p:spPr>
+        <p:style>
+          <a:lnRef idx="2">
+            <a:schemeClr val="accent1">
+              <a:shade val="50000"/>
+            </a:schemeClr>
+          </a:lnRef>
+          <a:fillRef idx="1">
+            <a:schemeClr val="accent1"/>
+          </a:fillRef>
+          <a:effectRef idx="0">
+            <a:schemeClr val="accent1"/>
+          </a:effectRef>
+          <a:fontRef idx="minor">
+            <a:schemeClr val="lt1"/>
+          </a:fontRef>
+        </p:style>
+        <p:txBody>
+          <a:bodyPr rtlCol="0" anchor="ctr"/>
+          <a:lstStyle/>
+          <a:p>
+            <a:pPr algn="ctr"/>
+            <a:r>
+              <a:rPr lang="en-US" sz="1600" dirty="0" smtClean="0">
+                <a:solidFill>
+                  <a:schemeClr val="tx1"/>
+                </a:solidFill>
+              </a:rPr>
+              <a:t>Embeddings</a:t>
+            </a:r>
+          </a:p>
+        </p:txBody>
+      </p:sp>
+      <p:cxnSp>
+        <p:nvCxnSpPr>
+          <p:cNvPr id="52" name="Straight Arrow Connector 51"/>
+          <p:cNvCxnSpPr>
+            <a:stCxn id="75" idx="4"/>
+            <a:endCxn id="46" idx="1"/>
+          </p:cNvCxnSpPr>
+          <p:nvPr/>
+        </p:nvCxnSpPr>
+        <p:spPr>
+          <a:xfrm flipV="1">
+            <a:off x="1463443" y="3469826"/>
+            <a:ext cx="164983" cy="383861"/>
+          </a:xfrm>
+          <a:prstGeom prst="straightConnector1">
+            <a:avLst/>
+          </a:prstGeom>
+          <a:ln>
+            <a:solidFill>
+              <a:schemeClr val="tx1"/>
+            </a:solidFill>
+            <a:tailEnd type="triangle"/>
+          </a:ln>
+        </p:spPr>
+        <p:style>
+          <a:lnRef idx="1">
+            <a:schemeClr val="accent1"/>
+          </a:lnRef>
+          <a:fillRef idx="0">
+            <a:schemeClr val="accent1"/>
+          </a:fillRef>
+          <a:effectRef idx="0">
+            <a:schemeClr val="accent1"/>
+          </a:effectRef>
+          <a:fontRef idx="minor">
+            <a:schemeClr val="tx1"/>
+          </a:fontRef>
+        </p:style>
+      </p:cxnSp>
+      <p:cxnSp>
+        <p:nvCxnSpPr>
+          <p:cNvPr id="54" name="Straight Arrow Connector 53"/>
+          <p:cNvCxnSpPr>
+            <a:stCxn id="75" idx="4"/>
+            <a:endCxn id="47" idx="1"/>
+          </p:cNvCxnSpPr>
+          <p:nvPr/>
+        </p:nvCxnSpPr>
+        <p:spPr>
+          <a:xfrm>
+            <a:off x="1463443" y="3853687"/>
+            <a:ext cx="182809" cy="343957"/>
+          </a:xfrm>
+          <a:prstGeom prst="straightConnector1">
+            <a:avLst/>
+          </a:prstGeom>
+          <a:ln>
+            <a:solidFill>
+              <a:schemeClr val="tx1"/>
+            </a:solidFill>
+            <a:tailEnd type="triangle"/>
+          </a:ln>
+        </p:spPr>
+        <p:style>
+          <a:lnRef idx="1">
+            <a:schemeClr val="accent1"/>
+          </a:lnRef>
+          <a:fillRef idx="0">
+            <a:schemeClr val="accent1"/>
+          </a:fillRef>
+          <a:effectRef idx="0">
+            <a:schemeClr val="accent1"/>
+          </a:effectRef>
+          <a:fontRef idx="minor">
+            <a:schemeClr val="tx1"/>
+          </a:fontRef>
+        </p:style>
+      </p:cxnSp>
+      <p:sp>
+        <p:nvSpPr>
+          <p:cNvPr id="58" name="Rectangle 57"/>
+          <p:cNvSpPr/>
+          <p:nvPr/>
+        </p:nvSpPr>
+        <p:spPr>
+          <a:xfrm>
+            <a:off x="1628426" y="2364257"/>
+            <a:ext cx="1715633" cy="319702"/>
+          </a:xfrm>
+          <a:prstGeom prst="rect">
+            <a:avLst/>
+          </a:prstGeom>
+          <a:solidFill>
+            <a:schemeClr val="accent1">
+              <a:lumMod val="40000"/>
+              <a:lumOff val="60000"/>
+            </a:schemeClr>
+          </a:solidFill>
+          <a:ln>
+            <a:solidFill>
+              <a:schemeClr val="tx1"/>
+            </a:solidFill>
+          </a:ln>
+        </p:spPr>
+        <p:style>
+          <a:lnRef idx="2">
+            <a:schemeClr val="accent1">
+              <a:shade val="50000"/>
+            </a:schemeClr>
+          </a:lnRef>
+          <a:fillRef idx="1">
+            <a:schemeClr val="accent1"/>
+          </a:fillRef>
+          <a:effectRef idx="0">
+            <a:schemeClr val="accent1"/>
+          </a:effectRef>
+          <a:fontRef idx="minor">
+            <a:schemeClr val="lt1"/>
+          </a:fontRef>
+        </p:style>
+        <p:txBody>
+          <a:bodyPr rtlCol="0" anchor="ctr"/>
+          <a:lstStyle/>
+          <a:p>
+            <a:pPr algn="ctr"/>
+            <a:r>
+              <a:rPr lang="en-US" sz="1600" dirty="0" smtClean="0">
+                <a:solidFill>
+                  <a:schemeClr val="tx1"/>
+                </a:solidFill>
+              </a:rPr>
+              <a:t>NetworkX</a:t>
+            </a:r>
+          </a:p>
+        </p:txBody>
+      </p:sp>
+      <p:sp>
+        <p:nvSpPr>
+          <p:cNvPr id="59" name="Rectangle 58"/>
+          <p:cNvSpPr/>
+          <p:nvPr/>
+        </p:nvSpPr>
+        <p:spPr>
+          <a:xfrm>
+            <a:off x="3620075" y="3317839"/>
+            <a:ext cx="1715633" cy="312228"/>
+          </a:xfrm>
+          <a:prstGeom prst="rect">
+            <a:avLst/>
+          </a:prstGeom>
+          <a:solidFill>
+            <a:schemeClr val="accent1">
+              <a:lumMod val="40000"/>
+              <a:lumOff val="60000"/>
+            </a:schemeClr>
+          </a:solidFill>
+          <a:ln>
+            <a:solidFill>
+              <a:schemeClr val="tx1"/>
+            </a:solidFill>
+          </a:ln>
+        </p:spPr>
+        <p:style>
+          <a:lnRef idx="2">
+            <a:schemeClr val="accent1">
+              <a:shade val="50000"/>
+            </a:schemeClr>
+          </a:lnRef>
+          <a:fillRef idx="1">
+            <a:schemeClr val="accent1"/>
+          </a:fillRef>
+          <a:effectRef idx="0">
+            <a:schemeClr val="accent1"/>
+          </a:effectRef>
+          <a:fontRef idx="minor">
+            <a:schemeClr val="lt1"/>
+          </a:fontRef>
+        </p:style>
+        <p:txBody>
+          <a:bodyPr rtlCol="0" anchor="ctr"/>
+          <a:lstStyle/>
+          <a:p>
+            <a:pPr algn="ctr"/>
+            <a:r>
+              <a:rPr lang="en-US" sz="1600" dirty="0" smtClean="0">
+                <a:solidFill>
+                  <a:schemeClr val="tx1"/>
+                </a:solidFill>
+              </a:rPr>
+              <a:t>TSP</a:t>
+            </a:r>
+          </a:p>
+        </p:txBody>
+      </p:sp>
+      <p:cxnSp>
+        <p:nvCxnSpPr>
+          <p:cNvPr id="61" name="Straight Arrow Connector 60"/>
+          <p:cNvCxnSpPr>
+            <a:stCxn id="46" idx="0"/>
+            <a:endCxn id="58" idx="2"/>
+          </p:cNvCxnSpPr>
+          <p:nvPr/>
+        </p:nvCxnSpPr>
+        <p:spPr>
+          <a:xfrm flipV="1">
+            <a:off x="2486243" y="2683959"/>
+            <a:ext cx="0" cy="633880"/>
+          </a:xfrm>
+          <a:prstGeom prst="straightConnector1">
+            <a:avLst/>
+          </a:prstGeom>
+          <a:ln>
+            <a:solidFill>
+              <a:schemeClr val="tx1"/>
+            </a:solidFill>
+            <a:tailEnd type="triangle"/>
+          </a:ln>
+        </p:spPr>
+        <p:style>
+          <a:lnRef idx="1">
+            <a:schemeClr val="accent1"/>
+          </a:lnRef>
+          <a:fillRef idx="0">
+            <a:schemeClr val="accent1"/>
+          </a:fillRef>
+          <a:effectRef idx="0">
+            <a:schemeClr val="accent1"/>
+          </a:effectRef>
+          <a:fontRef idx="minor">
+            <a:schemeClr val="tx1"/>
+          </a:fontRef>
+        </p:style>
+      </p:cxnSp>
+      <p:cxnSp>
+        <p:nvCxnSpPr>
+          <p:cNvPr id="63" name="Straight Arrow Connector 62"/>
+          <p:cNvCxnSpPr>
+            <a:stCxn id="46" idx="3"/>
+            <a:endCxn id="59" idx="1"/>
+          </p:cNvCxnSpPr>
+          <p:nvPr/>
+        </p:nvCxnSpPr>
+        <p:spPr>
+          <a:xfrm>
+            <a:off x="3344059" y="3469826"/>
+            <a:ext cx="276016" cy="4127"/>
+          </a:xfrm>
+          <a:prstGeom prst="straightConnector1">
+            <a:avLst/>
+          </a:prstGeom>
+          <a:ln>
+            <a:solidFill>
+              <a:schemeClr val="tx1"/>
+            </a:solidFill>
+            <a:tailEnd type="triangle"/>
+          </a:ln>
+        </p:spPr>
+        <p:style>
+          <a:lnRef idx="1">
+            <a:schemeClr val="accent1"/>
+          </a:lnRef>
+          <a:fillRef idx="0">
+            <a:schemeClr val="accent1"/>
+          </a:fillRef>
+          <a:effectRef idx="0">
+            <a:schemeClr val="accent1"/>
+          </a:effectRef>
+          <a:fontRef idx="minor">
+            <a:schemeClr val="tx1"/>
+          </a:fontRef>
+        </p:style>
+      </p:cxnSp>
+      <p:sp>
+        <p:nvSpPr>
+          <p:cNvPr id="66" name="Rounded Rectangle 65"/>
+          <p:cNvSpPr/>
+          <p:nvPr/>
+        </p:nvSpPr>
+        <p:spPr>
+          <a:xfrm>
+            <a:off x="975145" y="4789096"/>
+            <a:ext cx="1306561" cy="664233"/>
+          </a:xfrm>
+          <a:prstGeom prst="roundRect">
+            <a:avLst/>
+          </a:prstGeom>
+          <a:solidFill>
+            <a:schemeClr val="accent2">
+              <a:lumMod val="40000"/>
+              <a:lumOff val="60000"/>
+            </a:schemeClr>
+          </a:solidFill>
+          <a:ln>
+            <a:solidFill>
+              <a:schemeClr val="tx1"/>
+            </a:solidFill>
+          </a:ln>
+        </p:spPr>
+        <p:style>
+          <a:lnRef idx="2">
+            <a:schemeClr val="accent1">
+              <a:shade val="50000"/>
+            </a:schemeClr>
+          </a:lnRef>
+          <a:fillRef idx="1">
+            <a:schemeClr val="accent1"/>
+          </a:fillRef>
+          <a:effectRef idx="0">
+            <a:schemeClr val="accent1"/>
+          </a:effectRef>
+          <a:fontRef idx="minor">
+            <a:schemeClr val="lt1"/>
+          </a:fontRef>
+        </p:style>
+        <p:txBody>
+          <a:bodyPr rtlCol="0" anchor="ctr"/>
+          <a:lstStyle/>
+          <a:p>
+            <a:pPr algn="ctr"/>
+            <a:r>
+              <a:rPr lang="en-US" sz="1600" dirty="0" smtClean="0">
+                <a:solidFill>
+                  <a:schemeClr val="tx1"/>
+                </a:solidFill>
+              </a:rPr>
+              <a:t>Create a corpus from the graph</a:t>
+            </a:r>
+            <a:endParaRPr lang="en-US" sz="1600" dirty="0">
+              <a:solidFill>
+                <a:schemeClr val="tx1"/>
+              </a:solidFill>
+            </a:endParaRPr>
+          </a:p>
+        </p:txBody>
+      </p:sp>
+      <p:sp>
+        <p:nvSpPr>
+          <p:cNvPr id="67" name="Rounded Rectangle 66"/>
+          <p:cNvSpPr/>
+          <p:nvPr/>
+        </p:nvSpPr>
+        <p:spPr>
+          <a:xfrm>
+            <a:off x="2358232" y="4782239"/>
+            <a:ext cx="1505957" cy="708071"/>
+          </a:xfrm>
+          <a:prstGeom prst="roundRect">
+            <a:avLst/>
+          </a:prstGeom>
+          <a:solidFill>
+            <a:schemeClr val="accent2">
+              <a:lumMod val="40000"/>
+              <a:lumOff val="60000"/>
+            </a:schemeClr>
+          </a:solidFill>
+          <a:ln>
+            <a:solidFill>
+              <a:schemeClr val="tx1"/>
+            </a:solidFill>
+          </a:ln>
+        </p:spPr>
+        <p:style>
+          <a:lnRef idx="2">
+            <a:schemeClr val="accent1">
+              <a:shade val="50000"/>
+            </a:schemeClr>
+          </a:lnRef>
+          <a:fillRef idx="1">
+            <a:schemeClr val="accent1"/>
+          </a:fillRef>
+          <a:effectRef idx="0">
+            <a:schemeClr val="accent1"/>
+          </a:effectRef>
+          <a:fontRef idx="minor">
+            <a:schemeClr val="lt1"/>
+          </a:fontRef>
+        </p:style>
+        <p:txBody>
+          <a:bodyPr rtlCol="0" anchor="ctr"/>
+          <a:lstStyle/>
+          <a:p>
+            <a:pPr algn="ctr"/>
+            <a:r>
+              <a:rPr lang="en-US" sz="1600" dirty="0" smtClean="0">
+                <a:solidFill>
+                  <a:schemeClr val="tx1"/>
+                </a:solidFill>
+              </a:rPr>
+              <a:t>Train the corpus using word2vec</a:t>
+            </a:r>
+            <a:endParaRPr lang="en-US" sz="1600" dirty="0">
+              <a:solidFill>
+                <a:schemeClr val="tx1"/>
+              </a:solidFill>
+            </a:endParaRPr>
+          </a:p>
+        </p:txBody>
+      </p:sp>
+      <p:cxnSp>
+        <p:nvCxnSpPr>
+          <p:cNvPr id="69" name="Straight Arrow Connector 68"/>
+          <p:cNvCxnSpPr>
+            <a:stCxn id="66" idx="0"/>
+            <a:endCxn id="47" idx="2"/>
+          </p:cNvCxnSpPr>
+          <p:nvPr/>
+        </p:nvCxnSpPr>
+        <p:spPr>
+          <a:xfrm flipV="1">
+            <a:off x="1628426" y="4326104"/>
+            <a:ext cx="875643" cy="462992"/>
+          </a:xfrm>
+          <a:prstGeom prst="straightConnector1">
+            <a:avLst/>
+          </a:prstGeom>
+          <a:ln>
+            <a:solidFill>
+              <a:schemeClr val="tx1"/>
+            </a:solidFill>
+            <a:tailEnd type="triangle"/>
+          </a:ln>
+        </p:spPr>
+        <p:style>
+          <a:lnRef idx="1">
+            <a:schemeClr val="accent1"/>
+          </a:lnRef>
+          <a:fillRef idx="0">
+            <a:schemeClr val="accent1"/>
+          </a:fillRef>
+          <a:effectRef idx="0">
+            <a:schemeClr val="accent1"/>
+          </a:effectRef>
+          <a:fontRef idx="minor">
+            <a:schemeClr val="tx1"/>
+          </a:fontRef>
+        </p:style>
+      </p:cxnSp>
+      <p:cxnSp>
+        <p:nvCxnSpPr>
+          <p:cNvPr id="71" name="Straight Arrow Connector 70"/>
+          <p:cNvCxnSpPr>
+            <a:stCxn id="67" idx="0"/>
+            <a:endCxn id="47" idx="2"/>
+          </p:cNvCxnSpPr>
+          <p:nvPr/>
+        </p:nvCxnSpPr>
+        <p:spPr>
+          <a:xfrm flipH="1" flipV="1">
+            <a:off x="2504069" y="4326104"/>
+            <a:ext cx="607142" cy="456135"/>
+          </a:xfrm>
+          <a:prstGeom prst="straightConnector1">
+            <a:avLst/>
+          </a:prstGeom>
+          <a:ln>
+            <a:solidFill>
+              <a:schemeClr val="tx1"/>
+            </a:solidFill>
+            <a:tailEnd type="triangle"/>
+          </a:ln>
+        </p:spPr>
+        <p:style>
+          <a:lnRef idx="1">
+            <a:schemeClr val="accent1"/>
+          </a:lnRef>
+          <a:fillRef idx="0">
+            <a:schemeClr val="accent1"/>
+          </a:fillRef>
+          <a:effectRef idx="0">
+            <a:schemeClr val="accent1"/>
+          </a:effectRef>
+          <a:fontRef idx="minor">
+            <a:schemeClr val="tx1"/>
+          </a:fontRef>
+        </p:style>
+      </p:cxnSp>
+      <p:sp>
+        <p:nvSpPr>
+          <p:cNvPr id="74" name="Right Arrow 73"/>
+          <p:cNvSpPr/>
+          <p:nvPr/>
+        </p:nvSpPr>
+        <p:spPr>
+          <a:xfrm>
+            <a:off x="2565970" y="2848130"/>
+            <a:ext cx="3050559" cy="337530"/>
+          </a:xfrm>
+          <a:prstGeom prst="rightArrow">
+            <a:avLst/>
+          </a:prstGeom>
+          <a:noFill/>
+          <a:ln>
+            <a:solidFill>
+              <a:schemeClr val="tx1"/>
+            </a:solidFill>
+          </a:ln>
+        </p:spPr>
+        <p:style>
+          <a:lnRef idx="2">
+            <a:schemeClr val="accent1">
+              <a:shade val="50000"/>
+            </a:schemeClr>
+          </a:lnRef>
+          <a:fillRef idx="1">
+            <a:schemeClr val="accent1"/>
+          </a:fillRef>
+          <a:effectRef idx="0">
+            <a:schemeClr val="accent1"/>
+          </a:effectRef>
+          <a:fontRef idx="minor">
+            <a:schemeClr val="lt1"/>
+          </a:fontRef>
+        </p:style>
+        <p:txBody>
+          <a:bodyPr rtlCol="0" anchor="ctr"/>
+          <a:lstStyle/>
+          <a:p>
+            <a:pPr algn="ctr"/>
+            <a:r>
+              <a:rPr lang="en-US" sz="1600" dirty="0" smtClean="0">
+                <a:solidFill>
+                  <a:schemeClr val="tx1"/>
+                </a:solidFill>
+              </a:rPr>
+              <a:t>PageRank and other</a:t>
+            </a:r>
+            <a:endParaRPr lang="en-US" sz="1600" dirty="0">
+              <a:solidFill>
+                <a:schemeClr val="tx1"/>
+              </a:solidFill>
+            </a:endParaRPr>
+          </a:p>
+        </p:txBody>
+      </p:sp>
+      <p:sp>
+        <p:nvSpPr>
+          <p:cNvPr id="75" name="Can 74"/>
+          <p:cNvSpPr/>
+          <p:nvPr/>
+        </p:nvSpPr>
+        <p:spPr>
+          <a:xfrm>
+            <a:off x="159745" y="3283557"/>
+            <a:ext cx="1303698" cy="1140260"/>
+          </a:xfrm>
+          <a:prstGeom prst="can">
+            <a:avLst/>
+          </a:prstGeom>
+          <a:solidFill>
+            <a:schemeClr val="bg2">
+              <a:lumMod val="75000"/>
+            </a:schemeClr>
+          </a:solidFill>
+          <a:ln>
+            <a:solidFill>
+              <a:schemeClr val="tx1"/>
+            </a:solidFill>
+          </a:ln>
+        </p:spPr>
+        <p:style>
+          <a:lnRef idx="2">
+            <a:schemeClr val="accent1">
+              <a:shade val="50000"/>
+            </a:schemeClr>
+          </a:lnRef>
+          <a:fillRef idx="1">
+            <a:schemeClr val="accent1"/>
+          </a:fillRef>
+          <a:effectRef idx="0">
+            <a:schemeClr val="accent1"/>
+          </a:effectRef>
+          <a:fontRef idx="minor">
+            <a:schemeClr val="lt1"/>
+          </a:fontRef>
+        </p:style>
+        <p:txBody>
+          <a:bodyPr rtlCol="0" anchor="ctr"/>
+          <a:lstStyle/>
+          <a:p>
+            <a:pPr algn="ctr"/>
+            <a:r>
+              <a:rPr lang="en-US" sz="1600" dirty="0" smtClean="0">
+                <a:solidFill>
+                  <a:schemeClr val="tx1"/>
+                </a:solidFill>
+              </a:rPr>
+              <a:t>Panama Papers Dataset</a:t>
+            </a:r>
+            <a:endParaRPr lang="en-US" sz="1600" dirty="0">
+              <a:solidFill>
+                <a:schemeClr val="tx1"/>
+              </a:solidFill>
+            </a:endParaRPr>
+          </a:p>
+        </p:txBody>
+      </p:sp>
+      <p:sp>
+        <p:nvSpPr>
+          <p:cNvPr id="82" name="Right Arrow 81"/>
+          <p:cNvSpPr/>
+          <p:nvPr/>
+        </p:nvSpPr>
+        <p:spPr>
+          <a:xfrm>
+            <a:off x="3398537" y="4065001"/>
+            <a:ext cx="2130514" cy="327453"/>
+          </a:xfrm>
+          <a:prstGeom prst="rightArrow">
+            <a:avLst/>
+          </a:prstGeom>
+          <a:noFill/>
+          <a:ln>
+            <a:solidFill>
+              <a:schemeClr val="tx1"/>
+            </a:solidFill>
+          </a:ln>
+        </p:spPr>
+        <p:style>
+          <a:lnRef idx="2">
+            <a:schemeClr val="accent1">
+              <a:shade val="50000"/>
+            </a:schemeClr>
+          </a:lnRef>
+          <a:fillRef idx="1">
+            <a:schemeClr val="accent1"/>
+          </a:fillRef>
+          <a:effectRef idx="0">
+            <a:schemeClr val="accent1"/>
+          </a:effectRef>
+          <a:fontRef idx="minor">
+            <a:schemeClr val="lt1"/>
+          </a:fontRef>
+        </p:style>
+        <p:txBody>
+          <a:bodyPr rtlCol="0" anchor="ctr"/>
+          <a:lstStyle/>
+          <a:p>
+            <a:pPr algn="ctr"/>
+            <a:r>
+              <a:rPr lang="en-US" sz="1600" dirty="0" smtClean="0">
+                <a:solidFill>
+                  <a:schemeClr val="tx1"/>
+                </a:solidFill>
+              </a:rPr>
+              <a:t>NLP </a:t>
+            </a:r>
+            <a:r>
+              <a:rPr lang="en-US" sz="1600" dirty="0" smtClean="0">
+                <a:solidFill>
+                  <a:schemeClr val="tx1"/>
+                </a:solidFill>
+              </a:rPr>
+              <a:t>model, RDFsim</a:t>
+            </a:r>
+            <a:endParaRPr lang="en-US" sz="1600" dirty="0">
+              <a:solidFill>
+                <a:schemeClr val="tx1"/>
+              </a:solidFill>
+            </a:endParaRPr>
+          </a:p>
+        </p:txBody>
+      </p:sp>
+      <p:sp>
+        <p:nvSpPr>
+          <p:cNvPr id="93" name="Can 92"/>
+          <p:cNvSpPr/>
+          <p:nvPr/>
+        </p:nvSpPr>
+        <p:spPr>
+          <a:xfrm>
+            <a:off x="5684465" y="2267588"/>
+            <a:ext cx="1084736" cy="1043714"/>
+          </a:xfrm>
+          <a:prstGeom prst="can">
+            <a:avLst/>
+          </a:prstGeom>
+          <a:solidFill>
+            <a:schemeClr val="bg2">
+              <a:lumMod val="75000"/>
+            </a:schemeClr>
+          </a:solidFill>
+          <a:ln>
+            <a:solidFill>
+              <a:schemeClr val="tx1"/>
+            </a:solidFill>
+          </a:ln>
+        </p:spPr>
+        <p:style>
+          <a:lnRef idx="2">
+            <a:schemeClr val="accent1">
+              <a:shade val="50000"/>
+            </a:schemeClr>
+          </a:lnRef>
+          <a:fillRef idx="1">
+            <a:schemeClr val="accent1"/>
+          </a:fillRef>
+          <a:effectRef idx="0">
+            <a:schemeClr val="accent1"/>
+          </a:effectRef>
+          <a:fontRef idx="minor">
+            <a:schemeClr val="lt1"/>
+          </a:fontRef>
+        </p:style>
+        <p:txBody>
+          <a:bodyPr rtlCol="0" anchor="ctr"/>
+          <a:lstStyle/>
+          <a:p>
+            <a:pPr algn="ctr"/>
+            <a:r>
+              <a:rPr lang="en-US" sz="1600" dirty="0" smtClean="0">
+                <a:solidFill>
+                  <a:schemeClr val="tx1"/>
+                </a:solidFill>
+              </a:rPr>
+              <a:t>Set of important nodes</a:t>
+            </a:r>
+            <a:endParaRPr lang="en-US" sz="1600" dirty="0">
+              <a:solidFill>
+                <a:schemeClr val="tx1"/>
+              </a:solidFill>
+            </a:endParaRPr>
+          </a:p>
+        </p:txBody>
+      </p:sp>
+      <p:sp>
+        <p:nvSpPr>
+          <p:cNvPr id="94" name="Can 93"/>
+          <p:cNvSpPr/>
+          <p:nvPr/>
+        </p:nvSpPr>
+        <p:spPr>
+          <a:xfrm>
+            <a:off x="5616529" y="4014345"/>
+            <a:ext cx="1229198" cy="1672080"/>
+          </a:xfrm>
+          <a:prstGeom prst="can">
+            <a:avLst/>
+          </a:prstGeom>
+          <a:solidFill>
+            <a:schemeClr val="bg2">
+              <a:lumMod val="75000"/>
+            </a:schemeClr>
+          </a:solidFill>
+          <a:ln>
+            <a:solidFill>
+              <a:schemeClr val="tx1"/>
+            </a:solidFill>
+          </a:ln>
+        </p:spPr>
+        <p:style>
+          <a:lnRef idx="2">
+            <a:schemeClr val="accent1">
+              <a:shade val="50000"/>
+            </a:schemeClr>
+          </a:lnRef>
+          <a:fillRef idx="1">
+            <a:schemeClr val="accent1"/>
+          </a:fillRef>
+          <a:effectRef idx="0">
+            <a:schemeClr val="accent1"/>
+          </a:effectRef>
+          <a:fontRef idx="minor">
+            <a:schemeClr val="lt1"/>
+          </a:fontRef>
+        </p:style>
+        <p:txBody>
+          <a:bodyPr rtlCol="0" anchor="ctr"/>
+          <a:lstStyle/>
+          <a:p>
+            <a:pPr algn="ctr"/>
+            <a:r>
+              <a:rPr lang="en-US" sz="1600" dirty="0" smtClean="0">
+                <a:solidFill>
+                  <a:schemeClr val="tx1"/>
+                </a:solidFill>
+              </a:rPr>
+              <a:t>Embeddings </a:t>
+            </a:r>
+            <a:r>
+              <a:rPr lang="en-US" sz="1600" dirty="0" smtClean="0">
+                <a:solidFill>
+                  <a:schemeClr val="tx1"/>
+                </a:solidFill>
+              </a:rPr>
+              <a:t>database -  similarity </a:t>
+            </a:r>
+            <a:r>
+              <a:rPr lang="en-US" sz="1600" dirty="0" smtClean="0">
+                <a:solidFill>
+                  <a:schemeClr val="tx1"/>
+                </a:solidFill>
+              </a:rPr>
+              <a:t>networks</a:t>
+            </a:r>
+            <a:endParaRPr lang="en-US" sz="1600" dirty="0">
+              <a:solidFill>
+                <a:schemeClr val="tx1"/>
+              </a:solidFill>
+            </a:endParaRPr>
+          </a:p>
+        </p:txBody>
+      </p:sp>
+      <p:sp>
+        <p:nvSpPr>
+          <p:cNvPr id="95" name="Right Arrow 94"/>
+          <p:cNvSpPr/>
+          <p:nvPr/>
+        </p:nvSpPr>
+        <p:spPr>
+          <a:xfrm rot="5400000">
+            <a:off x="5858037" y="3500234"/>
+            <a:ext cx="720381" cy="397183"/>
+          </a:xfrm>
+          <a:prstGeom prst="rightArrow">
+            <a:avLst/>
+          </a:prstGeom>
+          <a:noFill/>
+          <a:ln>
+            <a:solidFill>
+              <a:schemeClr val="tx1"/>
+            </a:solidFill>
+          </a:ln>
+        </p:spPr>
+        <p:style>
+          <a:lnRef idx="2">
+            <a:schemeClr val="accent1">
+              <a:shade val="50000"/>
+            </a:schemeClr>
+          </a:lnRef>
+          <a:fillRef idx="1">
+            <a:schemeClr val="accent1"/>
+          </a:fillRef>
+          <a:effectRef idx="0">
+            <a:schemeClr val="accent1"/>
+          </a:effectRef>
+          <a:fontRef idx="minor">
+            <a:schemeClr val="lt1"/>
+          </a:fontRef>
+        </p:style>
+        <p:txBody>
+          <a:bodyPr rtlCol="0" anchor="ctr"/>
+          <a:lstStyle/>
+          <a:p>
+            <a:pPr algn="ctr"/>
+            <a:r>
+              <a:rPr lang="en-US" sz="1600" dirty="0" smtClean="0">
+                <a:solidFill>
+                  <a:schemeClr val="tx1"/>
+                </a:solidFill>
+              </a:rPr>
+              <a:t>Load </a:t>
+            </a:r>
+            <a:endParaRPr lang="en-US" sz="1600" dirty="0">
+              <a:solidFill>
+                <a:schemeClr val="tx1"/>
+              </a:solidFill>
+            </a:endParaRPr>
+          </a:p>
+        </p:txBody>
+      </p:sp>
+      <p:sp>
+        <p:nvSpPr>
+          <p:cNvPr id="98" name="Rectangle 97"/>
+          <p:cNvSpPr/>
+          <p:nvPr/>
+        </p:nvSpPr>
+        <p:spPr>
+          <a:xfrm>
+            <a:off x="7631921" y="2848130"/>
+            <a:ext cx="4026443" cy="1005557"/>
+          </a:xfrm>
+          <a:prstGeom prst="rect">
+            <a:avLst/>
+          </a:prstGeom>
+          <a:solidFill>
+            <a:schemeClr val="bg1"/>
+          </a:solidFill>
+          <a:ln>
+            <a:solidFill>
+              <a:schemeClr val="tx1"/>
+            </a:solidFill>
+          </a:ln>
+        </p:spPr>
+        <p:style>
+          <a:lnRef idx="2">
+            <a:schemeClr val="accent1">
+              <a:shade val="50000"/>
+            </a:schemeClr>
+          </a:lnRef>
+          <a:fillRef idx="1">
+            <a:schemeClr val="accent1"/>
+          </a:fillRef>
+          <a:effectRef idx="0">
+            <a:schemeClr val="accent1"/>
+          </a:effectRef>
+          <a:fontRef idx="minor">
+            <a:schemeClr val="lt1"/>
+          </a:fontRef>
+        </p:style>
+        <p:txBody>
+          <a:bodyPr rtlCol="0" anchor="ctr"/>
+          <a:lstStyle/>
+          <a:p>
+            <a:pPr algn="just"/>
+            <a:r>
+              <a:rPr lang="en-US" dirty="0" smtClean="0">
+                <a:solidFill>
+                  <a:schemeClr val="tx1"/>
+                </a:solidFill>
+              </a:rPr>
+              <a:t>Present an analysis that combines classic graph analytics algorithms and graph embeddings!</a:t>
+            </a:r>
+            <a:endParaRPr lang="en-US" dirty="0">
+              <a:solidFill>
+                <a:schemeClr val="tx1"/>
+              </a:solidFill>
+            </a:endParaRPr>
+          </a:p>
+        </p:txBody>
+      </p:sp>
+      <p:sp>
+        <p:nvSpPr>
+          <p:cNvPr id="105" name="Title 104"/>
+          <p:cNvSpPr>
+            <a:spLocks noGrp="1"/>
+          </p:cNvSpPr>
+          <p:nvPr>
+            <p:ph type="title"/>
+          </p:nvPr>
+        </p:nvSpPr>
+        <p:spPr/>
+        <p:txBody>
+          <a:bodyPr/>
+          <a:lstStyle/>
+          <a:p>
+            <a:r>
+              <a:rPr lang="en-US" dirty="0" smtClean="0"/>
+              <a:t>Work Outline</a:t>
+            </a:r>
+            <a:endParaRPr lang="en-US" dirty="0"/>
+          </a:p>
+        </p:txBody>
+      </p:sp>
       <p:pic>
         <p:nvPicPr>
-          <p:cNvPr id="6" name="Picture 5"/>
+          <p:cNvPr id="121" name="Picture 120"/>
           <p:cNvPicPr>
             <a:picLocks noChangeAspect="1"/>
           </p:cNvPicPr>
           <p:nvPr/>
         </p:nvPicPr>
         <p:blipFill>
-          <a:blip r:embed="rId2">
+          <a:blip r:embed="rId3" cstate="print">
             <a:extLst>
               <a:ext uri="{28A0092B-C50C-407E-A947-70E740481C1C}">
                 <a14:useLocalDpi xmlns:a14="http://schemas.microsoft.com/office/drawing/2010/main" val="0"/>
@@ -4775,8 +8340,8 @@
         </p:blipFill>
         <p:spPr>
           <a:xfrm>
-            <a:off x="1147198" y="3323586"/>
-            <a:ext cx="4413094" cy="3459615"/>
+            <a:off x="7729494" y="3962934"/>
+            <a:ext cx="726340" cy="726340"/>
           </a:xfrm>
           <a:prstGeom prst="rect">
             <a:avLst/>
@@ -4785,14 +8350,38 @@
       </p:pic>
       <p:pic>
         <p:nvPicPr>
-          <p:cNvPr id="5" name="Picture 4"/>
+          <p:cNvPr id="122" name="Picture 121"/>
           <p:cNvPicPr>
             <a:picLocks noChangeAspect="1"/>
           </p:cNvPicPr>
           <p:nvPr/>
         </p:nvPicPr>
         <p:blipFill>
-          <a:blip r:embed="rId3">
+          <a:blip r:embed="rId4"/>
+          <a:stretch>
+            <a:fillRect/>
+          </a:stretch>
+        </p:blipFill>
+        <p:spPr>
+          <a:xfrm>
+            <a:off x="8522113" y="4085473"/>
+            <a:ext cx="1468022" cy="481262"/>
+          </a:xfrm>
+          <a:prstGeom prst="rect">
+            <a:avLst/>
+          </a:prstGeom>
+        </p:spPr>
+      </p:pic>
+      <p:pic>
+        <p:nvPicPr>
+          <p:cNvPr id="123" name="Picture 122"/>
+          <p:cNvPicPr>
+            <a:picLocks noChangeAspect="1"/>
+          </p:cNvPicPr>
+          <p:nvPr/>
+        </p:nvPicPr>
+        <p:blipFill>
+          <a:blip r:embed="rId5" cstate="print">
             <a:extLst>
               <a:ext uri="{28A0092B-C50C-407E-A947-70E740481C1C}">
                 <a14:useLocalDpi xmlns:a14="http://schemas.microsoft.com/office/drawing/2010/main" val="0"/>
@@ -4805,8 +8394,8 @@
         </p:blipFill>
         <p:spPr>
           <a:xfrm>
-            <a:off x="5869290" y="3096572"/>
-            <a:ext cx="4881837" cy="3686629"/>
+            <a:off x="10077613" y="3977665"/>
+            <a:ext cx="1571048" cy="708608"/>
           </a:xfrm>
           <a:prstGeom prst="rect">
             <a:avLst/>
@@ -4815,12 +8404,58 @@
       </p:pic>
       <p:sp>
         <p:nvSpPr>
-          <p:cNvPr id="2" name="Title 1"/>
-          <p:cNvSpPr>
-            <a:spLocks noGrp="1"/>
-          </p:cNvSpPr>
-          <p:nvPr>
-            <p:ph type="title"/>
+          <p:cNvPr id="124" name="Right Brace 123"/>
+          <p:cNvSpPr/>
+          <p:nvPr/>
+        </p:nvSpPr>
+        <p:spPr>
+          <a:xfrm>
+            <a:off x="6774106" y="1806996"/>
+            <a:ext cx="427896" cy="4524375"/>
+          </a:xfrm>
+          <a:prstGeom prst="rightBrace">
+            <a:avLst>
+              <a:gd name="adj1" fmla="val 8333"/>
+              <a:gd name="adj2" fmla="val 47684"/>
+            </a:avLst>
+          </a:prstGeom>
+          <a:ln>
+            <a:solidFill>
+              <a:schemeClr val="tx1"/>
+            </a:solidFill>
+          </a:ln>
+        </p:spPr>
+        <p:style>
+          <a:lnRef idx="1">
+            <a:schemeClr val="accent1"/>
+          </a:lnRef>
+          <a:fillRef idx="0">
+            <a:schemeClr val="accent1"/>
+          </a:fillRef>
+          <a:effectRef idx="0">
+            <a:schemeClr val="accent1"/>
+          </a:effectRef>
+          <a:fontRef idx="minor">
+            <a:schemeClr val="tx1"/>
+          </a:fontRef>
+        </p:style>
+        <p:txBody>
+          <a:bodyPr rtlCol="0" anchor="ctr"/>
+          <a:lstStyle/>
+          <a:p>
+            <a:pPr algn="ctr"/>
+            <a:endParaRPr lang="en-US"/>
+          </a:p>
+        </p:txBody>
+      </p:sp>
+      <p:sp>
+        <p:nvSpPr>
+          <p:cNvPr id="127" name="Slide Number Placeholder 126"/>
+          <p:cNvSpPr>
+            <a:spLocks noGrp="1"/>
+          </p:cNvSpPr>
+          <p:nvPr>
+            <p:ph type="sldNum" sz="quarter" idx="12"/>
           </p:nvPr>
         </p:nvSpPr>
         <p:spPr/>
@@ -4828,61 +8463,18 @@
           <a:bodyPr/>
           <a:lstStyle/>
           <a:p>
-            <a:r>
-              <a:rPr lang="en-US" dirty="0" smtClean="0"/>
-              <a:t>An early example</a:t>
-            </a:r>
-            <a:endParaRPr lang="en-US" dirty="0"/>
-          </a:p>
-        </p:txBody>
-      </p:sp>
-      <p:sp>
-        <p:nvSpPr>
-          <p:cNvPr id="3" name="Content Placeholder 2"/>
-          <p:cNvSpPr>
-            <a:spLocks noGrp="1"/>
-          </p:cNvSpPr>
-          <p:nvPr>
-            <p:ph idx="1"/>
-          </p:nvPr>
-        </p:nvSpPr>
-        <p:spPr/>
-        <p:txBody>
-          <a:bodyPr/>
-          <a:lstStyle/>
-          <a:p>
-            <a:pPr marL="0" indent="0" algn="just">
-              <a:buNone/>
-            </a:pPr>
-            <a:r>
-              <a:rPr lang="en-US" dirty="0" smtClean="0"/>
-              <a:t>By running PageRank and Eigenvector Centrality, we discovered that the node with the highest value is </a:t>
-            </a:r>
-            <a:r>
-              <a:rPr lang="en-US" dirty="0"/>
-              <a:t>ACCELONIC LTD. (</a:t>
-            </a:r>
-            <a:r>
-              <a:rPr lang="en-US" dirty="0" smtClean="0"/>
-              <a:t>entity)</a:t>
-            </a:r>
-          </a:p>
-          <a:p>
-            <a:pPr marL="0" indent="0" algn="just">
-              <a:buNone/>
-            </a:pPr>
-            <a:r>
-              <a:rPr lang="en-US" dirty="0" smtClean="0"/>
-              <a:t>Knowing this, we can search for similar nodes in the embeddings database, and get the following:</a:t>
-            </a:r>
-            <a:endParaRPr lang="en-US" dirty="0"/>
+            <a:fld id="{8CEDE46D-73D4-420B-A66A-9E3B2783BD10}" type="slidenum">
+              <a:rPr lang="en-US" smtClean="0"/>
+              <a:t>5</a:t>
+            </a:fld>
+            <a:endParaRPr lang="en-US"/>
           </a:p>
         </p:txBody>
       </p:sp>
     </p:spTree>
     <p:extLst>
       <p:ext uri="{BB962C8B-B14F-4D97-AF65-F5344CB8AC3E}">
-        <p14:creationId xmlns:p14="http://schemas.microsoft.com/office/powerpoint/2010/main" val="3534217610"/>
+        <p14:creationId xmlns:p14="http://schemas.microsoft.com/office/powerpoint/2010/main" val="3560831542"/>
       </p:ext>
     </p:extLst>
   </p:cSld>
@@ -4916,1073 +8508,69 @@
           <a:chExt cx="0" cy="0"/>
         </a:xfrm>
       </p:grpSpPr>
-      <p:sp>
-        <p:nvSpPr>
-          <p:cNvPr id="46" name="Rectangle 45"/>
-          <p:cNvSpPr/>
+      <p:pic>
+        <p:nvPicPr>
+          <p:cNvPr id="6" name="Picture 5"/>
+          <p:cNvPicPr>
+            <a:picLocks noChangeAspect="1"/>
+          </p:cNvPicPr>
           <p:nvPr/>
-        </p:nvSpPr>
-        <p:spPr>
-          <a:xfrm>
-            <a:off x="1555679" y="1649614"/>
-            <a:ext cx="1715633" cy="639403"/>
+        </p:nvPicPr>
+        <p:blipFill>
+          <a:blip r:embed="rId2">
+            <a:extLst>
+              <a:ext uri="{28A0092B-C50C-407E-A947-70E740481C1C}">
+                <a14:useLocalDpi xmlns:a14="http://schemas.microsoft.com/office/drawing/2010/main" val="0"/>
+              </a:ext>
+            </a:extLst>
+          </a:blip>
+          <a:stretch>
+            <a:fillRect/>
+          </a:stretch>
+        </p:blipFill>
+        <p:spPr>
+          <a:xfrm>
+            <a:off x="1147198" y="3323586"/>
+            <a:ext cx="4413094" cy="3459615"/>
           </a:xfrm>
           <a:prstGeom prst="rect">
             <a:avLst/>
           </a:prstGeom>
-          <a:solidFill>
-            <a:schemeClr val="bg2">
-              <a:lumMod val="75000"/>
-            </a:schemeClr>
-          </a:solidFill>
-          <a:ln>
-            <a:solidFill>
-              <a:schemeClr val="tx1"/>
-            </a:solidFill>
-          </a:ln>
-        </p:spPr>
-        <p:style>
-          <a:lnRef idx="2">
-            <a:schemeClr val="accent1">
-              <a:shade val="50000"/>
-            </a:schemeClr>
-          </a:lnRef>
-          <a:fillRef idx="1">
-            <a:schemeClr val="accent1"/>
-          </a:fillRef>
-          <a:effectRef idx="0">
-            <a:schemeClr val="accent1"/>
-          </a:effectRef>
-          <a:fontRef idx="minor">
-            <a:schemeClr val="lt1"/>
-          </a:fontRef>
-        </p:style>
-        <p:txBody>
-          <a:bodyPr rtlCol="0" anchor="ctr"/>
-          <a:lstStyle/>
-          <a:p>
-            <a:pPr algn="ctr"/>
-            <a:r>
-              <a:rPr lang="en-US" dirty="0" smtClean="0">
-                <a:solidFill>
-                  <a:schemeClr val="tx1"/>
-                </a:solidFill>
-              </a:rPr>
-              <a:t>Graph Analytics</a:t>
-            </a:r>
-          </a:p>
-        </p:txBody>
-      </p:sp>
-      <p:sp>
-        <p:nvSpPr>
-          <p:cNvPr id="47" name="Rectangle 46"/>
-          <p:cNvSpPr/>
+        </p:spPr>
+      </p:pic>
+      <p:pic>
+        <p:nvPicPr>
+          <p:cNvPr id="5" name="Picture 4"/>
+          <p:cNvPicPr>
+            <a:picLocks noChangeAspect="1"/>
+          </p:cNvPicPr>
           <p:nvPr/>
-        </p:nvSpPr>
-        <p:spPr>
-          <a:xfrm>
-            <a:off x="1777494" y="3809610"/>
-            <a:ext cx="1715633" cy="639403"/>
+        </p:nvPicPr>
+        <p:blipFill>
+          <a:blip r:embed="rId3">
+            <a:extLst>
+              <a:ext uri="{28A0092B-C50C-407E-A947-70E740481C1C}">
+                <a14:useLocalDpi xmlns:a14="http://schemas.microsoft.com/office/drawing/2010/main" val="0"/>
+              </a:ext>
+            </a:extLst>
+          </a:blip>
+          <a:stretch>
+            <a:fillRect/>
+          </a:stretch>
+        </p:blipFill>
+        <p:spPr>
+          <a:xfrm>
+            <a:off x="5869290" y="3096572"/>
+            <a:ext cx="4881837" cy="3686629"/>
           </a:xfrm>
           <a:prstGeom prst="rect">
             <a:avLst/>
           </a:prstGeom>
-          <a:solidFill>
-            <a:schemeClr val="bg2">
-              <a:lumMod val="75000"/>
-            </a:schemeClr>
-          </a:solidFill>
-          <a:ln>
-            <a:solidFill>
-              <a:schemeClr val="tx1"/>
-            </a:solidFill>
-          </a:ln>
-        </p:spPr>
-        <p:style>
-          <a:lnRef idx="2">
-            <a:schemeClr val="accent1">
-              <a:shade val="50000"/>
-            </a:schemeClr>
-          </a:lnRef>
-          <a:fillRef idx="1">
-            <a:schemeClr val="accent1"/>
-          </a:fillRef>
-          <a:effectRef idx="0">
-            <a:schemeClr val="accent1"/>
-          </a:effectRef>
-          <a:fontRef idx="minor">
-            <a:schemeClr val="lt1"/>
-          </a:fontRef>
-        </p:style>
-        <p:txBody>
-          <a:bodyPr rtlCol="0" anchor="ctr"/>
-          <a:lstStyle/>
-          <a:p>
-            <a:pPr algn="ctr"/>
-            <a:r>
-              <a:rPr lang="en-US" dirty="0" smtClean="0">
-                <a:solidFill>
-                  <a:schemeClr val="tx1"/>
-                </a:solidFill>
-              </a:rPr>
-              <a:t>Embeddings</a:t>
-            </a:r>
-          </a:p>
-        </p:txBody>
-      </p:sp>
-      <p:cxnSp>
-        <p:nvCxnSpPr>
-          <p:cNvPr id="52" name="Straight Arrow Connector 51"/>
-          <p:cNvCxnSpPr>
-            <a:stCxn id="75" idx="4"/>
-            <a:endCxn id="46" idx="1"/>
-          </p:cNvCxnSpPr>
-          <p:nvPr/>
-        </p:nvCxnSpPr>
-        <p:spPr>
-          <a:xfrm flipV="1">
-            <a:off x="1349335" y="1969316"/>
-            <a:ext cx="206344" cy="1213502"/>
-          </a:xfrm>
-          <a:prstGeom prst="straightConnector1">
-            <a:avLst/>
-          </a:prstGeom>
-          <a:ln>
-            <a:solidFill>
-              <a:schemeClr val="tx1"/>
-            </a:solidFill>
-            <a:tailEnd type="triangle"/>
-          </a:ln>
-        </p:spPr>
-        <p:style>
-          <a:lnRef idx="1">
-            <a:schemeClr val="accent1"/>
-          </a:lnRef>
-          <a:fillRef idx="0">
-            <a:schemeClr val="accent1"/>
-          </a:fillRef>
-          <a:effectRef idx="0">
-            <a:schemeClr val="accent1"/>
-          </a:effectRef>
-          <a:fontRef idx="minor">
-            <a:schemeClr val="tx1"/>
-          </a:fontRef>
-        </p:style>
-      </p:cxnSp>
-      <p:cxnSp>
-        <p:nvCxnSpPr>
-          <p:cNvPr id="54" name="Straight Arrow Connector 53"/>
-          <p:cNvCxnSpPr>
-            <a:stCxn id="75" idx="4"/>
-            <a:endCxn id="47" idx="1"/>
-          </p:cNvCxnSpPr>
-          <p:nvPr/>
-        </p:nvCxnSpPr>
-        <p:spPr>
-          <a:xfrm>
-            <a:off x="1349335" y="3182818"/>
-            <a:ext cx="428159" cy="946494"/>
-          </a:xfrm>
-          <a:prstGeom prst="straightConnector1">
-            <a:avLst/>
-          </a:prstGeom>
-          <a:ln>
-            <a:solidFill>
-              <a:schemeClr val="tx1"/>
-            </a:solidFill>
-            <a:tailEnd type="triangle"/>
-          </a:ln>
-        </p:spPr>
-        <p:style>
-          <a:lnRef idx="1">
-            <a:schemeClr val="accent1"/>
-          </a:lnRef>
-          <a:fillRef idx="0">
-            <a:schemeClr val="accent1"/>
-          </a:fillRef>
-          <a:effectRef idx="0">
-            <a:schemeClr val="accent1"/>
-          </a:effectRef>
-          <a:fontRef idx="minor">
-            <a:schemeClr val="tx1"/>
-          </a:fontRef>
-        </p:style>
-      </p:cxnSp>
-      <p:sp>
-        <p:nvSpPr>
-          <p:cNvPr id="58" name="Rectangle 57"/>
-          <p:cNvSpPr/>
-          <p:nvPr/>
-        </p:nvSpPr>
-        <p:spPr>
-          <a:xfrm>
-            <a:off x="3674194" y="1042223"/>
-            <a:ext cx="1715633" cy="639403"/>
-          </a:xfrm>
-          <a:prstGeom prst="rect">
-            <a:avLst/>
-          </a:prstGeom>
-          <a:solidFill>
-            <a:schemeClr val="bg2">
-              <a:lumMod val="75000"/>
-            </a:schemeClr>
-          </a:solidFill>
-          <a:ln>
-            <a:solidFill>
-              <a:schemeClr val="tx1"/>
-            </a:solidFill>
-          </a:ln>
-        </p:spPr>
-        <p:style>
-          <a:lnRef idx="2">
-            <a:schemeClr val="accent1">
-              <a:shade val="50000"/>
-            </a:schemeClr>
-          </a:lnRef>
-          <a:fillRef idx="1">
-            <a:schemeClr val="accent1"/>
-          </a:fillRef>
-          <a:effectRef idx="0">
-            <a:schemeClr val="accent1"/>
-          </a:effectRef>
-          <a:fontRef idx="minor">
-            <a:schemeClr val="lt1"/>
-          </a:fontRef>
-        </p:style>
-        <p:txBody>
-          <a:bodyPr rtlCol="0" anchor="ctr"/>
-          <a:lstStyle/>
-          <a:p>
-            <a:pPr algn="ctr"/>
-            <a:r>
-              <a:rPr lang="en-US" dirty="0" err="1" smtClean="0">
-                <a:solidFill>
-                  <a:schemeClr val="tx1"/>
-                </a:solidFill>
-              </a:rPr>
-              <a:t>NetworkX</a:t>
-            </a:r>
-            <a:endParaRPr lang="en-US" dirty="0" smtClean="0">
-              <a:solidFill>
-                <a:schemeClr val="tx1"/>
-              </a:solidFill>
-            </a:endParaRPr>
-          </a:p>
-        </p:txBody>
-      </p:sp>
-      <p:sp>
-        <p:nvSpPr>
-          <p:cNvPr id="59" name="Rectangle 58"/>
-          <p:cNvSpPr/>
-          <p:nvPr/>
-        </p:nvSpPr>
-        <p:spPr>
-          <a:xfrm>
-            <a:off x="3674194" y="2308833"/>
-            <a:ext cx="1715633" cy="639403"/>
-          </a:xfrm>
-          <a:prstGeom prst="rect">
-            <a:avLst/>
-          </a:prstGeom>
-          <a:solidFill>
-            <a:schemeClr val="bg2">
-              <a:lumMod val="75000"/>
-            </a:schemeClr>
-          </a:solidFill>
-          <a:ln>
-            <a:solidFill>
-              <a:schemeClr val="tx1"/>
-            </a:solidFill>
-          </a:ln>
-        </p:spPr>
-        <p:style>
-          <a:lnRef idx="2">
-            <a:schemeClr val="accent1">
-              <a:shade val="50000"/>
-            </a:schemeClr>
-          </a:lnRef>
-          <a:fillRef idx="1">
-            <a:schemeClr val="accent1"/>
-          </a:fillRef>
-          <a:effectRef idx="0">
-            <a:schemeClr val="accent1"/>
-          </a:effectRef>
-          <a:fontRef idx="minor">
-            <a:schemeClr val="lt1"/>
-          </a:fontRef>
-        </p:style>
-        <p:txBody>
-          <a:bodyPr rtlCol="0" anchor="ctr"/>
-          <a:lstStyle/>
-          <a:p>
-            <a:pPr algn="ctr"/>
-            <a:r>
-              <a:rPr lang="en-US" dirty="0" smtClean="0">
-                <a:solidFill>
-                  <a:schemeClr val="tx1"/>
-                </a:solidFill>
-              </a:rPr>
-              <a:t>TSP</a:t>
-            </a:r>
-          </a:p>
-        </p:txBody>
-      </p:sp>
-      <p:cxnSp>
-        <p:nvCxnSpPr>
-          <p:cNvPr id="61" name="Straight Arrow Connector 60"/>
-          <p:cNvCxnSpPr>
-            <a:stCxn id="46" idx="3"/>
-            <a:endCxn id="58" idx="1"/>
-          </p:cNvCxnSpPr>
-          <p:nvPr/>
-        </p:nvCxnSpPr>
-        <p:spPr>
-          <a:xfrm flipV="1">
-            <a:off x="3271312" y="1361925"/>
-            <a:ext cx="402882" cy="607391"/>
-          </a:xfrm>
-          <a:prstGeom prst="straightConnector1">
-            <a:avLst/>
-          </a:prstGeom>
-          <a:ln>
-            <a:solidFill>
-              <a:schemeClr val="tx1"/>
-            </a:solidFill>
-            <a:tailEnd type="triangle"/>
-          </a:ln>
-        </p:spPr>
-        <p:style>
-          <a:lnRef idx="1">
-            <a:schemeClr val="accent1"/>
-          </a:lnRef>
-          <a:fillRef idx="0">
-            <a:schemeClr val="accent1"/>
-          </a:fillRef>
-          <a:effectRef idx="0">
-            <a:schemeClr val="accent1"/>
-          </a:effectRef>
-          <a:fontRef idx="minor">
-            <a:schemeClr val="tx1"/>
-          </a:fontRef>
-        </p:style>
-      </p:cxnSp>
-      <p:cxnSp>
-        <p:nvCxnSpPr>
-          <p:cNvPr id="63" name="Straight Arrow Connector 62"/>
-          <p:cNvCxnSpPr>
-            <a:stCxn id="46" idx="3"/>
-            <a:endCxn id="59" idx="1"/>
-          </p:cNvCxnSpPr>
-          <p:nvPr/>
-        </p:nvCxnSpPr>
-        <p:spPr>
-          <a:xfrm>
-            <a:off x="3271312" y="1969316"/>
-            <a:ext cx="402882" cy="659219"/>
-          </a:xfrm>
-          <a:prstGeom prst="straightConnector1">
-            <a:avLst/>
-          </a:prstGeom>
-          <a:ln>
-            <a:solidFill>
-              <a:schemeClr val="tx1"/>
-            </a:solidFill>
-            <a:tailEnd type="triangle"/>
-          </a:ln>
-        </p:spPr>
-        <p:style>
-          <a:lnRef idx="1">
-            <a:schemeClr val="accent1"/>
-          </a:lnRef>
-          <a:fillRef idx="0">
-            <a:schemeClr val="accent1"/>
-          </a:fillRef>
-          <a:effectRef idx="0">
-            <a:schemeClr val="accent1"/>
-          </a:effectRef>
-          <a:fontRef idx="minor">
-            <a:schemeClr val="tx1"/>
-          </a:fontRef>
-        </p:style>
-      </p:cxnSp>
-      <p:sp>
-        <p:nvSpPr>
-          <p:cNvPr id="66" name="Rounded Rectangle 65"/>
-          <p:cNvSpPr/>
-          <p:nvPr/>
-        </p:nvSpPr>
-        <p:spPr>
-          <a:xfrm>
-            <a:off x="697486" y="4881577"/>
-            <a:ext cx="1499861" cy="1000181"/>
-          </a:xfrm>
-          <a:prstGeom prst="roundRect">
-            <a:avLst/>
-          </a:prstGeom>
-          <a:solidFill>
-            <a:schemeClr val="bg2">
-              <a:lumMod val="75000"/>
-            </a:schemeClr>
-          </a:solidFill>
-          <a:ln>
-            <a:solidFill>
-              <a:schemeClr val="tx1"/>
-            </a:solidFill>
-          </a:ln>
-        </p:spPr>
-        <p:style>
-          <a:lnRef idx="2">
-            <a:schemeClr val="accent1">
-              <a:shade val="50000"/>
-            </a:schemeClr>
-          </a:lnRef>
-          <a:fillRef idx="1">
-            <a:schemeClr val="accent1"/>
-          </a:fillRef>
-          <a:effectRef idx="0">
-            <a:schemeClr val="accent1"/>
-          </a:effectRef>
-          <a:fontRef idx="minor">
-            <a:schemeClr val="lt1"/>
-          </a:fontRef>
-        </p:style>
-        <p:txBody>
-          <a:bodyPr rtlCol="0" anchor="ctr"/>
-          <a:lstStyle/>
-          <a:p>
-            <a:pPr algn="ctr"/>
-            <a:r>
-              <a:rPr lang="en-US" dirty="0" smtClean="0">
-                <a:solidFill>
-                  <a:schemeClr val="tx1"/>
-                </a:solidFill>
-              </a:rPr>
-              <a:t>Create a corpus from the graph</a:t>
-            </a:r>
-            <a:endParaRPr lang="en-US" dirty="0">
-              <a:solidFill>
-                <a:schemeClr val="tx1"/>
-              </a:solidFill>
-            </a:endParaRPr>
-          </a:p>
-        </p:txBody>
-      </p:sp>
-      <p:sp>
-        <p:nvSpPr>
-          <p:cNvPr id="67" name="Rounded Rectangle 66"/>
-          <p:cNvSpPr/>
-          <p:nvPr/>
-        </p:nvSpPr>
-        <p:spPr>
-          <a:xfrm>
-            <a:off x="2824676" y="4881577"/>
-            <a:ext cx="1499861" cy="1000181"/>
-          </a:xfrm>
-          <a:prstGeom prst="roundRect">
-            <a:avLst/>
-          </a:prstGeom>
-          <a:solidFill>
-            <a:schemeClr val="bg2">
-              <a:lumMod val="75000"/>
-            </a:schemeClr>
-          </a:solidFill>
-          <a:ln>
-            <a:solidFill>
-              <a:schemeClr val="tx1"/>
-            </a:solidFill>
-          </a:ln>
-        </p:spPr>
-        <p:style>
-          <a:lnRef idx="2">
-            <a:schemeClr val="accent1">
-              <a:shade val="50000"/>
-            </a:schemeClr>
-          </a:lnRef>
-          <a:fillRef idx="1">
-            <a:schemeClr val="accent1"/>
-          </a:fillRef>
-          <a:effectRef idx="0">
-            <a:schemeClr val="accent1"/>
-          </a:effectRef>
-          <a:fontRef idx="minor">
-            <a:schemeClr val="lt1"/>
-          </a:fontRef>
-        </p:style>
-        <p:txBody>
-          <a:bodyPr rtlCol="0" anchor="ctr"/>
-          <a:lstStyle/>
-          <a:p>
-            <a:pPr algn="ctr"/>
-            <a:r>
-              <a:rPr lang="en-US" dirty="0" smtClean="0">
-                <a:solidFill>
-                  <a:schemeClr val="tx1"/>
-                </a:solidFill>
-              </a:rPr>
-              <a:t>Train the corpus using word2vec</a:t>
-            </a:r>
-            <a:endParaRPr lang="en-US" dirty="0">
-              <a:solidFill>
-                <a:schemeClr val="tx1"/>
-              </a:solidFill>
-            </a:endParaRPr>
-          </a:p>
-        </p:txBody>
-      </p:sp>
-      <p:cxnSp>
-        <p:nvCxnSpPr>
-          <p:cNvPr id="69" name="Straight Arrow Connector 68"/>
-          <p:cNvCxnSpPr>
-            <a:stCxn id="66" idx="0"/>
-            <a:endCxn id="47" idx="2"/>
-          </p:cNvCxnSpPr>
-          <p:nvPr/>
-        </p:nvCxnSpPr>
-        <p:spPr>
-          <a:xfrm flipV="1">
-            <a:off x="1447417" y="4449013"/>
-            <a:ext cx="1187894" cy="432564"/>
-          </a:xfrm>
-          <a:prstGeom prst="straightConnector1">
-            <a:avLst/>
-          </a:prstGeom>
-          <a:ln>
-            <a:solidFill>
-              <a:schemeClr val="tx1"/>
-            </a:solidFill>
-            <a:tailEnd type="triangle"/>
-          </a:ln>
-        </p:spPr>
-        <p:style>
-          <a:lnRef idx="1">
-            <a:schemeClr val="accent1"/>
-          </a:lnRef>
-          <a:fillRef idx="0">
-            <a:schemeClr val="accent1"/>
-          </a:fillRef>
-          <a:effectRef idx="0">
-            <a:schemeClr val="accent1"/>
-          </a:effectRef>
-          <a:fontRef idx="minor">
-            <a:schemeClr val="tx1"/>
-          </a:fontRef>
-        </p:style>
-      </p:cxnSp>
-      <p:cxnSp>
-        <p:nvCxnSpPr>
-          <p:cNvPr id="71" name="Straight Arrow Connector 70"/>
-          <p:cNvCxnSpPr>
-            <a:stCxn id="67" idx="0"/>
-            <a:endCxn id="47" idx="2"/>
-          </p:cNvCxnSpPr>
-          <p:nvPr/>
-        </p:nvCxnSpPr>
-        <p:spPr>
-          <a:xfrm flipH="1" flipV="1">
-            <a:off x="2635311" y="4449013"/>
-            <a:ext cx="939296" cy="432564"/>
-          </a:xfrm>
-          <a:prstGeom prst="straightConnector1">
-            <a:avLst/>
-          </a:prstGeom>
-          <a:ln>
-            <a:solidFill>
-              <a:schemeClr val="tx1"/>
-            </a:solidFill>
-            <a:tailEnd type="triangle"/>
-          </a:ln>
-        </p:spPr>
-        <p:style>
-          <a:lnRef idx="1">
-            <a:schemeClr val="accent1"/>
-          </a:lnRef>
-          <a:fillRef idx="0">
-            <a:schemeClr val="accent1"/>
-          </a:fillRef>
-          <a:effectRef idx="0">
-            <a:schemeClr val="accent1"/>
-          </a:effectRef>
-          <a:fontRef idx="minor">
-            <a:schemeClr val="tx1"/>
-          </a:fontRef>
-        </p:style>
-      </p:cxnSp>
-      <p:sp>
-        <p:nvSpPr>
-          <p:cNvPr id="74" name="Right Arrow 73"/>
-          <p:cNvSpPr/>
-          <p:nvPr/>
-        </p:nvSpPr>
-        <p:spPr>
-          <a:xfrm>
-            <a:off x="5389827" y="1803892"/>
-            <a:ext cx="2287511" cy="391736"/>
-          </a:xfrm>
-          <a:prstGeom prst="rightArrow">
-            <a:avLst/>
-          </a:prstGeom>
-          <a:solidFill>
-            <a:schemeClr val="bg2">
-              <a:lumMod val="75000"/>
-            </a:schemeClr>
-          </a:solidFill>
-          <a:ln>
-            <a:solidFill>
-              <a:schemeClr val="tx1"/>
-            </a:solidFill>
-          </a:ln>
-        </p:spPr>
-        <p:style>
-          <a:lnRef idx="2">
-            <a:schemeClr val="accent1">
-              <a:shade val="50000"/>
-            </a:schemeClr>
-          </a:lnRef>
-          <a:fillRef idx="1">
-            <a:schemeClr val="accent1"/>
-          </a:fillRef>
-          <a:effectRef idx="0">
-            <a:schemeClr val="accent1"/>
-          </a:effectRef>
-          <a:fontRef idx="minor">
-            <a:schemeClr val="lt1"/>
-          </a:fontRef>
-        </p:style>
-        <p:txBody>
-          <a:bodyPr rtlCol="0" anchor="ctr"/>
-          <a:lstStyle/>
-          <a:p>
-            <a:pPr algn="ctr"/>
-            <a:r>
-              <a:rPr lang="en-US" dirty="0" smtClean="0">
-                <a:solidFill>
-                  <a:schemeClr val="tx1"/>
-                </a:solidFill>
-              </a:rPr>
-              <a:t>PageRank and other</a:t>
-            </a:r>
-            <a:endParaRPr lang="en-US" dirty="0">
-              <a:solidFill>
-                <a:schemeClr val="tx1"/>
-              </a:solidFill>
-            </a:endParaRPr>
-          </a:p>
-        </p:txBody>
-      </p:sp>
-      <p:sp>
-        <p:nvSpPr>
-          <p:cNvPr id="75" name="Can 74"/>
-          <p:cNvSpPr/>
-          <p:nvPr/>
-        </p:nvSpPr>
-        <p:spPr>
-          <a:xfrm>
-            <a:off x="45637" y="2298925"/>
-            <a:ext cx="1303698" cy="1767785"/>
-          </a:xfrm>
-          <a:prstGeom prst="can">
-            <a:avLst/>
-          </a:prstGeom>
-          <a:solidFill>
-            <a:schemeClr val="bg2">
-              <a:lumMod val="75000"/>
-            </a:schemeClr>
-          </a:solidFill>
-          <a:ln>
-            <a:solidFill>
-              <a:schemeClr val="tx1"/>
-            </a:solidFill>
-          </a:ln>
-        </p:spPr>
-        <p:style>
-          <a:lnRef idx="2">
-            <a:schemeClr val="accent1">
-              <a:shade val="50000"/>
-            </a:schemeClr>
-          </a:lnRef>
-          <a:fillRef idx="1">
-            <a:schemeClr val="accent1"/>
-          </a:fillRef>
-          <a:effectRef idx="0">
-            <a:schemeClr val="accent1"/>
-          </a:effectRef>
-          <a:fontRef idx="minor">
-            <a:schemeClr val="lt1"/>
-          </a:fontRef>
-        </p:style>
-        <p:txBody>
-          <a:bodyPr rtlCol="0" anchor="ctr"/>
-          <a:lstStyle/>
-          <a:p>
-            <a:pPr algn="ctr"/>
-            <a:r>
-              <a:rPr lang="en-US" dirty="0" smtClean="0">
-                <a:solidFill>
-                  <a:schemeClr val="tx1"/>
-                </a:solidFill>
-              </a:rPr>
-              <a:t>Panama Papers CSV dataset</a:t>
-            </a:r>
-            <a:endParaRPr lang="en-US" dirty="0">
-              <a:solidFill>
-                <a:schemeClr val="tx1"/>
-              </a:solidFill>
-            </a:endParaRPr>
-          </a:p>
-        </p:txBody>
-      </p:sp>
-      <p:sp>
-        <p:nvSpPr>
-          <p:cNvPr id="82" name="Right Arrow 81"/>
-          <p:cNvSpPr/>
-          <p:nvPr/>
-        </p:nvSpPr>
-        <p:spPr>
-          <a:xfrm>
-            <a:off x="3493127" y="3934668"/>
-            <a:ext cx="4184211" cy="412748"/>
-          </a:xfrm>
-          <a:prstGeom prst="rightArrow">
-            <a:avLst/>
-          </a:prstGeom>
-          <a:solidFill>
-            <a:schemeClr val="bg2">
-              <a:lumMod val="75000"/>
-            </a:schemeClr>
-          </a:solidFill>
-          <a:ln>
-            <a:solidFill>
-              <a:schemeClr val="tx1"/>
-            </a:solidFill>
-          </a:ln>
-        </p:spPr>
-        <p:style>
-          <a:lnRef idx="2">
-            <a:schemeClr val="accent1">
-              <a:shade val="50000"/>
-            </a:schemeClr>
-          </a:lnRef>
-          <a:fillRef idx="1">
-            <a:schemeClr val="accent1"/>
-          </a:fillRef>
-          <a:effectRef idx="0">
-            <a:schemeClr val="accent1"/>
-          </a:effectRef>
-          <a:fontRef idx="minor">
-            <a:schemeClr val="lt1"/>
-          </a:fontRef>
-        </p:style>
-        <p:txBody>
-          <a:bodyPr rtlCol="0" anchor="ctr"/>
-          <a:lstStyle/>
-          <a:p>
-            <a:pPr algn="ctr"/>
-            <a:r>
-              <a:rPr lang="en-US" dirty="0" smtClean="0">
-                <a:solidFill>
-                  <a:schemeClr val="tx1"/>
-                </a:solidFill>
-              </a:rPr>
-              <a:t>NLP model training, RDFsim</a:t>
-            </a:r>
-            <a:endParaRPr lang="en-US" dirty="0">
-              <a:solidFill>
-                <a:schemeClr val="tx1"/>
-              </a:solidFill>
-            </a:endParaRPr>
-          </a:p>
-        </p:txBody>
-      </p:sp>
-      <p:sp>
-        <p:nvSpPr>
-          <p:cNvPr id="93" name="Can 92"/>
-          <p:cNvSpPr/>
-          <p:nvPr/>
-        </p:nvSpPr>
-        <p:spPr>
-          <a:xfrm>
-            <a:off x="7677338" y="1356709"/>
-            <a:ext cx="1285592" cy="1258432"/>
-          </a:xfrm>
-          <a:prstGeom prst="can">
-            <a:avLst/>
-          </a:prstGeom>
-          <a:solidFill>
-            <a:schemeClr val="bg2">
-              <a:lumMod val="75000"/>
-            </a:schemeClr>
-          </a:solidFill>
-          <a:ln>
-            <a:solidFill>
-              <a:schemeClr val="tx1"/>
-            </a:solidFill>
-          </a:ln>
-        </p:spPr>
-        <p:style>
-          <a:lnRef idx="2">
-            <a:schemeClr val="accent1">
-              <a:shade val="50000"/>
-            </a:schemeClr>
-          </a:lnRef>
-          <a:fillRef idx="1">
-            <a:schemeClr val="accent1"/>
-          </a:fillRef>
-          <a:effectRef idx="0">
-            <a:schemeClr val="accent1"/>
-          </a:effectRef>
-          <a:fontRef idx="minor">
-            <a:schemeClr val="lt1"/>
-          </a:fontRef>
-        </p:style>
-        <p:txBody>
-          <a:bodyPr rtlCol="0" anchor="ctr"/>
-          <a:lstStyle/>
-          <a:p>
-            <a:pPr algn="ctr"/>
-            <a:r>
-              <a:rPr lang="en-US" dirty="0" smtClean="0">
-                <a:solidFill>
-                  <a:schemeClr val="tx1"/>
-                </a:solidFill>
-              </a:rPr>
-              <a:t>Set of important nodes</a:t>
-            </a:r>
-            <a:endParaRPr lang="en-US" dirty="0">
-              <a:solidFill>
-                <a:schemeClr val="tx1"/>
-              </a:solidFill>
-            </a:endParaRPr>
-          </a:p>
-        </p:txBody>
-      </p:sp>
-      <p:sp>
-        <p:nvSpPr>
-          <p:cNvPr id="94" name="Can 93"/>
-          <p:cNvSpPr/>
-          <p:nvPr/>
-        </p:nvSpPr>
-        <p:spPr>
-          <a:xfrm>
-            <a:off x="7653189" y="3702080"/>
-            <a:ext cx="1575304" cy="2358994"/>
-          </a:xfrm>
-          <a:prstGeom prst="can">
-            <a:avLst/>
-          </a:prstGeom>
-          <a:solidFill>
-            <a:schemeClr val="bg2">
-              <a:lumMod val="75000"/>
-            </a:schemeClr>
-          </a:solidFill>
-          <a:ln>
-            <a:solidFill>
-              <a:schemeClr val="tx1"/>
-            </a:solidFill>
-          </a:ln>
-        </p:spPr>
-        <p:style>
-          <a:lnRef idx="2">
-            <a:schemeClr val="accent1">
-              <a:shade val="50000"/>
-            </a:schemeClr>
-          </a:lnRef>
-          <a:fillRef idx="1">
-            <a:schemeClr val="accent1"/>
-          </a:fillRef>
-          <a:effectRef idx="0">
-            <a:schemeClr val="accent1"/>
-          </a:effectRef>
-          <a:fontRef idx="minor">
-            <a:schemeClr val="lt1"/>
-          </a:fontRef>
-        </p:style>
-        <p:txBody>
-          <a:bodyPr rtlCol="0" anchor="ctr"/>
-          <a:lstStyle/>
-          <a:p>
-            <a:pPr algn="ctr"/>
-            <a:r>
-              <a:rPr lang="en-US" dirty="0" smtClean="0">
-                <a:solidFill>
-                  <a:schemeClr val="tx1"/>
-                </a:solidFill>
-              </a:rPr>
-              <a:t>Embeddings database able to create similarity networks</a:t>
-            </a:r>
-            <a:endParaRPr lang="en-US" dirty="0">
-              <a:solidFill>
-                <a:schemeClr val="tx1"/>
-              </a:solidFill>
-            </a:endParaRPr>
-          </a:p>
-        </p:txBody>
-      </p:sp>
-      <p:sp>
-        <p:nvSpPr>
-          <p:cNvPr id="95" name="Right Arrow 94"/>
-          <p:cNvSpPr/>
-          <p:nvPr/>
-        </p:nvSpPr>
-        <p:spPr>
-          <a:xfrm rot="5400000">
-            <a:off x="7668842" y="3053838"/>
-            <a:ext cx="1302584" cy="448148"/>
-          </a:xfrm>
-          <a:prstGeom prst="rightArrow">
-            <a:avLst/>
-          </a:prstGeom>
-          <a:solidFill>
-            <a:schemeClr val="bg2">
-              <a:lumMod val="75000"/>
-            </a:schemeClr>
-          </a:solidFill>
-          <a:ln>
-            <a:solidFill>
-              <a:schemeClr val="tx1"/>
-            </a:solidFill>
-          </a:ln>
-        </p:spPr>
-        <p:style>
-          <a:lnRef idx="2">
-            <a:schemeClr val="accent1">
-              <a:shade val="50000"/>
-            </a:schemeClr>
-          </a:lnRef>
-          <a:fillRef idx="1">
-            <a:schemeClr val="accent1"/>
-          </a:fillRef>
-          <a:effectRef idx="0">
-            <a:schemeClr val="accent1"/>
-          </a:effectRef>
-          <a:fontRef idx="minor">
-            <a:schemeClr val="lt1"/>
-          </a:fontRef>
-        </p:style>
-        <p:txBody>
-          <a:bodyPr rtlCol="0" anchor="ctr"/>
-          <a:lstStyle/>
-          <a:p>
-            <a:pPr algn="ctr"/>
-            <a:r>
-              <a:rPr lang="en-US" dirty="0" smtClean="0">
-                <a:solidFill>
-                  <a:schemeClr val="tx1"/>
-                </a:solidFill>
-              </a:rPr>
-              <a:t>Load </a:t>
-            </a:r>
-            <a:endParaRPr lang="en-US" dirty="0">
-              <a:solidFill>
-                <a:schemeClr val="tx1"/>
-              </a:solidFill>
-            </a:endParaRPr>
-          </a:p>
-        </p:txBody>
-      </p:sp>
-      <p:cxnSp>
-        <p:nvCxnSpPr>
-          <p:cNvPr id="97" name="Straight Arrow Connector 96"/>
-          <p:cNvCxnSpPr>
-            <a:stCxn id="94" idx="4"/>
-            <a:endCxn id="98" idx="2"/>
-          </p:cNvCxnSpPr>
-          <p:nvPr/>
-        </p:nvCxnSpPr>
-        <p:spPr>
-          <a:xfrm flipV="1">
-            <a:off x="9228493" y="4114232"/>
-            <a:ext cx="1485150" cy="767345"/>
-          </a:xfrm>
-          <a:prstGeom prst="straightConnector1">
-            <a:avLst/>
-          </a:prstGeom>
-          <a:ln>
-            <a:solidFill>
-              <a:schemeClr val="tx1"/>
-            </a:solidFill>
-            <a:tailEnd type="triangle"/>
-          </a:ln>
-        </p:spPr>
-        <p:style>
-          <a:lnRef idx="1">
-            <a:schemeClr val="accent1"/>
-          </a:lnRef>
-          <a:fillRef idx="0">
-            <a:schemeClr val="accent1"/>
-          </a:fillRef>
-          <a:effectRef idx="0">
-            <a:schemeClr val="accent1"/>
-          </a:effectRef>
-          <a:fontRef idx="minor">
-            <a:schemeClr val="tx1"/>
-          </a:fontRef>
-        </p:style>
-      </p:cxnSp>
-      <p:sp>
-        <p:nvSpPr>
-          <p:cNvPr id="98" name="Rectangle 97"/>
-          <p:cNvSpPr/>
-          <p:nvPr/>
-        </p:nvSpPr>
-        <p:spPr>
-          <a:xfrm>
-            <a:off x="9317522" y="2459165"/>
-            <a:ext cx="2792242" cy="1655067"/>
-          </a:xfrm>
-          <a:prstGeom prst="rect">
-            <a:avLst/>
-          </a:prstGeom>
-          <a:solidFill>
-            <a:schemeClr val="bg2">
-              <a:lumMod val="75000"/>
-            </a:schemeClr>
-          </a:solidFill>
-          <a:ln>
-            <a:solidFill>
-              <a:schemeClr val="tx1"/>
-            </a:solidFill>
-          </a:ln>
-        </p:spPr>
-        <p:style>
-          <a:lnRef idx="2">
-            <a:schemeClr val="accent1">
-              <a:shade val="50000"/>
-            </a:schemeClr>
-          </a:lnRef>
-          <a:fillRef idx="1">
-            <a:schemeClr val="accent1"/>
-          </a:fillRef>
-          <a:effectRef idx="0">
-            <a:schemeClr val="accent1"/>
-          </a:effectRef>
-          <a:fontRef idx="minor">
-            <a:schemeClr val="lt1"/>
-          </a:fontRef>
-        </p:style>
-        <p:txBody>
-          <a:bodyPr rtlCol="0" anchor="ctr"/>
-          <a:lstStyle/>
-          <a:p>
-            <a:pPr algn="ctr"/>
-            <a:r>
-              <a:rPr lang="en-US" dirty="0" smtClean="0">
-                <a:solidFill>
-                  <a:schemeClr val="tx1"/>
-                </a:solidFill>
-              </a:rPr>
-              <a:t>Provide an analysis that can create similarity graphs for important nodes of the graph, exposing connections between entities and more!</a:t>
-            </a:r>
-            <a:endParaRPr lang="en-US" dirty="0">
-              <a:solidFill>
-                <a:schemeClr val="tx1"/>
-              </a:solidFill>
-            </a:endParaRPr>
-          </a:p>
-        </p:txBody>
-      </p:sp>
-      <p:sp>
-        <p:nvSpPr>
-          <p:cNvPr id="105" name="Title 104"/>
+        </p:spPr>
+      </p:pic>
+      <p:sp>
+        <p:nvSpPr>
+          <p:cNvPr id="2" name="Title 1"/>
           <p:cNvSpPr>
             <a:spLocks noGrp="1"/>
           </p:cNvSpPr>
@@ -5997,16 +8585,89 @@
           <a:p>
             <a:r>
               <a:rPr lang="en-US" dirty="0" smtClean="0"/>
-              <a:t>Our work</a:t>
+              <a:t>An early example</a:t>
             </a:r>
             <a:endParaRPr lang="en-US" dirty="0"/>
+          </a:p>
+        </p:txBody>
+      </p:sp>
+      <p:sp>
+        <p:nvSpPr>
+          <p:cNvPr id="3" name="Content Placeholder 2"/>
+          <p:cNvSpPr>
+            <a:spLocks noGrp="1"/>
+          </p:cNvSpPr>
+          <p:nvPr>
+            <p:ph idx="1"/>
+          </p:nvPr>
+        </p:nvSpPr>
+        <p:spPr>
+          <a:xfrm>
+            <a:off x="838200" y="1825625"/>
+            <a:ext cx="10515600" cy="1593850"/>
+          </a:xfrm>
+        </p:spPr>
+        <p:txBody>
+          <a:bodyPr>
+            <a:normAutofit lnSpcReduction="10000"/>
+          </a:bodyPr>
+          <a:lstStyle/>
+          <a:p>
+            <a:pPr marL="0" indent="0" algn="just">
+              <a:buNone/>
+            </a:pPr>
+            <a:r>
+              <a:rPr lang="en-US" dirty="0" smtClean="0"/>
+              <a:t>By running PageRank and Eigenvector Centrality, we discovered that the node with the highest value is </a:t>
+            </a:r>
+            <a:r>
+              <a:rPr lang="en-US" dirty="0"/>
+              <a:t>ACCELONIC LTD. (</a:t>
+            </a:r>
+            <a:r>
+              <a:rPr lang="en-US" dirty="0" smtClean="0"/>
+              <a:t>entity)</a:t>
+            </a:r>
+          </a:p>
+          <a:p>
+            <a:pPr marL="0" indent="0" algn="just">
+              <a:buNone/>
+            </a:pPr>
+            <a:r>
+              <a:rPr lang="en-US" dirty="0" smtClean="0"/>
+              <a:t>Knowing this, we can search for similar nodes in the embeddings database, and get the following:</a:t>
+            </a:r>
+            <a:endParaRPr lang="en-US" dirty="0"/>
+          </a:p>
+        </p:txBody>
+      </p:sp>
+      <p:sp>
+        <p:nvSpPr>
+          <p:cNvPr id="4" name="Slide Number Placeholder 3"/>
+          <p:cNvSpPr>
+            <a:spLocks noGrp="1"/>
+          </p:cNvSpPr>
+          <p:nvPr>
+            <p:ph type="sldNum" sz="quarter" idx="12"/>
+          </p:nvPr>
+        </p:nvSpPr>
+        <p:spPr/>
+        <p:txBody>
+          <a:bodyPr/>
+          <a:lstStyle/>
+          <a:p>
+            <a:fld id="{8CEDE46D-73D4-420B-A66A-9E3B2783BD10}" type="slidenum">
+              <a:rPr lang="en-US" smtClean="0"/>
+              <a:t>6</a:t>
+            </a:fld>
+            <a:endParaRPr lang="en-US"/>
           </a:p>
         </p:txBody>
       </p:sp>
     </p:spTree>
     <p:extLst>
       <p:ext uri="{BB962C8B-B14F-4D97-AF65-F5344CB8AC3E}">
-        <p14:creationId xmlns:p14="http://schemas.microsoft.com/office/powerpoint/2010/main" val="3560831542"/>
+        <p14:creationId xmlns:p14="http://schemas.microsoft.com/office/powerpoint/2010/main" val="3534217610"/>
       </p:ext>
     </p:extLst>
   </p:cSld>
@@ -6128,6 +8789,29 @@
           </a:p>
         </p:txBody>
       </p:sp>
+      <p:sp>
+        <p:nvSpPr>
+          <p:cNvPr id="4" name="Slide Number Placeholder 3"/>
+          <p:cNvSpPr>
+            <a:spLocks noGrp="1"/>
+          </p:cNvSpPr>
+          <p:nvPr>
+            <p:ph type="sldNum" sz="quarter" idx="12"/>
+          </p:nvPr>
+        </p:nvSpPr>
+        <p:spPr/>
+        <p:txBody>
+          <a:bodyPr/>
+          <a:lstStyle/>
+          <a:p>
+            <a:fld id="{8CEDE46D-73D4-420B-A66A-9E3B2783BD10}" type="slidenum">
+              <a:rPr lang="en-US" smtClean="0"/>
+              <a:t>7</a:t>
+            </a:fld>
+            <a:endParaRPr lang="en-US"/>
+          </a:p>
+        </p:txBody>
+      </p:sp>
     </p:spTree>
     <p:extLst>
       <p:ext uri="{BB962C8B-B14F-4D97-AF65-F5344CB8AC3E}">
@@ -6138,6 +8822,13 @@
   <p:clrMapOvr>
     <a:masterClrMapping/>
   </p:clrMapOvr>
+  <p:timing>
+    <p:tnLst>
+      <p:par>
+        <p:cTn id="1" dur="indefinite" restart="never" nodeType="tmRoot"/>
+      </p:par>
+    </p:tnLst>
+  </p:timing>
 </p:sld>
 </file>
 
@@ -6212,6 +8903,29 @@
           </a:p>
         </p:txBody>
       </p:sp>
+      <p:sp>
+        <p:nvSpPr>
+          <p:cNvPr id="4" name="Slide Number Placeholder 3"/>
+          <p:cNvSpPr>
+            <a:spLocks noGrp="1"/>
+          </p:cNvSpPr>
+          <p:nvPr>
+            <p:ph type="sldNum" sz="quarter" idx="12"/>
+          </p:nvPr>
+        </p:nvSpPr>
+        <p:spPr/>
+        <p:txBody>
+          <a:bodyPr/>
+          <a:lstStyle/>
+          <a:p>
+            <a:fld id="{8CEDE46D-73D4-420B-A66A-9E3B2783BD10}" type="slidenum">
+              <a:rPr lang="en-US" smtClean="0"/>
+              <a:t>8</a:t>
+            </a:fld>
+            <a:endParaRPr lang="en-US"/>
+          </a:p>
+        </p:txBody>
+      </p:sp>
     </p:spTree>
     <p:extLst>
       <p:ext uri="{BB962C8B-B14F-4D97-AF65-F5344CB8AC3E}">
@@ -6222,6 +8936,13 @@
   <p:clrMapOvr>
     <a:masterClrMapping/>
   </p:clrMapOvr>
+  <p:timing>
+    <p:tnLst>
+      <p:par>
+        <p:cTn id="1" dur="indefinite" restart="never" nodeType="tmRoot"/>
+      </p:par>
+    </p:tnLst>
+  </p:timing>
 </p:sld>
 </file>
 
@@ -6263,11 +8984,7 @@
             </a:r>
             <a:r>
               <a:rPr lang="en-US" dirty="0" smtClean="0"/>
-              <a:t>Analytics: </a:t>
-            </a:r>
-            <a:r>
-              <a:rPr lang="en-US" dirty="0" err="1" smtClean="0"/>
-              <a:t>NetworkX</a:t>
+              <a:t>Analytics: NetworkX</a:t>
             </a:r>
             <a:endParaRPr lang="en-US" dirty="0"/>
           </a:p>
@@ -6290,46 +9007,34 @@
           <a:p>
             <a:pPr algn="just"/>
             <a:r>
-              <a:rPr lang="en-US" dirty="0" err="1" smtClean="0"/>
-              <a:t>NetworkX</a:t>
-            </a:r>
-            <a:r>
               <a:rPr lang="en-US" dirty="0" smtClean="0"/>
-              <a:t> is an open source python API which was able to load the dataset completely and run the algorithms we wanted</a:t>
+              <a:t>NetworkX is an open source python API which was able to load the dataset completely and run the algorithms we wanted</a:t>
             </a:r>
           </a:p>
           <a:p>
             <a:pPr algn="just"/>
             <a:r>
               <a:rPr lang="en-US" dirty="0" smtClean="0"/>
-              <a:t>We decided to use the results of </a:t>
-            </a:r>
-            <a:r>
-              <a:rPr lang="en-US" dirty="0" err="1" smtClean="0"/>
-              <a:t>NetworkX</a:t>
-            </a:r>
+              <a:t>We decided to use the results of NetworkX, as these results are extracted from the complete dataset and not a subset of it.</a:t>
+            </a:r>
+          </a:p>
+          <a:p>
+            <a:pPr algn="just"/>
             <a:r>
               <a:rPr lang="en-US" dirty="0" smtClean="0"/>
-              <a:t>, as these results are extracted from the complete dataset and not a subset of it.</a:t>
-            </a:r>
+              <a:t>PageRank</a:t>
+            </a:r>
+            <a:endParaRPr lang="en-US" dirty="0" smtClean="0"/>
           </a:p>
           <a:p>
             <a:pPr algn="just"/>
             <a:r>
-              <a:rPr lang="en-US" dirty="0" err="1" smtClean="0"/>
-              <a:t>Pagerank</a:t>
-            </a:r>
-            <a:endParaRPr lang="en-US" dirty="0" smtClean="0"/>
-          </a:p>
-          <a:p>
-            <a:pPr algn="just"/>
-            <a:r>
-              <a:rPr lang="en-US" dirty="0" err="1" smtClean="0"/>
-              <a:t>EigenVector</a:t>
-            </a:r>
-            <a:r>
               <a:rPr lang="en-US" dirty="0" smtClean="0"/>
-              <a:t> Centrality</a:t>
+              <a:t>Eigenvector </a:t>
+            </a:r>
+            <a:r>
+              <a:rPr lang="en-US" dirty="0" smtClean="0"/>
+              <a:t>Centrality</a:t>
             </a:r>
           </a:p>
           <a:p>
@@ -6346,6 +9051,29 @@
               <a:t>Clustering</a:t>
             </a:r>
             <a:endParaRPr lang="en-US" dirty="0"/>
+          </a:p>
+        </p:txBody>
+      </p:sp>
+      <p:sp>
+        <p:nvSpPr>
+          <p:cNvPr id="4" name="Slide Number Placeholder 3"/>
+          <p:cNvSpPr>
+            <a:spLocks noGrp="1"/>
+          </p:cNvSpPr>
+          <p:nvPr>
+            <p:ph type="sldNum" sz="quarter" idx="12"/>
+          </p:nvPr>
+        </p:nvSpPr>
+        <p:spPr/>
+        <p:txBody>
+          <a:bodyPr/>
+          <a:lstStyle/>
+          <a:p>
+            <a:fld id="{8CEDE46D-73D4-420B-A66A-9E3B2783BD10}" type="slidenum">
+              <a:rPr lang="en-US" smtClean="0"/>
+              <a:t>9</a:t>
+            </a:fld>
+            <a:endParaRPr lang="en-US"/>
           </a:p>
         </p:txBody>
       </p:sp>
@@ -6359,6 +9087,13 @@
   <p:clrMapOvr>
     <a:masterClrMapping/>
   </p:clrMapOvr>
+  <p:timing>
+    <p:tnLst>
+      <p:par>
+        <p:cTn id="1" dur="indefinite" restart="never" nodeType="tmRoot"/>
+      </p:par>
+    </p:tnLst>
+  </p:timing>
 </p:sld>
 </file>
 
